--- a/ReadMe.pptx
+++ b/ReadMe.pptx
@@ -4,25 +4,29 @@
   <p:sldMasterIdLst>
     <p:sldMasterId id="2147483648" r:id="rId1"/>
   </p:sldMasterIdLst>
+  <p:notesMasterIdLst>
+    <p:notesMasterId r:id="rId21"/>
+  </p:notesMasterIdLst>
   <p:sldIdLst>
     <p:sldId id="256" r:id="rId2"/>
-    <p:sldId id="264" r:id="rId3"/>
-    <p:sldId id="271" r:id="rId4"/>
-    <p:sldId id="263" r:id="rId5"/>
-    <p:sldId id="267" r:id="rId6"/>
-    <p:sldId id="268" r:id="rId7"/>
-    <p:sldId id="265" r:id="rId8"/>
-    <p:sldId id="269" r:id="rId9"/>
-    <p:sldId id="272" r:id="rId10"/>
-    <p:sldId id="273" r:id="rId11"/>
-    <p:sldId id="274" r:id="rId12"/>
-    <p:sldId id="258" r:id="rId13"/>
-    <p:sldId id="259" r:id="rId14"/>
-    <p:sldId id="260" r:id="rId15"/>
-    <p:sldId id="261" r:id="rId16"/>
-    <p:sldId id="266" r:id="rId17"/>
-    <p:sldId id="262" r:id="rId18"/>
-    <p:sldId id="270" r:id="rId19"/>
+    <p:sldId id="275" r:id="rId3"/>
+    <p:sldId id="264" r:id="rId4"/>
+    <p:sldId id="271" r:id="rId5"/>
+    <p:sldId id="263" r:id="rId6"/>
+    <p:sldId id="267" r:id="rId7"/>
+    <p:sldId id="268" r:id="rId8"/>
+    <p:sldId id="265" r:id="rId9"/>
+    <p:sldId id="269" r:id="rId10"/>
+    <p:sldId id="272" r:id="rId11"/>
+    <p:sldId id="273" r:id="rId12"/>
+    <p:sldId id="274" r:id="rId13"/>
+    <p:sldId id="258" r:id="rId14"/>
+    <p:sldId id="259" r:id="rId15"/>
+    <p:sldId id="260" r:id="rId16"/>
+    <p:sldId id="261" r:id="rId17"/>
+    <p:sldId id="266" r:id="rId18"/>
+    <p:sldId id="262" r:id="rId19"/>
+    <p:sldId id="270" r:id="rId20"/>
   </p:sldIdLst>
   <p:sldSz cx="12192000" cy="6858000"/>
   <p:notesSz cx="6858000" cy="9144000"/>
@@ -129,6 +133,356 @@
 </p:presentation>
 </file>
 
+<file path=ppt/notesMasters/notesMaster1.xml><?xml version="1.0" encoding="utf-8"?>
+<p:notesMaster xmlns:a="http://schemas.openxmlformats.org/drawingml/2006/main" xmlns:r="http://schemas.openxmlformats.org/officeDocument/2006/relationships" xmlns:p="http://schemas.openxmlformats.org/presentationml/2006/main">
+  <p:cSld>
+    <p:bg>
+      <p:bgRef idx="1001">
+        <a:schemeClr val="bg1"/>
+      </p:bgRef>
+    </p:bg>
+    <p:spTree>
+      <p:nvGrpSpPr>
+        <p:cNvPr id="1" name=""/>
+        <p:cNvGrpSpPr/>
+        <p:nvPr/>
+      </p:nvGrpSpPr>
+      <p:grpSpPr>
+        <a:xfrm>
+          <a:off x="0" y="0"/>
+          <a:ext cx="0" cy="0"/>
+          <a:chOff x="0" y="0"/>
+          <a:chExt cx="0" cy="0"/>
+        </a:xfrm>
+      </p:grpSpPr>
+      <p:sp>
+        <p:nvSpPr>
+          <p:cNvPr id="2" name="Header Placeholder 1"/>
+          <p:cNvSpPr>
+            <a:spLocks noGrp="1"/>
+          </p:cNvSpPr>
+          <p:nvPr>
+            <p:ph type="hdr" sz="quarter"/>
+          </p:nvPr>
+        </p:nvSpPr>
+        <p:spPr>
+          <a:xfrm>
+            <a:off x="0" y="0"/>
+            <a:ext cx="2971800" cy="458788"/>
+          </a:xfrm>
+          <a:prstGeom prst="rect">
+            <a:avLst/>
+          </a:prstGeom>
+        </p:spPr>
+        <p:txBody>
+          <a:bodyPr vert="horz" lIns="91440" tIns="45720" rIns="91440" bIns="45720" rtlCol="0"/>
+          <a:lstStyle>
+            <a:lvl1pPr algn="l">
+              <a:defRPr sz="1200"/>
+            </a:lvl1pPr>
+          </a:lstStyle>
+          <a:p>
+            <a:endParaRPr lang="en-US"/>
+          </a:p>
+        </p:txBody>
+      </p:sp>
+      <p:sp>
+        <p:nvSpPr>
+          <p:cNvPr id="3" name="Date Placeholder 2"/>
+          <p:cNvSpPr>
+            <a:spLocks noGrp="1"/>
+          </p:cNvSpPr>
+          <p:nvPr>
+            <p:ph type="dt" idx="1"/>
+          </p:nvPr>
+        </p:nvSpPr>
+        <p:spPr>
+          <a:xfrm>
+            <a:off x="3884613" y="0"/>
+            <a:ext cx="2971800" cy="458788"/>
+          </a:xfrm>
+          <a:prstGeom prst="rect">
+            <a:avLst/>
+          </a:prstGeom>
+        </p:spPr>
+        <p:txBody>
+          <a:bodyPr vert="horz" lIns="91440" tIns="45720" rIns="91440" bIns="45720" rtlCol="0"/>
+          <a:lstStyle>
+            <a:lvl1pPr algn="r">
+              <a:defRPr sz="1200"/>
+            </a:lvl1pPr>
+          </a:lstStyle>
+          <a:p>
+            <a:fld id="{BE691FF1-C34A-5244-900B-332E2B473B07}" type="datetimeFigureOut">
+              <a:rPr lang="en-US" smtClean="0"/>
+              <a:t>1/13/20</a:t>
+            </a:fld>
+            <a:endParaRPr lang="en-US"/>
+          </a:p>
+        </p:txBody>
+      </p:sp>
+      <p:sp>
+        <p:nvSpPr>
+          <p:cNvPr id="4" name="Slide Image Placeholder 3"/>
+          <p:cNvSpPr>
+            <a:spLocks noGrp="1" noRot="1" noChangeAspect="1"/>
+          </p:cNvSpPr>
+          <p:nvPr>
+            <p:ph type="sldImg" idx="2"/>
+          </p:nvPr>
+        </p:nvSpPr>
+        <p:spPr>
+          <a:xfrm>
+            <a:off x="685800" y="1143000"/>
+            <a:ext cx="5486400" cy="3086100"/>
+          </a:xfrm>
+          <a:prstGeom prst="rect">
+            <a:avLst/>
+          </a:prstGeom>
+          <a:noFill/>
+          <a:ln w="12700">
+            <a:solidFill>
+              <a:prstClr val="black"/>
+            </a:solidFill>
+          </a:ln>
+        </p:spPr>
+        <p:txBody>
+          <a:bodyPr vert="horz" lIns="91440" tIns="45720" rIns="91440" bIns="45720" rtlCol="0" anchor="ctr"/>
+          <a:lstStyle/>
+          <a:p>
+            <a:endParaRPr lang="en-US"/>
+          </a:p>
+        </p:txBody>
+      </p:sp>
+      <p:sp>
+        <p:nvSpPr>
+          <p:cNvPr id="5" name="Notes Placeholder 4"/>
+          <p:cNvSpPr>
+            <a:spLocks noGrp="1"/>
+          </p:cNvSpPr>
+          <p:nvPr>
+            <p:ph type="body" sz="quarter" idx="3"/>
+          </p:nvPr>
+        </p:nvSpPr>
+        <p:spPr>
+          <a:xfrm>
+            <a:off x="685800" y="4400550"/>
+            <a:ext cx="5486400" cy="3600450"/>
+          </a:xfrm>
+          <a:prstGeom prst="rect">
+            <a:avLst/>
+          </a:prstGeom>
+        </p:spPr>
+        <p:txBody>
+          <a:bodyPr vert="horz" lIns="91440" tIns="45720" rIns="91440" bIns="45720" rtlCol="0"/>
+          <a:lstStyle/>
+          <a:p>
+            <a:pPr lvl="0"/>
+            <a:r>
+              <a:rPr lang="en-US" smtClean="0"/>
+              <a:t>Click to edit Master text styles</a:t>
+            </a:r>
+          </a:p>
+          <a:p>
+            <a:pPr lvl="1"/>
+            <a:r>
+              <a:rPr lang="en-US" smtClean="0"/>
+              <a:t>Second level</a:t>
+            </a:r>
+          </a:p>
+          <a:p>
+            <a:pPr lvl="2"/>
+            <a:r>
+              <a:rPr lang="en-US" smtClean="0"/>
+              <a:t>Third level</a:t>
+            </a:r>
+          </a:p>
+          <a:p>
+            <a:pPr lvl="3"/>
+            <a:r>
+              <a:rPr lang="en-US" smtClean="0"/>
+              <a:t>Fourth level</a:t>
+            </a:r>
+          </a:p>
+          <a:p>
+            <a:pPr lvl="4"/>
+            <a:r>
+              <a:rPr lang="en-US" smtClean="0"/>
+              <a:t>Fifth level</a:t>
+            </a:r>
+            <a:endParaRPr lang="en-US"/>
+          </a:p>
+        </p:txBody>
+      </p:sp>
+      <p:sp>
+        <p:nvSpPr>
+          <p:cNvPr id="6" name="Footer Placeholder 5"/>
+          <p:cNvSpPr>
+            <a:spLocks noGrp="1"/>
+          </p:cNvSpPr>
+          <p:nvPr>
+            <p:ph type="ftr" sz="quarter" idx="4"/>
+          </p:nvPr>
+        </p:nvSpPr>
+        <p:spPr>
+          <a:xfrm>
+            <a:off x="0" y="8685213"/>
+            <a:ext cx="2971800" cy="458787"/>
+          </a:xfrm>
+          <a:prstGeom prst="rect">
+            <a:avLst/>
+          </a:prstGeom>
+        </p:spPr>
+        <p:txBody>
+          <a:bodyPr vert="horz" lIns="91440" tIns="45720" rIns="91440" bIns="45720" rtlCol="0" anchor="b"/>
+          <a:lstStyle>
+            <a:lvl1pPr algn="l">
+              <a:defRPr sz="1200"/>
+            </a:lvl1pPr>
+          </a:lstStyle>
+          <a:p>
+            <a:endParaRPr lang="en-US"/>
+          </a:p>
+        </p:txBody>
+      </p:sp>
+      <p:sp>
+        <p:nvSpPr>
+          <p:cNvPr id="7" name="Slide Number Placeholder 6"/>
+          <p:cNvSpPr>
+            <a:spLocks noGrp="1"/>
+          </p:cNvSpPr>
+          <p:nvPr>
+            <p:ph type="sldNum" sz="quarter" idx="5"/>
+          </p:nvPr>
+        </p:nvSpPr>
+        <p:spPr>
+          <a:xfrm>
+            <a:off x="3884613" y="8685213"/>
+            <a:ext cx="2971800" cy="458787"/>
+          </a:xfrm>
+          <a:prstGeom prst="rect">
+            <a:avLst/>
+          </a:prstGeom>
+        </p:spPr>
+        <p:txBody>
+          <a:bodyPr vert="horz" lIns="91440" tIns="45720" rIns="91440" bIns="45720" rtlCol="0" anchor="b"/>
+          <a:lstStyle>
+            <a:lvl1pPr algn="r">
+              <a:defRPr sz="1200"/>
+            </a:lvl1pPr>
+          </a:lstStyle>
+          <a:p>
+            <a:fld id="{3AC2905B-CE6B-4447-B1D9-F77F6BE101FB}" type="slidenum">
+              <a:rPr lang="en-US" smtClean="0"/>
+              <a:t>‹#›</a:t>
+            </a:fld>
+            <a:endParaRPr lang="en-US"/>
+          </a:p>
+        </p:txBody>
+      </p:sp>
+    </p:spTree>
+    <p:extLst>
+      <p:ext uri="{BB962C8B-B14F-4D97-AF65-F5344CB8AC3E}">
+        <p14:creationId xmlns:p14="http://schemas.microsoft.com/office/powerpoint/2010/main" val="1817171073"/>
+      </p:ext>
+    </p:extLst>
+  </p:cSld>
+  <p:clrMap bg1="lt1" tx1="dk1" bg2="lt2" tx2="dk2" accent1="accent1" accent2="accent2" accent3="accent3" accent4="accent4" accent5="accent5" accent6="accent6" hlink="hlink" folHlink="folHlink"/>
+  <p:notesStyle>
+    <a:lvl1pPr marL="0" algn="l" defTabSz="914400" rtl="0" eaLnBrk="1" latinLnBrk="0" hangingPunct="1">
+      <a:defRPr sz="1200" kern="1200">
+        <a:solidFill>
+          <a:schemeClr val="tx1"/>
+        </a:solidFill>
+        <a:latin typeface="+mn-lt"/>
+        <a:ea typeface="+mn-ea"/>
+        <a:cs typeface="+mn-cs"/>
+      </a:defRPr>
+    </a:lvl1pPr>
+    <a:lvl2pPr marL="457200" algn="l" defTabSz="914400" rtl="0" eaLnBrk="1" latinLnBrk="0" hangingPunct="1">
+      <a:defRPr sz="1200" kern="1200">
+        <a:solidFill>
+          <a:schemeClr val="tx1"/>
+        </a:solidFill>
+        <a:latin typeface="+mn-lt"/>
+        <a:ea typeface="+mn-ea"/>
+        <a:cs typeface="+mn-cs"/>
+      </a:defRPr>
+    </a:lvl2pPr>
+    <a:lvl3pPr marL="914400" algn="l" defTabSz="914400" rtl="0" eaLnBrk="1" latinLnBrk="0" hangingPunct="1">
+      <a:defRPr sz="1200" kern="1200">
+        <a:solidFill>
+          <a:schemeClr val="tx1"/>
+        </a:solidFill>
+        <a:latin typeface="+mn-lt"/>
+        <a:ea typeface="+mn-ea"/>
+        <a:cs typeface="+mn-cs"/>
+      </a:defRPr>
+    </a:lvl3pPr>
+    <a:lvl4pPr marL="1371600" algn="l" defTabSz="914400" rtl="0" eaLnBrk="1" latinLnBrk="0" hangingPunct="1">
+      <a:defRPr sz="1200" kern="1200">
+        <a:solidFill>
+          <a:schemeClr val="tx1"/>
+        </a:solidFill>
+        <a:latin typeface="+mn-lt"/>
+        <a:ea typeface="+mn-ea"/>
+        <a:cs typeface="+mn-cs"/>
+      </a:defRPr>
+    </a:lvl4pPr>
+    <a:lvl5pPr marL="1828800" algn="l" defTabSz="914400" rtl="0" eaLnBrk="1" latinLnBrk="0" hangingPunct="1">
+      <a:defRPr sz="1200" kern="1200">
+        <a:solidFill>
+          <a:schemeClr val="tx1"/>
+        </a:solidFill>
+        <a:latin typeface="+mn-lt"/>
+        <a:ea typeface="+mn-ea"/>
+        <a:cs typeface="+mn-cs"/>
+      </a:defRPr>
+    </a:lvl5pPr>
+    <a:lvl6pPr marL="2286000" algn="l" defTabSz="914400" rtl="0" eaLnBrk="1" latinLnBrk="0" hangingPunct="1">
+      <a:defRPr sz="1200" kern="1200">
+        <a:solidFill>
+          <a:schemeClr val="tx1"/>
+        </a:solidFill>
+        <a:latin typeface="+mn-lt"/>
+        <a:ea typeface="+mn-ea"/>
+        <a:cs typeface="+mn-cs"/>
+      </a:defRPr>
+    </a:lvl6pPr>
+    <a:lvl7pPr marL="2743200" algn="l" defTabSz="914400" rtl="0" eaLnBrk="1" latinLnBrk="0" hangingPunct="1">
+      <a:defRPr sz="1200" kern="1200">
+        <a:solidFill>
+          <a:schemeClr val="tx1"/>
+        </a:solidFill>
+        <a:latin typeface="+mn-lt"/>
+        <a:ea typeface="+mn-ea"/>
+        <a:cs typeface="+mn-cs"/>
+      </a:defRPr>
+    </a:lvl7pPr>
+    <a:lvl8pPr marL="3200400" algn="l" defTabSz="914400" rtl="0" eaLnBrk="1" latinLnBrk="0" hangingPunct="1">
+      <a:defRPr sz="1200" kern="1200">
+        <a:solidFill>
+          <a:schemeClr val="tx1"/>
+        </a:solidFill>
+        <a:latin typeface="+mn-lt"/>
+        <a:ea typeface="+mn-ea"/>
+        <a:cs typeface="+mn-cs"/>
+      </a:defRPr>
+    </a:lvl8pPr>
+    <a:lvl9pPr marL="3657600" algn="l" defTabSz="914400" rtl="0" eaLnBrk="1" latinLnBrk="0" hangingPunct="1">
+      <a:defRPr sz="1200" kern="1200">
+        <a:solidFill>
+          <a:schemeClr val="tx1"/>
+        </a:solidFill>
+        <a:latin typeface="+mn-lt"/>
+        <a:ea typeface="+mn-ea"/>
+        <a:cs typeface="+mn-cs"/>
+      </a:defRPr>
+    </a:lvl9pPr>
+  </p:notesStyle>
+</p:notesMaster>
+</file>
+
 <file path=ppt/slideLayouts/slideLayout1.xml><?xml version="1.0" encoding="utf-8"?>
 <p:sldLayout xmlns:a="http://schemas.openxmlformats.org/drawingml/2006/main" xmlns:r="http://schemas.openxmlformats.org/officeDocument/2006/relationships" xmlns:p="http://schemas.openxmlformats.org/presentationml/2006/main" type="title" preserve="1">
   <p:cSld name="Title Slide">
@@ -260,7 +614,7 @@
           <a:p>
             <a:fld id="{73033C74-DC0B-4705-ACFE-CB1E46EE5466}" type="datetimeFigureOut">
               <a:rPr lang="en-US" smtClean="0"/>
-              <a:t>6/17/17</a:t>
+              <a:t>1/13/20</a:t>
             </a:fld>
             <a:endParaRPr lang="en-US"/>
           </a:p>
@@ -430,7 +784,7 @@
           <a:p>
             <a:fld id="{73033C74-DC0B-4705-ACFE-CB1E46EE5466}" type="datetimeFigureOut">
               <a:rPr lang="en-US" smtClean="0"/>
-              <a:t>6/17/17</a:t>
+              <a:t>1/13/20</a:t>
             </a:fld>
             <a:endParaRPr lang="en-US"/>
           </a:p>
@@ -610,7 +964,7 @@
           <a:p>
             <a:fld id="{73033C74-DC0B-4705-ACFE-CB1E46EE5466}" type="datetimeFigureOut">
               <a:rPr lang="en-US" smtClean="0"/>
-              <a:t>6/17/17</a:t>
+              <a:t>1/13/20</a:t>
             </a:fld>
             <a:endParaRPr lang="en-US"/>
           </a:p>
@@ -780,7 +1134,7 @@
           <a:p>
             <a:fld id="{73033C74-DC0B-4705-ACFE-CB1E46EE5466}" type="datetimeFigureOut">
               <a:rPr lang="en-US" smtClean="0"/>
-              <a:t>6/17/17</a:t>
+              <a:t>1/13/20</a:t>
             </a:fld>
             <a:endParaRPr lang="en-US"/>
           </a:p>
@@ -1026,7 +1380,7 @@
           <a:p>
             <a:fld id="{73033C74-DC0B-4705-ACFE-CB1E46EE5466}" type="datetimeFigureOut">
               <a:rPr lang="en-US" smtClean="0"/>
-              <a:t>6/17/17</a:t>
+              <a:t>1/13/20</a:t>
             </a:fld>
             <a:endParaRPr lang="en-US"/>
           </a:p>
@@ -1258,7 +1612,7 @@
           <a:p>
             <a:fld id="{73033C74-DC0B-4705-ACFE-CB1E46EE5466}" type="datetimeFigureOut">
               <a:rPr lang="en-US" smtClean="0"/>
-              <a:t>6/17/17</a:t>
+              <a:t>1/13/20</a:t>
             </a:fld>
             <a:endParaRPr lang="en-US"/>
           </a:p>
@@ -1625,7 +1979,7 @@
           <a:p>
             <a:fld id="{73033C74-DC0B-4705-ACFE-CB1E46EE5466}" type="datetimeFigureOut">
               <a:rPr lang="en-US" smtClean="0"/>
-              <a:t>6/17/17</a:t>
+              <a:t>1/13/20</a:t>
             </a:fld>
             <a:endParaRPr lang="en-US"/>
           </a:p>
@@ -1743,7 +2097,7 @@
           <a:p>
             <a:fld id="{73033C74-DC0B-4705-ACFE-CB1E46EE5466}" type="datetimeFigureOut">
               <a:rPr lang="en-US" smtClean="0"/>
-              <a:t>6/17/17</a:t>
+              <a:t>1/13/20</a:t>
             </a:fld>
             <a:endParaRPr lang="en-US"/>
           </a:p>
@@ -1838,7 +2192,7 @@
           <a:p>
             <a:fld id="{73033C74-DC0B-4705-ACFE-CB1E46EE5466}" type="datetimeFigureOut">
               <a:rPr lang="en-US" smtClean="0"/>
-              <a:t>6/17/17</a:t>
+              <a:t>1/13/20</a:t>
             </a:fld>
             <a:endParaRPr lang="en-US"/>
           </a:p>
@@ -2115,7 +2469,7 @@
           <a:p>
             <a:fld id="{73033C74-DC0B-4705-ACFE-CB1E46EE5466}" type="datetimeFigureOut">
               <a:rPr lang="en-US" smtClean="0"/>
-              <a:t>6/17/17</a:t>
+              <a:t>1/13/20</a:t>
             </a:fld>
             <a:endParaRPr lang="en-US"/>
           </a:p>
@@ -2368,7 +2722,7 @@
           <a:p>
             <a:fld id="{73033C74-DC0B-4705-ACFE-CB1E46EE5466}" type="datetimeFigureOut">
               <a:rPr lang="en-US" smtClean="0"/>
-              <a:t>6/17/17</a:t>
+              <a:t>1/13/20</a:t>
             </a:fld>
             <a:endParaRPr lang="en-US"/>
           </a:p>
@@ -2581,7 +2935,7 @@
           <a:p>
             <a:fld id="{73033C74-DC0B-4705-ACFE-CB1E46EE5466}" type="datetimeFigureOut">
               <a:rPr lang="en-US" smtClean="0"/>
-              <a:t>6/17/17</a:t>
+              <a:t>1/13/20</a:t>
             </a:fld>
             <a:endParaRPr lang="en-US"/>
           </a:p>
@@ -4360,1068 +4714,237 @@
       </p:grpSpPr>
       <p:sp>
         <p:nvSpPr>
-          <p:cNvPr id="13" name="Rectangle 12"/>
-          <p:cNvSpPr/>
-          <p:nvPr/>
+          <p:cNvPr id="2" name="Title 1"/>
+          <p:cNvSpPr>
+            <a:spLocks noGrp="1"/>
+          </p:cNvSpPr>
+          <p:nvPr>
+            <p:ph type="title"/>
+          </p:nvPr>
+        </p:nvSpPr>
+        <p:spPr/>
+        <p:txBody>
+          <a:bodyPr/>
+          <a:lstStyle/>
+          <a:p>
+            <a:r>
+              <a:rPr lang="en-US" dirty="0" smtClean="0"/>
+              <a:t>Modules Settings (Cont.)</a:t>
+            </a:r>
+            <a:endParaRPr lang="en-US" dirty="0"/>
+          </a:p>
+        </p:txBody>
+      </p:sp>
+      <p:sp>
+        <p:nvSpPr>
+          <p:cNvPr id="3" name="Content Placeholder 2"/>
+          <p:cNvSpPr>
+            <a:spLocks noGrp="1"/>
+          </p:cNvSpPr>
+          <p:nvPr>
+            <p:ph idx="1"/>
+          </p:nvPr>
         </p:nvSpPr>
         <p:spPr>
           <a:xfrm>
-            <a:off x="0" y="4451684"/>
-            <a:ext cx="4424082" cy="2406316"/>
-          </a:xfrm>
-          <a:prstGeom prst="rect">
-            <a:avLst/>
-          </a:prstGeom>
-          <a:solidFill>
-            <a:schemeClr val="bg2"/>
-          </a:solidFill>
-        </p:spPr>
-        <p:style>
-          <a:lnRef idx="2">
-            <a:schemeClr val="accent1">
-              <a:shade val="50000"/>
-            </a:schemeClr>
-          </a:lnRef>
-          <a:fillRef idx="1">
-            <a:schemeClr val="accent1"/>
-          </a:fillRef>
-          <a:effectRef idx="0">
-            <a:schemeClr val="accent1"/>
-          </a:effectRef>
-          <a:fontRef idx="minor">
-            <a:schemeClr val="lt1"/>
-          </a:fontRef>
-        </p:style>
-        <p:txBody>
-          <a:bodyPr rtlCol="0" anchor="ctr"/>
-          <a:lstStyle/>
-          <a:p>
-            <a:pPr algn="ctr"/>
-            <a:endParaRPr lang="en-US"/>
-          </a:p>
-        </p:txBody>
-      </p:sp>
-      <p:sp>
-        <p:nvSpPr>
-          <p:cNvPr id="4" name="Rectangle 3"/>
-          <p:cNvSpPr/>
-          <p:nvPr/>
-        </p:nvSpPr>
-        <p:spPr>
-          <a:xfrm>
-            <a:off x="1299267" y="2755175"/>
-            <a:ext cx="1892673" cy="914400"/>
-          </a:xfrm>
-          <a:prstGeom prst="rect">
-            <a:avLst/>
-          </a:prstGeom>
-        </p:spPr>
-        <p:style>
-          <a:lnRef idx="2">
-            <a:schemeClr val="accent1">
-              <a:shade val="50000"/>
-            </a:schemeClr>
-          </a:lnRef>
-          <a:fillRef idx="1">
-            <a:schemeClr val="accent1"/>
-          </a:fillRef>
-          <a:effectRef idx="0">
-            <a:schemeClr val="accent1"/>
-          </a:effectRef>
-          <a:fontRef idx="minor">
-            <a:schemeClr val="lt1"/>
-          </a:fontRef>
-        </p:style>
-        <p:txBody>
-          <a:bodyPr rtlCol="0" anchor="ctr"/>
-          <a:lstStyle/>
-          <a:p>
-            <a:pPr algn="ctr"/>
-            <a:r>
-              <a:rPr lang="en-US" dirty="0" err="1" smtClean="0"/>
-              <a:t>Imaging.test</a:t>
-            </a:r>
-            <a:endParaRPr lang="en-US" dirty="0"/>
-          </a:p>
-        </p:txBody>
-      </p:sp>
-      <p:sp>
-        <p:nvSpPr>
-          <p:cNvPr id="7" name="Rectangle 6"/>
-          <p:cNvSpPr/>
-          <p:nvPr/>
-        </p:nvSpPr>
-        <p:spPr>
-          <a:xfrm>
-            <a:off x="275979" y="1544940"/>
-            <a:ext cx="1892673" cy="914400"/>
-          </a:xfrm>
-          <a:prstGeom prst="rect">
-            <a:avLst/>
-          </a:prstGeom>
-        </p:spPr>
-        <p:style>
-          <a:lnRef idx="2">
-            <a:schemeClr val="accent1">
-              <a:shade val="50000"/>
-            </a:schemeClr>
-          </a:lnRef>
-          <a:fillRef idx="1">
-            <a:schemeClr val="accent1"/>
-          </a:fillRef>
-          <a:effectRef idx="0">
-            <a:schemeClr val="accent1"/>
-          </a:effectRef>
-          <a:fontRef idx="minor">
-            <a:schemeClr val="lt1"/>
-          </a:fontRef>
-        </p:style>
-        <p:txBody>
-          <a:bodyPr rtlCol="0" anchor="ctr"/>
-          <a:lstStyle/>
-          <a:p>
-            <a:pPr algn="ctr"/>
-            <a:r>
-              <a:rPr lang="en-US" dirty="0" err="1" smtClean="0"/>
-              <a:t>Drivers.test</a:t>
-            </a:r>
-            <a:endParaRPr lang="en-US" dirty="0"/>
-          </a:p>
-        </p:txBody>
-      </p:sp>
-      <p:sp>
-        <p:nvSpPr>
-          <p:cNvPr id="10" name="Rectangle 9"/>
-          <p:cNvSpPr/>
-          <p:nvPr/>
-        </p:nvSpPr>
-        <p:spPr>
-          <a:xfrm>
-            <a:off x="2168652" y="4775392"/>
-            <a:ext cx="2111186" cy="914400"/>
-          </a:xfrm>
-          <a:prstGeom prst="rect">
-            <a:avLst/>
-          </a:prstGeom>
-        </p:spPr>
-        <p:style>
-          <a:lnRef idx="2">
-            <a:schemeClr val="accent6">
-              <a:shade val="50000"/>
-            </a:schemeClr>
-          </a:lnRef>
-          <a:fillRef idx="1">
-            <a:schemeClr val="accent6"/>
-          </a:fillRef>
-          <a:effectRef idx="0">
-            <a:schemeClr val="accent6"/>
-          </a:effectRef>
-          <a:fontRef idx="minor">
-            <a:schemeClr val="lt1"/>
-          </a:fontRef>
-        </p:style>
-        <p:txBody>
-          <a:bodyPr rtlCol="0" anchor="ctr"/>
-          <a:lstStyle/>
-          <a:p>
-            <a:pPr algn="ctr"/>
-            <a:r>
-              <a:rPr lang="en-US" dirty="0" err="1" smtClean="0"/>
+            <a:off x="671947" y="1555668"/>
+            <a:ext cx="11353800" cy="5302332"/>
+          </a:xfrm>
+        </p:spPr>
+        <p:txBody>
+          <a:bodyPr>
+            <a:normAutofit fontScale="92500"/>
+          </a:bodyPr>
+          <a:lstStyle/>
+          <a:p>
+            <a:r>
+              <a:rPr lang="en-US" sz="2000" dirty="0" smtClean="0"/>
+              <a:t>This method is defined in the Base.Module class which is inherited.  The user can certainly overwrite it to provide more custom functionality.  It can also be called and will return handles.</a:t>
+            </a:r>
+          </a:p>
+          <a:p>
+            <a:r>
+              <a:rPr lang="en-US" sz="2000" dirty="0" smtClean="0"/>
+              <a:t>The other option is to use the default functionality (note any </a:t>
+            </a:r>
+            <a:r>
+              <a:rPr lang="en-US" sz="2000" dirty="0" err="1" smtClean="0"/>
+              <a:t>prefs</a:t>
+            </a:r>
+            <a:r>
+              <a:rPr lang="en-US" sz="2000" dirty="0" smtClean="0"/>
+              <a:t> used have to be accessible outside the class):</a:t>
+            </a:r>
+            <a:endParaRPr lang="en-US" sz="1600" dirty="0" smtClean="0"/>
+          </a:p>
+          <a:p>
+            <a:pPr lvl="1"/>
+            <a:r>
+              <a:rPr lang="en-US" sz="1600" dirty="0" smtClean="0"/>
+              <a:t>This will look for </a:t>
+            </a:r>
+            <a:r>
+              <a:rPr lang="en-US" sz="1600" dirty="0" err="1" smtClean="0"/>
+              <a:t>prefs</a:t>
+            </a:r>
+            <a:r>
+              <a:rPr lang="en-US" sz="1600" dirty="0" smtClean="0"/>
+              <a:t>, but can be overridden by </a:t>
+            </a:r>
+            <a:r>
+              <a:rPr lang="en-US" sz="1600" dirty="0" err="1" smtClean="0"/>
+              <a:t>show_prefs</a:t>
+            </a:r>
+            <a:r>
+              <a:rPr lang="en-US" sz="1600" dirty="0" smtClean="0"/>
+              <a:t>.  This is the order they will be displayed as well.</a:t>
+            </a:r>
+          </a:p>
+          <a:p>
+            <a:pPr lvl="1"/>
+            <a:r>
+              <a:rPr lang="en-US" sz="1600" dirty="0" smtClean="0"/>
+              <a:t>The name in the GUI will be the name of property with underscores replaced as spaces.</a:t>
+            </a:r>
+          </a:p>
+          <a:p>
+            <a:pPr lvl="1"/>
+            <a:r>
+              <a:rPr lang="en-US" sz="1600" dirty="0" smtClean="0"/>
+              <a:t>If a default value is specified, it will try and choose the best UI input type</a:t>
+            </a:r>
+          </a:p>
+          <a:p>
+            <a:pPr lvl="1"/>
+            <a:r>
+              <a:rPr lang="en-US" sz="1600" dirty="0" smtClean="0"/>
+              <a:t>If no default value is specified, it will use a string.  Knowing this, you can use the set.property method to cast to appropriate type.</a:t>
+            </a:r>
+          </a:p>
+          <a:p>
+            <a:pPr lvl="1"/>
+            <a:r>
+              <a:rPr lang="en-US" sz="1600" dirty="0" smtClean="0"/>
+              <a:t>If the default value is a cell array </a:t>
+            </a:r>
+            <a:r>
+              <a:rPr lang="mr-IN" sz="1600" dirty="0" smtClean="0"/>
+              <a:t>–</a:t>
+            </a:r>
+            <a:r>
+              <a:rPr lang="en-US" sz="1600" dirty="0" smtClean="0"/>
+              <a:t> it will assume this means multiple choice.  If no choice has been selected when settings are initialized, it will default to first value.</a:t>
+            </a:r>
+          </a:p>
+          <a:p>
+            <a:pPr lvl="1"/>
+            <a:r>
+              <a:rPr lang="en-US" sz="1600" dirty="0" smtClean="0"/>
+              <a:t>If the default value is a function handle </a:t>
+            </a:r>
+            <a:r>
+              <a:rPr lang="mr-IN" sz="1600" dirty="0" smtClean="0"/>
+              <a:t>–</a:t>
+            </a:r>
+            <a:r>
+              <a:rPr lang="en-US" sz="1600" dirty="0" smtClean="0"/>
+              <a:t> it will assume this means multiple choice. The function will be called to get the options.  This function should take no inputs, and return a cell array with char/numeric.</a:t>
+            </a:r>
+            <a:endParaRPr lang="en-US" sz="1600" dirty="0"/>
+          </a:p>
+          <a:p>
+            <a:pPr lvl="1"/>
+            <a:r>
+              <a:rPr lang="en-US" sz="1600" dirty="0" smtClean="0"/>
+              <a:t>It will use a generic callback that tries to set the property with the value in the input field.</a:t>
+            </a:r>
+          </a:p>
+          <a:p>
+            <a:pPr lvl="1"/>
+            <a:r>
+              <a:rPr lang="en-US" sz="1600" dirty="0" smtClean="0"/>
+              <a:t>Listeners will then update the GUI to the value actually set.  </a:t>
+            </a:r>
+            <a:r>
+              <a:rPr lang="en-US" sz="1600" dirty="0" err="1"/>
+              <a:t>s</a:t>
+            </a:r>
+            <a:r>
+              <a:rPr lang="en-US" sz="1600" dirty="0" err="1" smtClean="0"/>
+              <a:t>et.property</a:t>
+            </a:r>
+            <a:r>
+              <a:rPr lang="en-US" sz="1600" dirty="0" smtClean="0"/>
+              <a:t> methods can be used to validate input or set property of other objects.  NOTE: this also updates the GUI with ANY modification of these parameters.</a:t>
+            </a:r>
+          </a:p>
+          <a:p>
+            <a:pPr lvl="2"/>
+            <a:r>
+              <a:rPr lang="en-US" sz="1200" dirty="0" smtClean="0"/>
+              <a:t>If a property has a </a:t>
+            </a:r>
+            <a:r>
+              <a:rPr lang="en-US" sz="1200" dirty="0" err="1" smtClean="0"/>
+              <a:t>set.method</a:t>
+            </a:r>
+            <a:r>
+              <a:rPr lang="en-US" sz="1200" dirty="0" smtClean="0"/>
+              <a:t> to update a different object’s property, the USER should setup a listener to this property as well to keep up to date. See </a:t>
+            </a:r>
+            <a:r>
+              <a:rPr lang="en-US" sz="1200" dirty="0" err="1" smtClean="0"/>
+              <a:t>updateprop.m</a:t>
+            </a:r>
+            <a:r>
+              <a:rPr lang="en-US" sz="1200" dirty="0" smtClean="0"/>
+              <a:t> to make this easier even (callback to streamline).</a:t>
+            </a:r>
+          </a:p>
+          <a:p>
+            <a:pPr lvl="1"/>
+            <a:r>
+              <a:rPr lang="en-US" sz="1600" dirty="0" smtClean="0"/>
+              <a:t>If output is requested, it will return the handle to the panel returned by </a:t>
+            </a:r>
+            <a:r>
+              <a:rPr lang="en-US" sz="1600" dirty="0" err="1" smtClean="0"/>
               <a:t>Base.uicontrolgroup</a:t>
             </a:r>
-            <a:endParaRPr lang="en-US" dirty="0"/>
-          </a:p>
-        </p:txBody>
-      </p:sp>
-      <p:sp>
-        <p:nvSpPr>
-          <p:cNvPr id="14" name="TextBox 13"/>
-          <p:cNvSpPr txBox="1"/>
-          <p:nvPr/>
-        </p:nvSpPr>
-        <p:spPr>
-          <a:xfrm>
-            <a:off x="1099856" y="6062797"/>
-            <a:ext cx="1781706" cy="646331"/>
-          </a:xfrm>
-          <a:prstGeom prst="rect">
-            <a:avLst/>
-          </a:prstGeom>
-          <a:noFill/>
-        </p:spPr>
-        <p:txBody>
-          <a:bodyPr wrap="none" rtlCol="0">
-            <a:spAutoFit/>
-          </a:bodyPr>
-          <a:lstStyle/>
-          <a:p>
-            <a:pPr algn="ctr"/>
-            <a:r>
-              <a:rPr lang="en-US" dirty="0" err="1" smtClean="0"/>
-              <a:t>CommandCenter</a:t>
-            </a:r>
-            <a:endParaRPr lang="en-US" dirty="0" smtClean="0"/>
-          </a:p>
-          <a:p>
-            <a:pPr algn="ctr"/>
-            <a:r>
-              <a:rPr lang="en-US" dirty="0" smtClean="0"/>
-              <a:t>Core</a:t>
-            </a:r>
-            <a:endParaRPr lang="en-US" dirty="0"/>
-          </a:p>
-        </p:txBody>
-      </p:sp>
-      <p:cxnSp>
-        <p:nvCxnSpPr>
-          <p:cNvPr id="16" name="Curved Connector 15"/>
-          <p:cNvCxnSpPr/>
-          <p:nvPr/>
-        </p:nvCxnSpPr>
-        <p:spPr>
-          <a:xfrm rot="16200000" flipV="1">
-            <a:off x="1633577" y="2528139"/>
-            <a:ext cx="291500" cy="153901"/>
-          </a:xfrm>
-          <a:prstGeom prst="curvedConnector3">
-            <a:avLst>
-              <a:gd name="adj1" fmla="val 50000"/>
-            </a:avLst>
-          </a:prstGeom>
-          <a:ln>
-            <a:tailEnd type="triangle"/>
-          </a:ln>
-        </p:spPr>
-        <p:style>
-          <a:lnRef idx="1">
-            <a:schemeClr val="accent1"/>
-          </a:lnRef>
-          <a:fillRef idx="0">
-            <a:schemeClr val="accent1"/>
-          </a:fillRef>
-          <a:effectRef idx="0">
-            <a:schemeClr val="accent1"/>
-          </a:effectRef>
-          <a:fontRef idx="minor">
-            <a:schemeClr val="tx1"/>
-          </a:fontRef>
-        </p:style>
-      </p:cxnSp>
-      <p:sp>
-        <p:nvSpPr>
-          <p:cNvPr id="27" name="Rectangle 26"/>
-          <p:cNvSpPr/>
-          <p:nvPr/>
-        </p:nvSpPr>
-        <p:spPr>
-          <a:xfrm>
-            <a:off x="126626" y="4775392"/>
-            <a:ext cx="1892673" cy="914400"/>
-          </a:xfrm>
-          <a:prstGeom prst="rect">
-            <a:avLst/>
-          </a:prstGeom>
-        </p:spPr>
-        <p:style>
-          <a:lnRef idx="2">
-            <a:schemeClr val="accent1">
-              <a:shade val="50000"/>
-            </a:schemeClr>
-          </a:lnRef>
-          <a:fillRef idx="1">
-            <a:schemeClr val="accent1"/>
-          </a:fillRef>
-          <a:effectRef idx="0">
-            <a:schemeClr val="accent1"/>
-          </a:effectRef>
-          <a:fontRef idx="minor">
-            <a:schemeClr val="lt1"/>
-          </a:fontRef>
-        </p:style>
-        <p:txBody>
-          <a:bodyPr rtlCol="0" anchor="ctr"/>
-          <a:lstStyle/>
-          <a:p>
-            <a:pPr algn="ctr"/>
-            <a:r>
-              <a:rPr lang="en-US" dirty="0" smtClean="0"/>
-              <a:t>GUI</a:t>
-            </a:r>
-            <a:endParaRPr lang="en-US" dirty="0"/>
-          </a:p>
-        </p:txBody>
-      </p:sp>
-      <p:cxnSp>
-        <p:nvCxnSpPr>
-          <p:cNvPr id="45" name="Straight Arrow Connector 44"/>
-          <p:cNvCxnSpPr/>
-          <p:nvPr/>
-        </p:nvCxnSpPr>
-        <p:spPr>
-          <a:xfrm flipH="1">
-            <a:off x="5482672" y="4806016"/>
-            <a:ext cx="509041" cy="0"/>
-          </a:xfrm>
-          <a:prstGeom prst="straightConnector1">
-            <a:avLst/>
-          </a:prstGeom>
-          <a:ln>
-            <a:tailEnd type="triangle"/>
-          </a:ln>
-        </p:spPr>
-        <p:style>
-          <a:lnRef idx="1">
-            <a:schemeClr val="accent1"/>
-          </a:lnRef>
-          <a:fillRef idx="0">
-            <a:schemeClr val="accent1"/>
-          </a:fillRef>
-          <a:effectRef idx="0">
-            <a:schemeClr val="accent1"/>
-          </a:effectRef>
-          <a:fontRef idx="minor">
-            <a:schemeClr val="tx1"/>
-          </a:fontRef>
-        </p:style>
-      </p:cxnSp>
-      <p:sp>
-        <p:nvSpPr>
-          <p:cNvPr id="47" name="TextBox 46"/>
-          <p:cNvSpPr txBox="1"/>
-          <p:nvPr/>
-        </p:nvSpPr>
-        <p:spPr>
-          <a:xfrm>
-            <a:off x="6052936" y="4631268"/>
-            <a:ext cx="885114" cy="369332"/>
-          </a:xfrm>
-          <a:prstGeom prst="rect">
-            <a:avLst/>
-          </a:prstGeom>
-          <a:noFill/>
-        </p:spPr>
-        <p:txBody>
-          <a:bodyPr wrap="none" rtlCol="0">
-            <a:spAutoFit/>
-          </a:bodyPr>
-          <a:lstStyle/>
-          <a:p>
-            <a:r>
-              <a:rPr lang="en-US" dirty="0" smtClean="0"/>
-              <a:t>listener</a:t>
-            </a:r>
-            <a:endParaRPr lang="en-US" dirty="0"/>
-          </a:p>
-        </p:txBody>
-      </p:sp>
-      <p:sp>
-        <p:nvSpPr>
-          <p:cNvPr id="64" name="Rectangle 63"/>
-          <p:cNvSpPr/>
-          <p:nvPr/>
-        </p:nvSpPr>
-        <p:spPr>
-          <a:xfrm>
-            <a:off x="2988431" y="1631296"/>
-            <a:ext cx="1892673" cy="914400"/>
-          </a:xfrm>
-          <a:prstGeom prst="rect">
-            <a:avLst/>
-          </a:prstGeom>
-        </p:spPr>
-        <p:style>
-          <a:lnRef idx="2">
-            <a:schemeClr val="accent6">
-              <a:shade val="50000"/>
-            </a:schemeClr>
-          </a:lnRef>
-          <a:fillRef idx="1">
-            <a:schemeClr val="accent6"/>
-          </a:fillRef>
-          <a:effectRef idx="0">
-            <a:schemeClr val="accent6"/>
-          </a:effectRef>
-          <a:fontRef idx="minor">
-            <a:schemeClr val="lt1"/>
-          </a:fontRef>
-        </p:style>
-        <p:txBody>
-          <a:bodyPr rtlCol="0" anchor="ctr"/>
-          <a:lstStyle/>
-          <a:p>
-            <a:pPr algn="ctr"/>
-            <a:r>
-              <a:rPr lang="en-US" dirty="0" err="1" smtClean="0"/>
-              <a:t>updateprop</a:t>
-            </a:r>
-            <a:endParaRPr lang="en-US" dirty="0"/>
-          </a:p>
-        </p:txBody>
-      </p:sp>
-      <p:cxnSp>
-        <p:nvCxnSpPr>
-          <p:cNvPr id="65" name="Straight Arrow Connector 64"/>
-          <p:cNvCxnSpPr/>
-          <p:nvPr/>
-        </p:nvCxnSpPr>
-        <p:spPr>
-          <a:xfrm flipH="1">
-            <a:off x="5470758" y="5868213"/>
-            <a:ext cx="509041" cy="0"/>
-          </a:xfrm>
-          <a:prstGeom prst="straightConnector1">
-            <a:avLst/>
-          </a:prstGeom>
-          <a:ln>
-            <a:solidFill>
-              <a:srgbClr val="FF0000"/>
-            </a:solidFill>
-            <a:tailEnd type="triangle"/>
-          </a:ln>
-        </p:spPr>
-        <p:style>
-          <a:lnRef idx="1">
-            <a:schemeClr val="accent1"/>
-          </a:lnRef>
-          <a:fillRef idx="0">
-            <a:schemeClr val="accent1"/>
-          </a:fillRef>
-          <a:effectRef idx="0">
-            <a:schemeClr val="accent1"/>
-          </a:effectRef>
-          <a:fontRef idx="minor">
-            <a:schemeClr val="tx1"/>
-          </a:fontRef>
-        </p:style>
-      </p:cxnSp>
-      <p:sp>
-        <p:nvSpPr>
-          <p:cNvPr id="66" name="TextBox 65"/>
-          <p:cNvSpPr txBox="1"/>
-          <p:nvPr/>
-        </p:nvSpPr>
-        <p:spPr>
-          <a:xfrm>
-            <a:off x="6041022" y="5693465"/>
-            <a:ext cx="1729641" cy="369332"/>
-          </a:xfrm>
-          <a:prstGeom prst="rect">
-            <a:avLst/>
-          </a:prstGeom>
-          <a:noFill/>
-        </p:spPr>
-        <p:txBody>
-          <a:bodyPr wrap="none" rtlCol="0">
-            <a:spAutoFit/>
-          </a:bodyPr>
-          <a:lstStyle/>
-          <a:p>
-            <a:r>
-              <a:rPr lang="en-US" dirty="0" smtClean="0"/>
-              <a:t>Listener callback</a:t>
-            </a:r>
-          </a:p>
-        </p:txBody>
-      </p:sp>
-      <p:cxnSp>
-        <p:nvCxnSpPr>
-          <p:cNvPr id="68" name="Curved Connector 67"/>
-          <p:cNvCxnSpPr>
-            <a:endCxn id="64" idx="1"/>
-          </p:cNvCxnSpPr>
-          <p:nvPr/>
-        </p:nvCxnSpPr>
-        <p:spPr>
-          <a:xfrm flipV="1">
-            <a:off x="1856278" y="2088496"/>
-            <a:ext cx="1132153" cy="567323"/>
-          </a:xfrm>
-          <a:prstGeom prst="curvedConnector3">
-            <a:avLst/>
-          </a:prstGeom>
-          <a:ln>
-            <a:solidFill>
-              <a:srgbClr val="FF0000"/>
-            </a:solidFill>
-            <a:tailEnd type="triangle"/>
-          </a:ln>
-        </p:spPr>
-        <p:style>
-          <a:lnRef idx="1">
-            <a:schemeClr val="accent1"/>
-          </a:lnRef>
-          <a:fillRef idx="0">
-            <a:schemeClr val="accent1"/>
-          </a:fillRef>
-          <a:effectRef idx="0">
-            <a:schemeClr val="accent1"/>
-          </a:effectRef>
-          <a:fontRef idx="minor">
-            <a:schemeClr val="tx1"/>
-          </a:fontRef>
-        </p:style>
-      </p:cxnSp>
-      <p:cxnSp>
-        <p:nvCxnSpPr>
-          <p:cNvPr id="71" name="Curved Connector 70"/>
-          <p:cNvCxnSpPr/>
-          <p:nvPr/>
-        </p:nvCxnSpPr>
-        <p:spPr>
-          <a:xfrm rot="16200000" flipV="1">
-            <a:off x="3003874" y="3190963"/>
-            <a:ext cx="604288" cy="228153"/>
-          </a:xfrm>
-          <a:prstGeom prst="curvedConnector3">
-            <a:avLst>
-              <a:gd name="adj1" fmla="val 97164"/>
-            </a:avLst>
-          </a:prstGeom>
-          <a:ln>
-            <a:solidFill>
-              <a:srgbClr val="FF0000"/>
-            </a:solidFill>
-            <a:prstDash val="sysDot"/>
-            <a:tailEnd type="triangle"/>
-          </a:ln>
-        </p:spPr>
-        <p:style>
-          <a:lnRef idx="1">
-            <a:schemeClr val="accent1"/>
-          </a:lnRef>
-          <a:fillRef idx="0">
-            <a:schemeClr val="accent1"/>
-          </a:fillRef>
-          <a:effectRef idx="0">
-            <a:schemeClr val="accent1"/>
-          </a:effectRef>
-          <a:fontRef idx="minor">
-            <a:schemeClr val="tx1"/>
-          </a:fontRef>
-        </p:style>
-      </p:cxnSp>
-      <p:cxnSp>
-        <p:nvCxnSpPr>
-          <p:cNvPr id="86" name="Curved Connector 85"/>
-          <p:cNvCxnSpPr>
-            <a:stCxn id="4" idx="2"/>
-            <a:endCxn id="27" idx="0"/>
-          </p:cNvCxnSpPr>
-          <p:nvPr/>
-        </p:nvCxnSpPr>
-        <p:spPr>
-          <a:xfrm rot="5400000">
-            <a:off x="1106376" y="3636163"/>
-            <a:ext cx="1105817" cy="1172641"/>
-          </a:xfrm>
-          <a:prstGeom prst="curvedConnector3">
-            <a:avLst>
-              <a:gd name="adj1" fmla="val 50000"/>
-            </a:avLst>
-          </a:prstGeom>
-          <a:ln>
-            <a:prstDash val="sysDot"/>
-            <a:tailEnd type="triangle"/>
-          </a:ln>
-        </p:spPr>
-        <p:style>
-          <a:lnRef idx="1">
-            <a:schemeClr val="accent1"/>
-          </a:lnRef>
-          <a:fillRef idx="0">
-            <a:schemeClr val="accent1"/>
-          </a:fillRef>
-          <a:effectRef idx="0">
-            <a:schemeClr val="accent1"/>
-          </a:effectRef>
-          <a:fontRef idx="minor">
-            <a:schemeClr val="tx1"/>
-          </a:fontRef>
-        </p:style>
-      </p:cxnSp>
-      <p:cxnSp>
-        <p:nvCxnSpPr>
-          <p:cNvPr id="90" name="Curved Connector 89"/>
-          <p:cNvCxnSpPr/>
-          <p:nvPr/>
-        </p:nvCxnSpPr>
-        <p:spPr>
-          <a:xfrm rot="16200000" flipV="1">
-            <a:off x="1148691" y="3811480"/>
-            <a:ext cx="561580" cy="260426"/>
-          </a:xfrm>
-          <a:prstGeom prst="curvedConnector3">
-            <a:avLst>
-              <a:gd name="adj1" fmla="val 50000"/>
-            </a:avLst>
-          </a:prstGeom>
-          <a:ln>
-            <a:solidFill>
-              <a:srgbClr val="FF0000"/>
-            </a:solidFill>
-            <a:prstDash val="sysDot"/>
-            <a:tailEnd type="triangle"/>
-          </a:ln>
-        </p:spPr>
-        <p:style>
-          <a:lnRef idx="1">
-            <a:schemeClr val="accent1"/>
-          </a:lnRef>
-          <a:fillRef idx="0">
-            <a:schemeClr val="accent1"/>
-          </a:fillRef>
-          <a:effectRef idx="0">
-            <a:schemeClr val="accent1"/>
-          </a:effectRef>
-          <a:fontRef idx="minor">
-            <a:schemeClr val="tx1"/>
-          </a:fontRef>
-        </p:style>
-      </p:cxnSp>
-      <p:cxnSp>
-        <p:nvCxnSpPr>
-          <p:cNvPr id="100" name="Curved Connector 99"/>
-          <p:cNvCxnSpPr>
-            <a:stCxn id="4" idx="3"/>
-            <a:endCxn id="4" idx="2"/>
-          </p:cNvCxnSpPr>
-          <p:nvPr/>
-        </p:nvCxnSpPr>
-        <p:spPr>
-          <a:xfrm flipH="1">
-            <a:off x="2245604" y="3212375"/>
-            <a:ext cx="946336" cy="457200"/>
-          </a:xfrm>
-          <a:prstGeom prst="curvedConnector4">
-            <a:avLst>
-              <a:gd name="adj1" fmla="val -24156"/>
-              <a:gd name="adj2" fmla="val 150000"/>
-            </a:avLst>
-          </a:prstGeom>
-          <a:ln>
-            <a:prstDash val="sysDot"/>
-            <a:tailEnd type="triangle"/>
-          </a:ln>
-        </p:spPr>
-        <p:style>
-          <a:lnRef idx="1">
-            <a:schemeClr val="accent1"/>
-          </a:lnRef>
-          <a:fillRef idx="0">
-            <a:schemeClr val="accent1"/>
-          </a:fillRef>
-          <a:effectRef idx="0">
-            <a:schemeClr val="accent1"/>
-          </a:effectRef>
-          <a:fontRef idx="minor">
-            <a:schemeClr val="tx1"/>
-          </a:fontRef>
-        </p:style>
-      </p:cxnSp>
-      <p:cxnSp>
-        <p:nvCxnSpPr>
-          <p:cNvPr id="105" name="Straight Arrow Connector 104"/>
-          <p:cNvCxnSpPr/>
-          <p:nvPr/>
-        </p:nvCxnSpPr>
-        <p:spPr>
-          <a:xfrm flipH="1">
-            <a:off x="5456902" y="6269996"/>
-            <a:ext cx="509041" cy="0"/>
-          </a:xfrm>
-          <a:prstGeom prst="straightConnector1">
-            <a:avLst/>
-          </a:prstGeom>
-          <a:ln>
-            <a:solidFill>
-              <a:srgbClr val="FF0000"/>
-            </a:solidFill>
-            <a:prstDash val="dash"/>
-            <a:tailEnd type="triangle"/>
-          </a:ln>
-        </p:spPr>
-        <p:style>
-          <a:lnRef idx="1">
-            <a:schemeClr val="accent1"/>
-          </a:lnRef>
-          <a:fillRef idx="0">
-            <a:schemeClr val="accent1"/>
-          </a:fillRef>
-          <a:effectRef idx="0">
-            <a:schemeClr val="accent1"/>
-          </a:effectRef>
-          <a:fontRef idx="minor">
-            <a:schemeClr val="tx1"/>
-          </a:fontRef>
-        </p:style>
-      </p:cxnSp>
-      <p:sp>
-        <p:nvSpPr>
-          <p:cNvPr id="106" name="TextBox 105"/>
-          <p:cNvSpPr txBox="1"/>
-          <p:nvPr/>
-        </p:nvSpPr>
-        <p:spPr>
-          <a:xfrm>
-            <a:off x="6027166" y="6095248"/>
-            <a:ext cx="2381870" cy="369332"/>
-          </a:xfrm>
-          <a:prstGeom prst="rect">
-            <a:avLst/>
-          </a:prstGeom>
-          <a:noFill/>
-        </p:spPr>
-        <p:txBody>
-          <a:bodyPr wrap="none" rtlCol="0">
-            <a:spAutoFit/>
-          </a:bodyPr>
-          <a:lstStyle/>
-          <a:p>
-            <a:r>
-              <a:rPr lang="en-US" dirty="0" smtClean="0"/>
-              <a:t>Trigger through </a:t>
-            </a:r>
-            <a:r>
-              <a:rPr lang="en-US" dirty="0" err="1" smtClean="0"/>
-              <a:t>PostSet</a:t>
-            </a:r>
-            <a:endParaRPr lang="en-US" dirty="0" smtClean="0"/>
-          </a:p>
-        </p:txBody>
-      </p:sp>
-      <p:cxnSp>
-        <p:nvCxnSpPr>
-          <p:cNvPr id="107" name="Curved Connector 106"/>
-          <p:cNvCxnSpPr>
-            <a:stCxn id="64" idx="2"/>
-          </p:cNvCxnSpPr>
-          <p:nvPr/>
-        </p:nvCxnSpPr>
-        <p:spPr>
-          <a:xfrm rot="5400000">
-            <a:off x="3313658" y="2652134"/>
-            <a:ext cx="727549" cy="514673"/>
-          </a:xfrm>
-          <a:prstGeom prst="curvedConnector3">
-            <a:avLst>
-              <a:gd name="adj1" fmla="val 98559"/>
-            </a:avLst>
-          </a:prstGeom>
-          <a:ln>
-            <a:solidFill>
-              <a:srgbClr val="FF0000"/>
-            </a:solidFill>
-            <a:prstDash val="dash"/>
-            <a:tailEnd type="triangle"/>
-          </a:ln>
-        </p:spPr>
-        <p:style>
-          <a:lnRef idx="1">
-            <a:schemeClr val="accent1"/>
-          </a:lnRef>
-          <a:fillRef idx="0">
-            <a:schemeClr val="accent1"/>
-          </a:fillRef>
-          <a:effectRef idx="0">
-            <a:schemeClr val="accent1"/>
-          </a:effectRef>
-          <a:fontRef idx="minor">
-            <a:schemeClr val="tx1"/>
-          </a:fontRef>
-        </p:style>
-      </p:cxnSp>
-      <p:cxnSp>
-        <p:nvCxnSpPr>
-          <p:cNvPr id="111" name="Straight Arrow Connector 110"/>
-          <p:cNvCxnSpPr/>
-          <p:nvPr/>
-        </p:nvCxnSpPr>
-        <p:spPr>
-          <a:xfrm flipH="1">
-            <a:off x="9147199" y="4806016"/>
-            <a:ext cx="509041" cy="0"/>
-          </a:xfrm>
-          <a:prstGeom prst="straightConnector1">
-            <a:avLst/>
-          </a:prstGeom>
-          <a:ln>
-            <a:solidFill>
-              <a:schemeClr val="tx1"/>
-            </a:solidFill>
-            <a:prstDash val="sysDot"/>
-            <a:tailEnd type="triangle"/>
-          </a:ln>
-        </p:spPr>
-        <p:style>
-          <a:lnRef idx="1">
-            <a:schemeClr val="accent1"/>
-          </a:lnRef>
-          <a:fillRef idx="0">
-            <a:schemeClr val="accent1"/>
-          </a:fillRef>
-          <a:effectRef idx="0">
-            <a:schemeClr val="accent1"/>
-          </a:effectRef>
-          <a:fontRef idx="minor">
-            <a:schemeClr val="tx1"/>
-          </a:fontRef>
-        </p:style>
-      </p:cxnSp>
-      <p:sp>
-        <p:nvSpPr>
-          <p:cNvPr id="112" name="TextBox 111"/>
-          <p:cNvSpPr txBox="1"/>
-          <p:nvPr/>
-        </p:nvSpPr>
-        <p:spPr>
-          <a:xfrm>
-            <a:off x="9717463" y="4527358"/>
-            <a:ext cx="2474537" cy="646331"/>
-          </a:xfrm>
-          <a:prstGeom prst="rect">
-            <a:avLst/>
-          </a:prstGeom>
-          <a:noFill/>
-        </p:spPr>
-        <p:txBody>
-          <a:bodyPr wrap="square" rtlCol="0">
-            <a:spAutoFit/>
-          </a:bodyPr>
-          <a:lstStyle/>
-          <a:p>
-            <a:r>
-              <a:rPr lang="en-US" dirty="0" smtClean="0"/>
-              <a:t>Destroyed when settings destroyed</a:t>
-            </a:r>
-            <a:endParaRPr lang="en-US" dirty="0"/>
-          </a:p>
-        </p:txBody>
-      </p:sp>
-      <p:cxnSp>
-        <p:nvCxnSpPr>
-          <p:cNvPr id="113" name="Curved Connector 112"/>
-          <p:cNvCxnSpPr/>
-          <p:nvPr/>
-        </p:nvCxnSpPr>
-        <p:spPr>
-          <a:xfrm flipV="1">
-            <a:off x="1645313" y="3273245"/>
-            <a:ext cx="1772931" cy="976519"/>
-          </a:xfrm>
-          <a:prstGeom prst="curvedConnector3">
-            <a:avLst>
-              <a:gd name="adj1" fmla="val 126191"/>
-            </a:avLst>
-          </a:prstGeom>
-          <a:ln>
-            <a:solidFill>
-              <a:srgbClr val="FF0000"/>
-            </a:solidFill>
-            <a:prstDash val="dash"/>
-            <a:tailEnd type="triangle"/>
-          </a:ln>
-        </p:spPr>
-        <p:style>
-          <a:lnRef idx="1">
-            <a:schemeClr val="accent1"/>
-          </a:lnRef>
-          <a:fillRef idx="0">
-            <a:schemeClr val="accent1"/>
-          </a:fillRef>
-          <a:effectRef idx="0">
-            <a:schemeClr val="accent1"/>
-          </a:effectRef>
-          <a:fontRef idx="minor">
-            <a:schemeClr val="tx1"/>
-          </a:fontRef>
-        </p:style>
-      </p:cxnSp>
-      <p:cxnSp>
-        <p:nvCxnSpPr>
-          <p:cNvPr id="120" name="Straight Arrow Connector 119"/>
-          <p:cNvCxnSpPr/>
-          <p:nvPr/>
-        </p:nvCxnSpPr>
-        <p:spPr>
-          <a:xfrm flipH="1">
-            <a:off x="1559695" y="3002895"/>
-            <a:ext cx="1664550" cy="1772497"/>
-          </a:xfrm>
-          <a:prstGeom prst="straightConnector1">
-            <a:avLst/>
-          </a:prstGeom>
-          <a:ln>
-            <a:solidFill>
-              <a:schemeClr val="accent6"/>
-            </a:solidFill>
-            <a:tailEnd type="triangle"/>
-          </a:ln>
-        </p:spPr>
-        <p:style>
-          <a:lnRef idx="1">
-            <a:schemeClr val="accent1"/>
-          </a:lnRef>
-          <a:fillRef idx="0">
-            <a:schemeClr val="accent1"/>
-          </a:fillRef>
-          <a:effectRef idx="0">
-            <a:schemeClr val="accent1"/>
-          </a:effectRef>
-          <a:fontRef idx="minor">
-            <a:schemeClr val="tx1"/>
-          </a:fontRef>
-        </p:style>
-      </p:cxnSp>
-      <p:cxnSp>
-        <p:nvCxnSpPr>
-          <p:cNvPr id="122" name="Straight Arrow Connector 121"/>
-          <p:cNvCxnSpPr/>
-          <p:nvPr/>
-        </p:nvCxnSpPr>
-        <p:spPr>
-          <a:xfrm flipH="1">
-            <a:off x="5497046" y="5526980"/>
-            <a:ext cx="482753" cy="0"/>
-          </a:xfrm>
-          <a:prstGeom prst="straightConnector1">
-            <a:avLst/>
-          </a:prstGeom>
-          <a:ln>
-            <a:solidFill>
-              <a:schemeClr val="accent6"/>
-            </a:solidFill>
-            <a:tailEnd type="triangle"/>
-          </a:ln>
-        </p:spPr>
-        <p:style>
-          <a:lnRef idx="1">
-            <a:schemeClr val="accent1"/>
-          </a:lnRef>
-          <a:fillRef idx="0">
-            <a:schemeClr val="accent1"/>
-          </a:fillRef>
-          <a:effectRef idx="0">
-            <a:schemeClr val="accent1"/>
-          </a:effectRef>
-          <a:fontRef idx="minor">
-            <a:schemeClr val="tx1"/>
-          </a:fontRef>
-        </p:style>
-      </p:cxnSp>
-      <p:sp>
-        <p:nvSpPr>
-          <p:cNvPr id="124" name="TextBox 123"/>
-          <p:cNvSpPr txBox="1"/>
-          <p:nvPr/>
-        </p:nvSpPr>
-        <p:spPr>
-          <a:xfrm>
-            <a:off x="6052936" y="5355804"/>
-            <a:ext cx="851515" cy="369332"/>
-          </a:xfrm>
-          <a:prstGeom prst="rect">
-            <a:avLst/>
-          </a:prstGeom>
-          <a:noFill/>
-        </p:spPr>
-        <p:txBody>
-          <a:bodyPr wrap="none" rtlCol="0">
-            <a:spAutoFit/>
-          </a:bodyPr>
-          <a:lstStyle/>
-          <a:p>
-            <a:r>
-              <a:rPr lang="en-US" dirty="0" smtClean="0"/>
-              <a:t>Handle</a:t>
-            </a:r>
-            <a:endParaRPr lang="en-US" dirty="0"/>
-          </a:p>
-        </p:txBody>
-      </p:sp>
-      <p:sp>
-        <p:nvSpPr>
-          <p:cNvPr id="125" name="TextBox 124"/>
-          <p:cNvSpPr txBox="1"/>
-          <p:nvPr/>
-        </p:nvSpPr>
-        <p:spPr>
-          <a:xfrm>
-            <a:off x="7575294" y="2166951"/>
-            <a:ext cx="3222357" cy="584775"/>
-          </a:xfrm>
-          <a:prstGeom prst="rect">
-            <a:avLst/>
-          </a:prstGeom>
-          <a:noFill/>
-        </p:spPr>
-        <p:txBody>
-          <a:bodyPr wrap="none" rtlCol="0">
-            <a:spAutoFit/>
-          </a:bodyPr>
-          <a:lstStyle/>
-          <a:p>
-            <a:r>
-              <a:rPr lang="en-US" sz="3200" smtClean="0"/>
-              <a:t>Top Level Diagram</a:t>
-            </a:r>
-            <a:endParaRPr lang="en-US" sz="3200" dirty="0"/>
-          </a:p>
-        </p:txBody>
-      </p:sp>
-      <p:sp>
-        <p:nvSpPr>
-          <p:cNvPr id="34" name="Title 1"/>
-          <p:cNvSpPr txBox="1">
-            <a:spLocks/>
-          </p:cNvSpPr>
-          <p:nvPr/>
-        </p:nvSpPr>
-        <p:spPr>
-          <a:xfrm>
-            <a:off x="838200" y="365125"/>
-            <a:ext cx="10515600" cy="1325563"/>
-          </a:xfrm>
-          <a:prstGeom prst="rect">
-            <a:avLst/>
-          </a:prstGeom>
-        </p:spPr>
-        <p:txBody>
-          <a:bodyPr vert="horz" lIns="91440" tIns="45720" rIns="91440" bIns="45720" rtlCol="0" anchor="ctr">
-            <a:normAutofit/>
-          </a:bodyPr>
-          <a:lstStyle>
-            <a:lvl1pPr algn="ctr" defTabSz="914400" rtl="0" eaLnBrk="1" latinLnBrk="0" hangingPunct="1">
-              <a:lnSpc>
-                <a:spcPct val="90000"/>
-              </a:lnSpc>
-              <a:spcBef>
-                <a:spcPct val="0"/>
-              </a:spcBef>
-              <a:buNone/>
-              <a:defRPr sz="6000" kern="1200">
-                <a:solidFill>
-                  <a:schemeClr val="tx1"/>
-                </a:solidFill>
-                <a:latin typeface="+mj-lt"/>
-                <a:ea typeface="+mj-ea"/>
-                <a:cs typeface="+mj-cs"/>
-              </a:defRPr>
-            </a:lvl1pPr>
-          </a:lstStyle>
-          <a:p>
-            <a:pPr algn="l"/>
-            <a:r>
-              <a:rPr lang="en-US" sz="4400" dirty="0" smtClean="0"/>
-              <a:t>Settings Default Workflow (Example)</a:t>
-            </a:r>
-            <a:endParaRPr lang="en-US" sz="4400" dirty="0"/>
+            <a:r>
+              <a:rPr lang="en-US" sz="1600" dirty="0" smtClean="0"/>
+              <a:t>.</a:t>
+            </a:r>
+          </a:p>
+          <a:p>
+            <a:pPr lvl="1"/>
+            <a:r>
+              <a:rPr lang="en-US" sz="1600" dirty="0" smtClean="0"/>
+              <a:t>TIP: make sure you use the set.property methods that MATLAB provides to clean input and assert correct formatting!</a:t>
+            </a:r>
+          </a:p>
+          <a:p>
+            <a:pPr lvl="1"/>
+            <a:r>
+              <a:rPr lang="en-US" sz="1600" dirty="0" smtClean="0"/>
+              <a:t>TIP: if you want your own callbacks, you can overwrite the settings method, call the super method then change the callbacks.  Look at </a:t>
+            </a:r>
+            <a:r>
+              <a:rPr lang="en-US" sz="1600" dirty="0" err="1" smtClean="0"/>
+              <a:t>Base.uicontrolgroup</a:t>
+            </a:r>
+            <a:r>
+              <a:rPr lang="en-US" sz="1600" dirty="0" smtClean="0"/>
+              <a:t> for details.</a:t>
+            </a:r>
+            <a:endParaRPr lang="en-US" sz="1600" dirty="0"/>
           </a:p>
         </p:txBody>
       </p:sp>
     </p:spTree>
     <p:extLst>
       <p:ext uri="{BB962C8B-B14F-4D97-AF65-F5344CB8AC3E}">
-        <p14:creationId xmlns:p14="http://schemas.microsoft.com/office/powerpoint/2010/main" val="1182887400"/>
+        <p14:creationId xmlns:p14="http://schemas.microsoft.com/office/powerpoint/2010/main" val="2327677207"/>
       </p:ext>
     </p:extLst>
   </p:cSld>
@@ -5450,14 +4973,14 @@
       </p:grpSpPr>
       <p:sp>
         <p:nvSpPr>
-          <p:cNvPr id="4" name="Rectangle 3"/>
+          <p:cNvPr id="13" name="Rectangle 12"/>
           <p:cNvSpPr/>
           <p:nvPr/>
         </p:nvSpPr>
         <p:spPr>
           <a:xfrm>
-            <a:off x="0" y="633396"/>
-            <a:ext cx="4424082" cy="4448444"/>
+            <a:off x="0" y="4451684"/>
+            <a:ext cx="4424082" cy="2406316"/>
           </a:xfrm>
           <a:prstGeom prst="rect">
             <a:avLst/>
@@ -5493,13 +5016,13 @@
       </p:sp>
       <p:sp>
         <p:nvSpPr>
-          <p:cNvPr id="5" name="Rectangle 4"/>
+          <p:cNvPr id="4" name="Rectangle 3"/>
           <p:cNvSpPr/>
           <p:nvPr/>
         </p:nvSpPr>
         <p:spPr>
           <a:xfrm>
-            <a:off x="5792509" y="1968845"/>
+            <a:off x="1299267" y="2755175"/>
             <a:ext cx="1892673" cy="914400"/>
           </a:xfrm>
           <a:prstGeom prst="rect">
@@ -5537,14 +5060,14 @@
       </p:sp>
       <p:sp>
         <p:nvSpPr>
-          <p:cNvPr id="6" name="Rectangle 5"/>
+          <p:cNvPr id="7" name="Rectangle 6"/>
           <p:cNvSpPr/>
           <p:nvPr/>
         </p:nvSpPr>
         <p:spPr>
           <a:xfrm>
-            <a:off x="2364438" y="758610"/>
-            <a:ext cx="1892673" cy="753035"/>
+            <a:off x="275979" y="1544940"/>
+            <a:ext cx="1892673" cy="914400"/>
           </a:xfrm>
           <a:prstGeom prst="rect">
             <a:avLst/>
@@ -5573,143 +5096,7 @@
             <a:pPr algn="ctr"/>
             <a:r>
               <a:rPr lang="en-US" dirty="0" err="1" smtClean="0"/>
-              <a:t>Modules.Driver</a:t>
-            </a:r>
-            <a:endParaRPr lang="en-US" dirty="0"/>
-          </a:p>
-        </p:txBody>
-      </p:sp>
-      <p:sp>
-        <p:nvSpPr>
-          <p:cNvPr id="7" name="Rectangle 6"/>
-          <p:cNvSpPr/>
-          <p:nvPr/>
-        </p:nvSpPr>
-        <p:spPr>
-          <a:xfrm>
-            <a:off x="153520" y="1673010"/>
-            <a:ext cx="1892673" cy="914400"/>
-          </a:xfrm>
-          <a:prstGeom prst="rect">
-            <a:avLst/>
-          </a:prstGeom>
-        </p:spPr>
-        <p:style>
-          <a:lnRef idx="2">
-            <a:schemeClr val="accent1">
-              <a:shade val="50000"/>
-            </a:schemeClr>
-          </a:lnRef>
-          <a:fillRef idx="1">
-            <a:schemeClr val="accent1"/>
-          </a:fillRef>
-          <a:effectRef idx="0">
-            <a:schemeClr val="accent1"/>
-          </a:effectRef>
-          <a:fontRef idx="minor">
-            <a:schemeClr val="lt1"/>
-          </a:fontRef>
-        </p:style>
-        <p:txBody>
-          <a:bodyPr rtlCol="0" anchor="ctr"/>
-          <a:lstStyle/>
-          <a:p>
-            <a:pPr algn="ctr"/>
-            <a:r>
-              <a:rPr lang="en-US" dirty="0" err="1" smtClean="0"/>
-              <a:t>Base.Module</a:t>
-            </a:r>
-            <a:endParaRPr lang="en-US" dirty="0"/>
-          </a:p>
-        </p:txBody>
-      </p:sp>
-      <p:sp>
-        <p:nvSpPr>
-          <p:cNvPr id="8" name="Rectangle 7"/>
-          <p:cNvSpPr/>
-          <p:nvPr/>
-        </p:nvSpPr>
-        <p:spPr>
-          <a:xfrm>
-            <a:off x="4769221" y="758610"/>
-            <a:ext cx="1892673" cy="914400"/>
-          </a:xfrm>
-          <a:prstGeom prst="rect">
-            <a:avLst/>
-          </a:prstGeom>
-        </p:spPr>
-        <p:style>
-          <a:lnRef idx="2">
-            <a:schemeClr val="accent1">
-              <a:shade val="50000"/>
-            </a:schemeClr>
-          </a:lnRef>
-          <a:fillRef idx="1">
-            <a:schemeClr val="accent1"/>
-          </a:fillRef>
-          <a:effectRef idx="0">
-            <a:schemeClr val="accent1"/>
-          </a:effectRef>
-          <a:fontRef idx="minor">
-            <a:schemeClr val="lt1"/>
-          </a:fontRef>
-        </p:style>
-        <p:txBody>
-          <a:bodyPr rtlCol="0" anchor="ctr"/>
-          <a:lstStyle/>
-          <a:p>
-            <a:pPr algn="ctr"/>
-            <a:r>
-              <a:rPr lang="en-US" dirty="0" err="1" smtClean="0"/>
               <a:t>Drivers.test</a:t>
-            </a:r>
-            <a:r>
-              <a:rPr lang="en-US" dirty="0" smtClean="0"/>
-              <a:t>      (not all shown)</a:t>
-            </a:r>
-            <a:endParaRPr lang="en-US" dirty="0"/>
-          </a:p>
-        </p:txBody>
-      </p:sp>
-      <p:sp>
-        <p:nvSpPr>
-          <p:cNvPr id="9" name="Rectangle 8"/>
-          <p:cNvSpPr/>
-          <p:nvPr/>
-        </p:nvSpPr>
-        <p:spPr>
-          <a:xfrm>
-            <a:off x="2364438" y="1673010"/>
-            <a:ext cx="1892673" cy="753035"/>
-          </a:xfrm>
-          <a:prstGeom prst="rect">
-            <a:avLst/>
-          </a:prstGeom>
-        </p:spPr>
-        <p:style>
-          <a:lnRef idx="2">
-            <a:schemeClr val="accent1">
-              <a:shade val="50000"/>
-            </a:schemeClr>
-          </a:lnRef>
-          <a:fillRef idx="1">
-            <a:schemeClr val="accent1"/>
-          </a:fillRef>
-          <a:effectRef idx="0">
-            <a:schemeClr val="accent1"/>
-          </a:effectRef>
-          <a:fontRef idx="minor">
-            <a:schemeClr val="lt1"/>
-          </a:fontRef>
-        </p:style>
-        <p:txBody>
-          <a:bodyPr rtlCol="0" anchor="ctr"/>
-          <a:lstStyle/>
-          <a:p>
-            <a:pPr algn="ctr"/>
-            <a:r>
-              <a:rPr lang="en-US" dirty="0" err="1" smtClean="0"/>
-              <a:t>Modules.Imaging</a:t>
             </a:r>
             <a:endParaRPr lang="en-US" dirty="0"/>
           </a:p>
@@ -5723,7 +5110,7 @@
         </p:nvSpPr>
         <p:spPr>
           <a:xfrm>
-            <a:off x="2168652" y="3989062"/>
+            <a:off x="2168652" y="4775392"/>
             <a:ext cx="2111186" cy="914400"/>
           </a:xfrm>
           <a:prstGeom prst="rect">
@@ -5761,13 +5148,13 @@
       </p:sp>
       <p:sp>
         <p:nvSpPr>
-          <p:cNvPr id="11" name="TextBox 10"/>
+          <p:cNvPr id="14" name="TextBox 13"/>
           <p:cNvSpPr txBox="1"/>
           <p:nvPr/>
         </p:nvSpPr>
         <p:spPr>
           <a:xfrm>
-            <a:off x="237593" y="789097"/>
+            <a:off x="1099856" y="6062797"/>
             <a:ext cx="1781706" cy="646331"/>
           </a:xfrm>
           <a:prstGeom prst="rect">
@@ -5800,13 +5187,13 @@
       </p:sp>
       <p:cxnSp>
         <p:nvCxnSpPr>
-          <p:cNvPr id="12" name="Curved Connector 11"/>
+          <p:cNvPr id="16" name="Curved Connector 15"/>
           <p:cNvCxnSpPr/>
           <p:nvPr/>
         </p:nvCxnSpPr>
         <p:spPr>
           <a:xfrm rot="16200000" flipV="1">
-            <a:off x="6126819" y="1741809"/>
+            <a:off x="1633577" y="2528139"/>
             <a:ext cx="291500" cy="153901"/>
           </a:xfrm>
           <a:prstGeom prst="curvedConnector3">
@@ -5835,13 +5222,13 @@
       </p:cxnSp>
       <p:sp>
         <p:nvSpPr>
-          <p:cNvPr id="13" name="Rectangle 12"/>
+          <p:cNvPr id="27" name="Rectangle 26"/>
           <p:cNvSpPr/>
           <p:nvPr/>
         </p:nvSpPr>
         <p:spPr>
           <a:xfrm>
-            <a:off x="126626" y="3989062"/>
+            <a:off x="126626" y="4775392"/>
             <a:ext cx="1892673" cy="914400"/>
           </a:xfrm>
           <a:prstGeom prst="rect">
@@ -5879,28 +5266,19 @@
       </p:sp>
       <p:cxnSp>
         <p:nvCxnSpPr>
-          <p:cNvPr id="14" name="Curved Connector 13"/>
-          <p:cNvCxnSpPr>
-            <a:stCxn id="9" idx="1"/>
-            <a:endCxn id="7" idx="3"/>
-          </p:cNvCxnSpPr>
+          <p:cNvPr id="45" name="Straight Arrow Connector 44"/>
+          <p:cNvCxnSpPr/>
           <p:nvPr/>
         </p:nvCxnSpPr>
         <p:spPr>
-          <a:xfrm rot="10800000">
-            <a:off x="4257111" y="1135128"/>
-            <a:ext cx="512110" cy="80682"/>
-          </a:xfrm>
-          <a:prstGeom prst="curvedConnector3">
+          <a:xfrm flipH="1">
+            <a:off x="5482672" y="4806016"/>
+            <a:ext cx="509041" cy="0"/>
+          </a:xfrm>
+          <a:prstGeom prst="straightConnector1">
             <a:avLst/>
           </a:prstGeom>
           <a:ln>
-            <a:solidFill>
-              <a:schemeClr val="bg2">
-                <a:lumMod val="75000"/>
-              </a:schemeClr>
-            </a:solidFill>
-            <a:prstDash val="dash"/>
             <a:tailEnd type="triangle"/>
           </a:ln>
         </p:spPr>
@@ -5919,219 +5297,15 @@
           </a:fontRef>
         </p:style>
       </p:cxnSp>
-      <p:cxnSp>
-        <p:nvCxnSpPr>
-          <p:cNvPr id="15" name="Curved Connector 14"/>
-          <p:cNvCxnSpPr>
-            <a:stCxn id="6" idx="1"/>
-            <a:endCxn id="10" idx="3"/>
-          </p:cNvCxnSpPr>
-          <p:nvPr/>
-        </p:nvCxnSpPr>
-        <p:spPr>
-          <a:xfrm rot="10800000">
-            <a:off x="4257111" y="2049529"/>
-            <a:ext cx="1535398" cy="376517"/>
-          </a:xfrm>
-          <a:prstGeom prst="curvedConnector3">
-            <a:avLst>
-              <a:gd name="adj1" fmla="val 50000"/>
-            </a:avLst>
-          </a:prstGeom>
-          <a:ln>
-            <a:solidFill>
-              <a:schemeClr val="bg2">
-                <a:lumMod val="75000"/>
-              </a:schemeClr>
-            </a:solidFill>
-            <a:prstDash val="dash"/>
-            <a:tailEnd type="triangle"/>
-          </a:ln>
-        </p:spPr>
-        <p:style>
-          <a:lnRef idx="1">
-            <a:schemeClr val="accent1"/>
-          </a:lnRef>
-          <a:fillRef idx="0">
-            <a:schemeClr val="accent1"/>
-          </a:fillRef>
-          <a:effectRef idx="0">
-            <a:schemeClr val="accent1"/>
-          </a:effectRef>
-          <a:fontRef idx="minor">
-            <a:schemeClr val="tx1"/>
-          </a:fontRef>
-        </p:style>
-      </p:cxnSp>
-      <p:cxnSp>
-        <p:nvCxnSpPr>
-          <p:cNvPr id="16" name="Curved Connector 15"/>
-          <p:cNvCxnSpPr>
-            <a:stCxn id="7" idx="1"/>
-            <a:endCxn id="8" idx="3"/>
-          </p:cNvCxnSpPr>
-          <p:nvPr/>
-        </p:nvCxnSpPr>
-        <p:spPr>
-          <a:xfrm rot="10800000" flipV="1">
-            <a:off x="2046194" y="1135128"/>
-            <a:ext cx="318245" cy="995082"/>
-          </a:xfrm>
-          <a:prstGeom prst="curvedConnector3">
-            <a:avLst>
-              <a:gd name="adj1" fmla="val 50000"/>
-            </a:avLst>
-          </a:prstGeom>
-          <a:ln>
-            <a:solidFill>
-              <a:schemeClr val="bg2">
-                <a:lumMod val="75000"/>
-              </a:schemeClr>
-            </a:solidFill>
-            <a:prstDash val="dash"/>
-            <a:tailEnd type="triangle"/>
-          </a:ln>
-        </p:spPr>
-        <p:style>
-          <a:lnRef idx="1">
-            <a:schemeClr val="accent1"/>
-          </a:lnRef>
-          <a:fillRef idx="0">
-            <a:schemeClr val="accent1"/>
-          </a:fillRef>
-          <a:effectRef idx="0">
-            <a:schemeClr val="accent1"/>
-          </a:effectRef>
-          <a:fontRef idx="minor">
-            <a:schemeClr val="tx1"/>
-          </a:fontRef>
-        </p:style>
-      </p:cxnSp>
-      <p:cxnSp>
-        <p:nvCxnSpPr>
-          <p:cNvPr id="17" name="Curved Connector 16"/>
-          <p:cNvCxnSpPr>
-            <a:stCxn id="10" idx="1"/>
-            <a:endCxn id="8" idx="3"/>
-          </p:cNvCxnSpPr>
-          <p:nvPr/>
-        </p:nvCxnSpPr>
-        <p:spPr>
-          <a:xfrm rot="10800000" flipV="1">
-            <a:off x="2046194" y="2049528"/>
-            <a:ext cx="318245" cy="80682"/>
-          </a:xfrm>
-          <a:prstGeom prst="curvedConnector3">
-            <a:avLst>
-              <a:gd name="adj1" fmla="val 50000"/>
-            </a:avLst>
-          </a:prstGeom>
-          <a:ln>
-            <a:solidFill>
-              <a:schemeClr val="bg2">
-                <a:lumMod val="75000"/>
-              </a:schemeClr>
-            </a:solidFill>
-            <a:prstDash val="dash"/>
-            <a:tailEnd type="triangle"/>
-          </a:ln>
-        </p:spPr>
-        <p:style>
-          <a:lnRef idx="1">
-            <a:schemeClr val="accent1"/>
-          </a:lnRef>
-          <a:fillRef idx="0">
-            <a:schemeClr val="accent1"/>
-          </a:fillRef>
-          <a:effectRef idx="0">
-            <a:schemeClr val="accent1"/>
-          </a:effectRef>
-          <a:fontRef idx="minor">
-            <a:schemeClr val="tx1"/>
-          </a:fontRef>
-        </p:style>
-      </p:cxnSp>
-      <p:cxnSp>
-        <p:nvCxnSpPr>
-          <p:cNvPr id="18" name="Straight Arrow Connector 17"/>
-          <p:cNvCxnSpPr/>
-          <p:nvPr/>
-        </p:nvCxnSpPr>
-        <p:spPr>
-          <a:xfrm flipH="1">
-            <a:off x="5482672" y="4019686"/>
-            <a:ext cx="509041" cy="0"/>
-          </a:xfrm>
-          <a:prstGeom prst="straightConnector1">
-            <a:avLst/>
-          </a:prstGeom>
-          <a:ln>
-            <a:tailEnd type="triangle"/>
-          </a:ln>
-        </p:spPr>
-        <p:style>
-          <a:lnRef idx="1">
-            <a:schemeClr val="accent1"/>
-          </a:lnRef>
-          <a:fillRef idx="0">
-            <a:schemeClr val="accent1"/>
-          </a:fillRef>
-          <a:effectRef idx="0">
-            <a:schemeClr val="accent1"/>
-          </a:effectRef>
-          <a:fontRef idx="minor">
-            <a:schemeClr val="tx1"/>
-          </a:fontRef>
-        </p:style>
-      </p:cxnSp>
-      <p:cxnSp>
-        <p:nvCxnSpPr>
-          <p:cNvPr id="19" name="Straight Arrow Connector 18"/>
-          <p:cNvCxnSpPr/>
-          <p:nvPr/>
-        </p:nvCxnSpPr>
-        <p:spPr>
-          <a:xfrm flipH="1">
-            <a:off x="5482671" y="4337057"/>
-            <a:ext cx="509041" cy="0"/>
-          </a:xfrm>
-          <a:prstGeom prst="straightConnector1">
-            <a:avLst/>
-          </a:prstGeom>
-          <a:ln>
-            <a:solidFill>
-              <a:schemeClr val="bg1">
-                <a:lumMod val="75000"/>
-              </a:schemeClr>
-            </a:solidFill>
-            <a:prstDash val="dash"/>
-            <a:tailEnd type="triangle"/>
-          </a:ln>
-        </p:spPr>
-        <p:style>
-          <a:lnRef idx="1">
-            <a:schemeClr val="accent1"/>
-          </a:lnRef>
-          <a:fillRef idx="0">
-            <a:schemeClr val="accent1"/>
-          </a:fillRef>
-          <a:effectRef idx="0">
-            <a:schemeClr val="accent1"/>
-          </a:effectRef>
-          <a:fontRef idx="minor">
-            <a:schemeClr val="tx1"/>
-          </a:fontRef>
-        </p:style>
-      </p:cxnSp>
-      <p:sp>
-        <p:nvSpPr>
-          <p:cNvPr id="20" name="TextBox 19"/>
+      <p:sp>
+        <p:nvSpPr>
+          <p:cNvPr id="47" name="TextBox 46"/>
           <p:cNvSpPr txBox="1"/>
           <p:nvPr/>
         </p:nvSpPr>
         <p:spPr>
           <a:xfrm>
-            <a:off x="6052936" y="3844938"/>
+            <a:off x="6052936" y="4631268"/>
             <a:ext cx="885114" cy="369332"/>
           </a:xfrm>
           <a:prstGeom prst="rect">
@@ -6155,83 +5329,13 @@
       </p:sp>
       <p:sp>
         <p:nvSpPr>
-          <p:cNvPr id="21" name="TextBox 20"/>
-          <p:cNvSpPr txBox="1"/>
+          <p:cNvPr id="64" name="Rectangle 63"/>
+          <p:cNvSpPr/>
           <p:nvPr/>
         </p:nvSpPr>
         <p:spPr>
           <a:xfrm>
-            <a:off x="6052936" y="4179819"/>
-            <a:ext cx="1302408" cy="369332"/>
-          </a:xfrm>
-          <a:prstGeom prst="rect">
-            <a:avLst/>
-          </a:prstGeom>
-          <a:noFill/>
-        </p:spPr>
-        <p:txBody>
-          <a:bodyPr wrap="none" rtlCol="0">
-            <a:spAutoFit/>
-          </a:bodyPr>
-          <a:lstStyle/>
-          <a:p>
-            <a:r>
-              <a:rPr lang="en-US" dirty="0" smtClean="0"/>
-              <a:t>Inheritance</a:t>
-            </a:r>
-            <a:endParaRPr lang="en-US" dirty="0"/>
-          </a:p>
-        </p:txBody>
-      </p:sp>
-      <p:cxnSp>
-        <p:nvCxnSpPr>
-          <p:cNvPr id="25" name="Curved Connector 24"/>
-          <p:cNvCxnSpPr>
-            <a:stCxn id="8" idx="2"/>
-            <a:endCxn id="6" idx="1"/>
-          </p:cNvCxnSpPr>
-          <p:nvPr/>
-        </p:nvCxnSpPr>
-        <p:spPr>
-          <a:xfrm rot="5400000" flipH="1" flipV="1">
-            <a:off x="3365500" y="160402"/>
-            <a:ext cx="161365" cy="4692652"/>
-          </a:xfrm>
-          <a:prstGeom prst="curvedConnector4">
-            <a:avLst>
-              <a:gd name="adj1" fmla="val -170000"/>
-              <a:gd name="adj2" fmla="val 78107"/>
-            </a:avLst>
-          </a:prstGeom>
-          <a:ln>
-            <a:prstDash val="sysDot"/>
-            <a:tailEnd type="triangle"/>
-          </a:ln>
-        </p:spPr>
-        <p:style>
-          <a:lnRef idx="1">
-            <a:schemeClr val="accent1"/>
-          </a:lnRef>
-          <a:fillRef idx="0">
-            <a:schemeClr val="accent1"/>
-          </a:fillRef>
-          <a:effectRef idx="0">
-            <a:schemeClr val="accent1"/>
-          </a:effectRef>
-          <a:fontRef idx="minor">
-            <a:schemeClr val="tx1"/>
-          </a:fontRef>
-        </p:style>
-      </p:cxnSp>
-      <p:sp>
-        <p:nvSpPr>
-          <p:cNvPr id="26" name="Rectangle 25"/>
-          <p:cNvSpPr/>
-          <p:nvPr/>
-        </p:nvSpPr>
-        <p:spPr>
-          <a:xfrm>
-            <a:off x="7481673" y="844966"/>
+            <a:off x="2988431" y="1631296"/>
             <a:ext cx="1892673" cy="914400"/>
           </a:xfrm>
           <a:prstGeom prst="rect">
@@ -6269,13 +5373,13 @@
       </p:sp>
       <p:cxnSp>
         <p:nvCxnSpPr>
-          <p:cNvPr id="27" name="Straight Arrow Connector 26"/>
+          <p:cNvPr id="65" name="Straight Arrow Connector 64"/>
           <p:cNvCxnSpPr/>
           <p:nvPr/>
         </p:nvCxnSpPr>
         <p:spPr>
           <a:xfrm flipH="1">
-            <a:off x="5470758" y="5081883"/>
+            <a:off x="5470758" y="5868213"/>
             <a:ext cx="509041" cy="0"/>
           </a:xfrm>
           <a:prstGeom prst="straightConnector1">
@@ -6305,13 +5409,13 @@
       </p:cxnSp>
       <p:sp>
         <p:nvSpPr>
-          <p:cNvPr id="28" name="TextBox 27"/>
+          <p:cNvPr id="66" name="TextBox 65"/>
           <p:cNvSpPr txBox="1"/>
           <p:nvPr/>
         </p:nvSpPr>
         <p:spPr>
           <a:xfrm>
-            <a:off x="6041022" y="4907135"/>
+            <a:off x="6041022" y="5693465"/>
             <a:ext cx="1729641" cy="369332"/>
           </a:xfrm>
           <a:prstGeom prst="rect">
@@ -6334,13 +5438,15 @@
       </p:sp>
       <p:cxnSp>
         <p:nvCxnSpPr>
-          <p:cNvPr id="29" name="Curved Connector 28"/>
-          <p:cNvCxnSpPr/>
+          <p:cNvPr id="68" name="Curved Connector 67"/>
+          <p:cNvCxnSpPr>
+            <a:endCxn id="64" idx="1"/>
+          </p:cNvCxnSpPr>
           <p:nvPr/>
         </p:nvCxnSpPr>
         <p:spPr>
           <a:xfrm flipV="1">
-            <a:off x="6349520" y="1302166"/>
+            <a:off x="1856278" y="2088496"/>
             <a:ext cx="1132153" cy="567323"/>
           </a:xfrm>
           <a:prstGeom prst="curvedConnector3">
@@ -6370,18 +5476,18 @@
       </p:cxnSp>
       <p:cxnSp>
         <p:nvCxnSpPr>
-          <p:cNvPr id="30" name="Curved Connector 29"/>
+          <p:cNvPr id="71" name="Curved Connector 70"/>
           <p:cNvCxnSpPr/>
           <p:nvPr/>
         </p:nvCxnSpPr>
         <p:spPr>
-          <a:xfrm rot="10800000">
-            <a:off x="2046196" y="2506730"/>
-            <a:ext cx="850031" cy="350888"/>
+          <a:xfrm rot="16200000" flipV="1">
+            <a:off x="3003874" y="3190963"/>
+            <a:ext cx="604288" cy="228153"/>
           </a:xfrm>
           <a:prstGeom prst="curvedConnector3">
             <a:avLst>
-              <a:gd name="adj1" fmla="val 50000"/>
+              <a:gd name="adj1" fmla="val 97164"/>
             </a:avLst>
           </a:prstGeom>
           <a:ln>
@@ -6409,17 +5515,17 @@
       </p:cxnSp>
       <p:cxnSp>
         <p:nvCxnSpPr>
-          <p:cNvPr id="31" name="Curved Connector 30"/>
+          <p:cNvPr id="86" name="Curved Connector 85"/>
           <p:cNvCxnSpPr>
-            <a:stCxn id="8" idx="2"/>
-            <a:endCxn id="29" idx="0"/>
+            <a:stCxn id="4" idx="2"/>
+            <a:endCxn id="27" idx="0"/>
           </p:cNvCxnSpPr>
           <p:nvPr/>
         </p:nvCxnSpPr>
         <p:spPr>
           <a:xfrm rot="5400000">
-            <a:off x="385584" y="3274789"/>
-            <a:ext cx="1401652" cy="26894"/>
+            <a:off x="1106376" y="3636163"/>
+            <a:ext cx="1105817" cy="1172641"/>
           </a:xfrm>
           <a:prstGeom prst="curvedConnector3">
             <a:avLst>
@@ -6448,14 +5554,14 @@
       </p:cxnSp>
       <p:cxnSp>
         <p:nvCxnSpPr>
-          <p:cNvPr id="32" name="Curved Connector 31"/>
+          <p:cNvPr id="90" name="Curved Connector 89"/>
           <p:cNvCxnSpPr/>
           <p:nvPr/>
         </p:nvCxnSpPr>
         <p:spPr>
           <a:xfrm rot="16200000" flipV="1">
-            <a:off x="544047" y="2798082"/>
-            <a:ext cx="753035" cy="331692"/>
+            <a:off x="1148691" y="3811480"/>
+            <a:ext cx="561580" cy="260426"/>
           </a:xfrm>
           <a:prstGeom prst="curvedConnector3">
             <a:avLst>
@@ -6487,22 +5593,26 @@
       </p:cxnSp>
       <p:cxnSp>
         <p:nvCxnSpPr>
-          <p:cNvPr id="35" name="Straight Arrow Connector 34"/>
-          <p:cNvCxnSpPr/>
+          <p:cNvPr id="100" name="Curved Connector 99"/>
+          <p:cNvCxnSpPr>
+            <a:stCxn id="4" idx="3"/>
+            <a:endCxn id="4" idx="2"/>
+          </p:cNvCxnSpPr>
           <p:nvPr/>
         </p:nvCxnSpPr>
         <p:spPr>
           <a:xfrm flipH="1">
-            <a:off x="1559695" y="2506730"/>
-            <a:ext cx="459604" cy="1482332"/>
-          </a:xfrm>
-          <a:prstGeom prst="straightConnector1">
-            <a:avLst/>
+            <a:off x="2245604" y="3212375"/>
+            <a:ext cx="946336" cy="457200"/>
+          </a:xfrm>
+          <a:prstGeom prst="curvedConnector4">
+            <a:avLst>
+              <a:gd name="adj1" fmla="val -24156"/>
+              <a:gd name="adj2" fmla="val 150000"/>
+            </a:avLst>
           </a:prstGeom>
           <a:ln>
-            <a:solidFill>
-              <a:schemeClr val="accent6"/>
-            </a:solidFill>
+            <a:prstDash val="sysDot"/>
             <a:tailEnd type="triangle"/>
           </a:ln>
         </p:spPr>
@@ -6523,13 +5633,125 @@
       </p:cxnSp>
       <p:cxnSp>
         <p:nvCxnSpPr>
-          <p:cNvPr id="37" name="Straight Arrow Connector 36"/>
+          <p:cNvPr id="105" name="Straight Arrow Connector 104"/>
           <p:cNvCxnSpPr/>
           <p:nvPr/>
         </p:nvCxnSpPr>
         <p:spPr>
           <a:xfrm flipH="1">
-            <a:off x="9147199" y="4019686"/>
+            <a:off x="5456902" y="6269996"/>
+            <a:ext cx="509041" cy="0"/>
+          </a:xfrm>
+          <a:prstGeom prst="straightConnector1">
+            <a:avLst/>
+          </a:prstGeom>
+          <a:ln>
+            <a:solidFill>
+              <a:srgbClr val="FF0000"/>
+            </a:solidFill>
+            <a:prstDash val="dash"/>
+            <a:tailEnd type="triangle"/>
+          </a:ln>
+        </p:spPr>
+        <p:style>
+          <a:lnRef idx="1">
+            <a:schemeClr val="accent1"/>
+          </a:lnRef>
+          <a:fillRef idx="0">
+            <a:schemeClr val="accent1"/>
+          </a:fillRef>
+          <a:effectRef idx="0">
+            <a:schemeClr val="accent1"/>
+          </a:effectRef>
+          <a:fontRef idx="minor">
+            <a:schemeClr val="tx1"/>
+          </a:fontRef>
+        </p:style>
+      </p:cxnSp>
+      <p:sp>
+        <p:nvSpPr>
+          <p:cNvPr id="106" name="TextBox 105"/>
+          <p:cNvSpPr txBox="1"/>
+          <p:nvPr/>
+        </p:nvSpPr>
+        <p:spPr>
+          <a:xfrm>
+            <a:off x="6027166" y="6095248"/>
+            <a:ext cx="2381870" cy="369332"/>
+          </a:xfrm>
+          <a:prstGeom prst="rect">
+            <a:avLst/>
+          </a:prstGeom>
+          <a:noFill/>
+        </p:spPr>
+        <p:txBody>
+          <a:bodyPr wrap="none" rtlCol="0">
+            <a:spAutoFit/>
+          </a:bodyPr>
+          <a:lstStyle/>
+          <a:p>
+            <a:r>
+              <a:rPr lang="en-US" dirty="0" smtClean="0"/>
+              <a:t>Trigger through </a:t>
+            </a:r>
+            <a:r>
+              <a:rPr lang="en-US" dirty="0" err="1" smtClean="0"/>
+              <a:t>PostSet</a:t>
+            </a:r>
+            <a:endParaRPr lang="en-US" dirty="0" smtClean="0"/>
+          </a:p>
+        </p:txBody>
+      </p:sp>
+      <p:cxnSp>
+        <p:nvCxnSpPr>
+          <p:cNvPr id="107" name="Curved Connector 106"/>
+          <p:cNvCxnSpPr>
+            <a:stCxn id="64" idx="2"/>
+          </p:cNvCxnSpPr>
+          <p:nvPr/>
+        </p:nvCxnSpPr>
+        <p:spPr>
+          <a:xfrm rot="5400000">
+            <a:off x="3313658" y="2652134"/>
+            <a:ext cx="727549" cy="514673"/>
+          </a:xfrm>
+          <a:prstGeom prst="curvedConnector3">
+            <a:avLst>
+              <a:gd name="adj1" fmla="val 98559"/>
+            </a:avLst>
+          </a:prstGeom>
+          <a:ln>
+            <a:solidFill>
+              <a:srgbClr val="FF0000"/>
+            </a:solidFill>
+            <a:prstDash val="dash"/>
+            <a:tailEnd type="triangle"/>
+          </a:ln>
+        </p:spPr>
+        <p:style>
+          <a:lnRef idx="1">
+            <a:schemeClr val="accent1"/>
+          </a:lnRef>
+          <a:fillRef idx="0">
+            <a:schemeClr val="accent1"/>
+          </a:fillRef>
+          <a:effectRef idx="0">
+            <a:schemeClr val="accent1"/>
+          </a:effectRef>
+          <a:fontRef idx="minor">
+            <a:schemeClr val="tx1"/>
+          </a:fontRef>
+        </p:style>
+      </p:cxnSp>
+      <p:cxnSp>
+        <p:nvCxnSpPr>
+          <p:cNvPr id="111" name="Straight Arrow Connector 110"/>
+          <p:cNvCxnSpPr/>
+          <p:nvPr/>
+        </p:nvCxnSpPr>
+        <p:spPr>
+          <a:xfrm flipH="1">
+            <a:off x="9147199" y="4806016"/>
             <a:ext cx="509041" cy="0"/>
           </a:xfrm>
           <a:prstGeom prst="straightConnector1">
@@ -6560,13 +5782,13 @@
       </p:cxnSp>
       <p:sp>
         <p:nvSpPr>
-          <p:cNvPr id="38" name="TextBox 37"/>
+          <p:cNvPr id="112" name="TextBox 111"/>
           <p:cNvSpPr txBox="1"/>
           <p:nvPr/>
         </p:nvSpPr>
         <p:spPr>
           <a:xfrm>
-            <a:off x="9717463" y="3665896"/>
+            <a:off x="9717463" y="4527358"/>
             <a:ext cx="2474537" cy="646331"/>
           </a:xfrm>
           <a:prstGeom prst="rect">
@@ -6590,14 +5812,53 @@
       </p:sp>
       <p:cxnSp>
         <p:nvCxnSpPr>
-          <p:cNvPr id="39" name="Straight Arrow Connector 38"/>
+          <p:cNvPr id="113" name="Curved Connector 112"/>
           <p:cNvCxnSpPr/>
           <p:nvPr/>
         </p:nvCxnSpPr>
         <p:spPr>
+          <a:xfrm flipV="1">
+            <a:off x="1645313" y="3273245"/>
+            <a:ext cx="1772931" cy="976519"/>
+          </a:xfrm>
+          <a:prstGeom prst="curvedConnector3">
+            <a:avLst>
+              <a:gd name="adj1" fmla="val 126191"/>
+            </a:avLst>
+          </a:prstGeom>
+          <a:ln>
+            <a:solidFill>
+              <a:srgbClr val="FF0000"/>
+            </a:solidFill>
+            <a:prstDash val="dash"/>
+            <a:tailEnd type="triangle"/>
+          </a:ln>
+        </p:spPr>
+        <p:style>
+          <a:lnRef idx="1">
+            <a:schemeClr val="accent1"/>
+          </a:lnRef>
+          <a:fillRef idx="0">
+            <a:schemeClr val="accent1"/>
+          </a:fillRef>
+          <a:effectRef idx="0">
+            <a:schemeClr val="accent1"/>
+          </a:effectRef>
+          <a:fontRef idx="minor">
+            <a:schemeClr val="tx1"/>
+          </a:fontRef>
+        </p:style>
+      </p:cxnSp>
+      <p:cxnSp>
+        <p:nvCxnSpPr>
+          <p:cNvPr id="120" name="Straight Arrow Connector 119"/>
+          <p:cNvCxnSpPr/>
+          <p:nvPr/>
+        </p:nvCxnSpPr>
+        <p:spPr>
           <a:xfrm flipH="1">
-            <a:off x="5497046" y="4740650"/>
-            <a:ext cx="482753" cy="0"/>
+            <a:off x="1559695" y="3002895"/>
+            <a:ext cx="1664550" cy="1772497"/>
           </a:xfrm>
           <a:prstGeom prst="straightConnector1">
             <a:avLst/>
@@ -6624,46 +5885,16 @@
           </a:fontRef>
         </p:style>
       </p:cxnSp>
-      <p:sp>
-        <p:nvSpPr>
-          <p:cNvPr id="40" name="TextBox 39"/>
-          <p:cNvSpPr txBox="1"/>
-          <p:nvPr/>
-        </p:nvSpPr>
-        <p:spPr>
-          <a:xfrm>
-            <a:off x="6052936" y="4569474"/>
-            <a:ext cx="851515" cy="369332"/>
-          </a:xfrm>
-          <a:prstGeom prst="rect">
-            <a:avLst/>
-          </a:prstGeom>
-          <a:noFill/>
-        </p:spPr>
-        <p:txBody>
-          <a:bodyPr wrap="none" rtlCol="0">
-            <a:spAutoFit/>
-          </a:bodyPr>
-          <a:lstStyle/>
-          <a:p>
-            <a:r>
-              <a:rPr lang="en-US" dirty="0" smtClean="0"/>
-              <a:t>Handle</a:t>
-            </a:r>
-            <a:endParaRPr lang="en-US" dirty="0"/>
-          </a:p>
-        </p:txBody>
-      </p:sp>
       <p:cxnSp>
         <p:nvCxnSpPr>
-          <p:cNvPr id="41" name="Straight Arrow Connector 40"/>
+          <p:cNvPr id="122" name="Straight Arrow Connector 121"/>
           <p:cNvCxnSpPr/>
           <p:nvPr/>
         </p:nvCxnSpPr>
         <p:spPr>
-          <a:xfrm flipH="1" flipV="1">
-            <a:off x="5837410" y="1677345"/>
-            <a:ext cx="142390" cy="287165"/>
+          <a:xfrm flipH="1">
+            <a:off x="5497046" y="5526980"/>
+            <a:ext cx="482753" cy="0"/>
           </a:xfrm>
           <a:prstGeom prst="straightConnector1">
             <a:avLst/>
@@ -6692,14 +5923,14 @@
       </p:cxnSp>
       <p:sp>
         <p:nvSpPr>
-          <p:cNvPr id="45" name="TextBox 44"/>
+          <p:cNvPr id="124" name="TextBox 123"/>
           <p:cNvSpPr txBox="1"/>
           <p:nvPr/>
         </p:nvSpPr>
         <p:spPr>
           <a:xfrm>
-            <a:off x="6938050" y="5256419"/>
-            <a:ext cx="5253950" cy="1138773"/>
+            <a:off x="6052936" y="5355804"/>
+            <a:ext cx="851515" cy="369332"/>
           </a:xfrm>
           <a:prstGeom prst="rect">
             <a:avLst/>
@@ -6707,41 +5938,103 @@
           <a:noFill/>
         </p:spPr>
         <p:txBody>
-          <a:bodyPr wrap="square" rtlCol="0">
+          <a:bodyPr wrap="none" rtlCol="0">
             <a:spAutoFit/>
           </a:bodyPr>
           <a:lstStyle/>
           <a:p>
             <a:r>
-              <a:rPr lang="en-US" sz="3200" dirty="0" smtClean="0"/>
-              <a:t>Detailed Diagram</a:t>
-            </a:r>
-          </a:p>
-          <a:p>
-            <a:pPr marL="457200" indent="-457200">
-              <a:buFont typeface="Arial" charset="0"/>
-              <a:buChar char="•"/>
-            </a:pPr>
-            <a:r>
               <a:rPr lang="en-US" dirty="0" smtClean="0"/>
-              <a:t>Arrows leaving module of interest (</a:t>
-            </a:r>
-            <a:r>
-              <a:rPr lang="en-US" dirty="0" err="1" smtClean="0"/>
-              <a:t>Imaging.test</a:t>
-            </a:r>
-            <a:r>
-              <a:rPr lang="en-US" dirty="0" smtClean="0"/>
-              <a:t>) are the only ones users need to worry about</a:t>
+              <a:t>Handle</a:t>
             </a:r>
             <a:endParaRPr lang="en-US" dirty="0"/>
+          </a:p>
+        </p:txBody>
+      </p:sp>
+      <p:sp>
+        <p:nvSpPr>
+          <p:cNvPr id="125" name="TextBox 124"/>
+          <p:cNvSpPr txBox="1"/>
+          <p:nvPr/>
+        </p:nvSpPr>
+        <p:spPr>
+          <a:xfrm>
+            <a:off x="7575294" y="2166951"/>
+            <a:ext cx="3222357" cy="584775"/>
+          </a:xfrm>
+          <a:prstGeom prst="rect">
+            <a:avLst/>
+          </a:prstGeom>
+          <a:noFill/>
+        </p:spPr>
+        <p:txBody>
+          <a:bodyPr wrap="none" rtlCol="0">
+            <a:spAutoFit/>
+          </a:bodyPr>
+          <a:lstStyle/>
+          <a:p>
+            <a:r>
+              <a:rPr lang="en-US" sz="3200" smtClean="0"/>
+              <a:t>Top Level Diagram</a:t>
+            </a:r>
+            <a:endParaRPr lang="en-US" sz="3200" dirty="0"/>
+          </a:p>
+        </p:txBody>
+      </p:sp>
+      <p:sp>
+        <p:nvSpPr>
+          <p:cNvPr id="34" name="Title 1"/>
+          <p:cNvSpPr txBox="1">
+            <a:spLocks/>
+          </p:cNvSpPr>
+          <p:nvPr/>
+        </p:nvSpPr>
+        <p:spPr>
+          <a:xfrm>
+            <a:off x="838200" y="365125"/>
+            <a:ext cx="10515600" cy="1325563"/>
+          </a:xfrm>
+          <a:prstGeom prst="rect">
+            <a:avLst/>
+          </a:prstGeom>
+        </p:spPr>
+        <p:txBody>
+          <a:bodyPr vert="horz" lIns="91440" tIns="45720" rIns="91440" bIns="45720" rtlCol="0" anchor="ctr">
+            <a:normAutofit/>
+          </a:bodyPr>
+          <a:lstStyle>
+            <a:lvl1pPr algn="ctr" defTabSz="914400" rtl="0" eaLnBrk="1" latinLnBrk="0" hangingPunct="1">
+              <a:lnSpc>
+                <a:spcPct val="90000"/>
+              </a:lnSpc>
+              <a:spcBef>
+                <a:spcPct val="0"/>
+              </a:spcBef>
+              <a:buNone/>
+              <a:defRPr sz="6000" kern="1200">
+                <a:solidFill>
+                  <a:schemeClr val="tx1"/>
+                </a:solidFill>
+                <a:latin typeface="+mj-lt"/>
+                <a:ea typeface="+mj-ea"/>
+                <a:cs typeface="+mj-cs"/>
+              </a:defRPr>
+            </a:lvl1pPr>
+          </a:lstStyle>
+          <a:p>
+            <a:pPr algn="l"/>
+            <a:r>
+              <a:rPr lang="en-US" sz="4400" dirty="0" smtClean="0"/>
+              <a:t>Settings Default Workflow (Example)</a:t>
+            </a:r>
+            <a:endParaRPr lang="en-US" sz="4400" dirty="0"/>
           </a:p>
         </p:txBody>
       </p:sp>
     </p:spTree>
     <p:extLst>
       <p:ext uri="{BB962C8B-B14F-4D97-AF65-F5344CB8AC3E}">
-        <p14:creationId xmlns:p14="http://schemas.microsoft.com/office/powerpoint/2010/main" val="1532411521"/>
+        <p14:creationId xmlns:p14="http://schemas.microsoft.com/office/powerpoint/2010/main" val="1182887400"/>
       </p:ext>
     </p:extLst>
   </p:cSld>
@@ -6770,22 +6063,222 @@
       </p:grpSpPr>
       <p:sp>
         <p:nvSpPr>
-          <p:cNvPr id="2" name="Title 1"/>
-          <p:cNvSpPr>
-            <a:spLocks noGrp="1"/>
-          </p:cNvSpPr>
-          <p:nvPr>
-            <p:ph type="title"/>
-          </p:nvPr>
-        </p:nvSpPr>
-        <p:spPr/>
-        <p:txBody>
-          <a:bodyPr/>
-          <a:lstStyle/>
-          <a:p>
+          <p:cNvPr id="4" name="Rectangle 3"/>
+          <p:cNvSpPr/>
+          <p:nvPr/>
+        </p:nvSpPr>
+        <p:spPr>
+          <a:xfrm>
+            <a:off x="0" y="633396"/>
+            <a:ext cx="4424082" cy="4448444"/>
+          </a:xfrm>
+          <a:prstGeom prst="rect">
+            <a:avLst/>
+          </a:prstGeom>
+          <a:solidFill>
+            <a:schemeClr val="bg2"/>
+          </a:solidFill>
+        </p:spPr>
+        <p:style>
+          <a:lnRef idx="2">
+            <a:schemeClr val="accent1">
+              <a:shade val="50000"/>
+            </a:schemeClr>
+          </a:lnRef>
+          <a:fillRef idx="1">
+            <a:schemeClr val="accent1"/>
+          </a:fillRef>
+          <a:effectRef idx="0">
+            <a:schemeClr val="accent1"/>
+          </a:effectRef>
+          <a:fontRef idx="minor">
+            <a:schemeClr val="lt1"/>
+          </a:fontRef>
+        </p:style>
+        <p:txBody>
+          <a:bodyPr rtlCol="0" anchor="ctr"/>
+          <a:lstStyle/>
+          <a:p>
+            <a:pPr algn="ctr"/>
+            <a:endParaRPr lang="en-US"/>
+          </a:p>
+        </p:txBody>
+      </p:sp>
+      <p:sp>
+        <p:nvSpPr>
+          <p:cNvPr id="5" name="Rectangle 4"/>
+          <p:cNvSpPr/>
+          <p:nvPr/>
+        </p:nvSpPr>
+        <p:spPr>
+          <a:xfrm>
+            <a:off x="5792509" y="1968845"/>
+            <a:ext cx="1892673" cy="914400"/>
+          </a:xfrm>
+          <a:prstGeom prst="rect">
+            <a:avLst/>
+          </a:prstGeom>
+        </p:spPr>
+        <p:style>
+          <a:lnRef idx="2">
+            <a:schemeClr val="accent1">
+              <a:shade val="50000"/>
+            </a:schemeClr>
+          </a:lnRef>
+          <a:fillRef idx="1">
+            <a:schemeClr val="accent1"/>
+          </a:fillRef>
+          <a:effectRef idx="0">
+            <a:schemeClr val="accent1"/>
+          </a:effectRef>
+          <a:fontRef idx="minor">
+            <a:schemeClr val="lt1"/>
+          </a:fontRef>
+        </p:style>
+        <p:txBody>
+          <a:bodyPr rtlCol="0" anchor="ctr"/>
+          <a:lstStyle/>
+          <a:p>
+            <a:pPr algn="ctr"/>
+            <a:r>
+              <a:rPr lang="en-US" dirty="0" err="1" smtClean="0"/>
+              <a:t>Imaging.test</a:t>
+            </a:r>
+            <a:endParaRPr lang="en-US" dirty="0"/>
+          </a:p>
+        </p:txBody>
+      </p:sp>
+      <p:sp>
+        <p:nvSpPr>
+          <p:cNvPr id="6" name="Rectangle 5"/>
+          <p:cNvSpPr/>
+          <p:nvPr/>
+        </p:nvSpPr>
+        <p:spPr>
+          <a:xfrm>
+            <a:off x="2364438" y="758610"/>
+            <a:ext cx="1892673" cy="753035"/>
+          </a:xfrm>
+          <a:prstGeom prst="rect">
+            <a:avLst/>
+          </a:prstGeom>
+        </p:spPr>
+        <p:style>
+          <a:lnRef idx="2">
+            <a:schemeClr val="accent1">
+              <a:shade val="50000"/>
+            </a:schemeClr>
+          </a:lnRef>
+          <a:fillRef idx="1">
+            <a:schemeClr val="accent1"/>
+          </a:fillRef>
+          <a:effectRef idx="0">
+            <a:schemeClr val="accent1"/>
+          </a:effectRef>
+          <a:fontRef idx="minor">
+            <a:schemeClr val="lt1"/>
+          </a:fontRef>
+        </p:style>
+        <p:txBody>
+          <a:bodyPr rtlCol="0" anchor="ctr"/>
+          <a:lstStyle/>
+          <a:p>
+            <a:pPr algn="ctr"/>
+            <a:r>
+              <a:rPr lang="en-US" dirty="0" err="1" smtClean="0"/>
+              <a:t>Modules.Driver</a:t>
+            </a:r>
+            <a:endParaRPr lang="en-US" dirty="0"/>
+          </a:p>
+        </p:txBody>
+      </p:sp>
+      <p:sp>
+        <p:nvSpPr>
+          <p:cNvPr id="7" name="Rectangle 6"/>
+          <p:cNvSpPr/>
+          <p:nvPr/>
+        </p:nvSpPr>
+        <p:spPr>
+          <a:xfrm>
+            <a:off x="153520" y="1673010"/>
+            <a:ext cx="1892673" cy="914400"/>
+          </a:xfrm>
+          <a:prstGeom prst="rect">
+            <a:avLst/>
+          </a:prstGeom>
+        </p:spPr>
+        <p:style>
+          <a:lnRef idx="2">
+            <a:schemeClr val="accent1">
+              <a:shade val="50000"/>
+            </a:schemeClr>
+          </a:lnRef>
+          <a:fillRef idx="1">
+            <a:schemeClr val="accent1"/>
+          </a:fillRef>
+          <a:effectRef idx="0">
+            <a:schemeClr val="accent1"/>
+          </a:effectRef>
+          <a:fontRef idx="minor">
+            <a:schemeClr val="lt1"/>
+          </a:fontRef>
+        </p:style>
+        <p:txBody>
+          <a:bodyPr rtlCol="0" anchor="ctr"/>
+          <a:lstStyle/>
+          <a:p>
+            <a:pPr algn="ctr"/>
+            <a:r>
+              <a:rPr lang="en-US" dirty="0" err="1" smtClean="0"/>
+              <a:t>Base.Module</a:t>
+            </a:r>
+            <a:endParaRPr lang="en-US" dirty="0"/>
+          </a:p>
+        </p:txBody>
+      </p:sp>
+      <p:sp>
+        <p:nvSpPr>
+          <p:cNvPr id="8" name="Rectangle 7"/>
+          <p:cNvSpPr/>
+          <p:nvPr/>
+        </p:nvSpPr>
+        <p:spPr>
+          <a:xfrm>
+            <a:off x="4769221" y="758610"/>
+            <a:ext cx="1892673" cy="914400"/>
+          </a:xfrm>
+          <a:prstGeom prst="rect">
+            <a:avLst/>
+          </a:prstGeom>
+        </p:spPr>
+        <p:style>
+          <a:lnRef idx="2">
+            <a:schemeClr val="accent1">
+              <a:shade val="50000"/>
+            </a:schemeClr>
+          </a:lnRef>
+          <a:fillRef idx="1">
+            <a:schemeClr val="accent1"/>
+          </a:fillRef>
+          <a:effectRef idx="0">
+            <a:schemeClr val="accent1"/>
+          </a:effectRef>
+          <a:fontRef idx="minor">
+            <a:schemeClr val="lt1"/>
+          </a:fontRef>
+        </p:style>
+        <p:txBody>
+          <a:bodyPr rtlCol="0" anchor="ctr"/>
+          <a:lstStyle/>
+          <a:p>
+            <a:pPr algn="ctr"/>
+            <a:r>
+              <a:rPr lang="en-US" dirty="0" err="1" smtClean="0"/>
+              <a:t>Drivers.test</a:t>
+            </a:r>
             <a:r>
               <a:rPr lang="en-US" dirty="0" smtClean="0"/>
-              <a:t>Experiment Module</a:t>
+              <a:t>      (not all shown)</a:t>
             </a:r>
             <a:endParaRPr lang="en-US" dirty="0"/>
           </a:p>
@@ -6793,145 +6286,1075 @@
       </p:sp>
       <p:sp>
         <p:nvSpPr>
-          <p:cNvPr id="3" name="Content Placeholder 2"/>
-          <p:cNvSpPr>
-            <a:spLocks noGrp="1"/>
-          </p:cNvSpPr>
-          <p:nvPr>
-            <p:ph idx="1"/>
-          </p:nvPr>
+          <p:cNvPr id="9" name="Rectangle 8"/>
+          <p:cNvSpPr/>
+          <p:nvPr/>
         </p:nvSpPr>
         <p:spPr>
           <a:xfrm>
-            <a:off x="838200" y="1825624"/>
-            <a:ext cx="10515600" cy="5032376"/>
-          </a:xfrm>
-        </p:spPr>
-        <p:txBody>
-          <a:bodyPr>
-            <a:normAutofit/>
+            <a:off x="2364438" y="1673010"/>
+            <a:ext cx="1892673" cy="753035"/>
+          </a:xfrm>
+          <a:prstGeom prst="rect">
+            <a:avLst/>
+          </a:prstGeom>
+        </p:spPr>
+        <p:style>
+          <a:lnRef idx="2">
+            <a:schemeClr val="accent1">
+              <a:shade val="50000"/>
+            </a:schemeClr>
+          </a:lnRef>
+          <a:fillRef idx="1">
+            <a:schemeClr val="accent1"/>
+          </a:fillRef>
+          <a:effectRef idx="0">
+            <a:schemeClr val="accent1"/>
+          </a:effectRef>
+          <a:fontRef idx="minor">
+            <a:schemeClr val="lt1"/>
+          </a:fontRef>
+        </p:style>
+        <p:txBody>
+          <a:bodyPr rtlCol="0" anchor="ctr"/>
+          <a:lstStyle/>
+          <a:p>
+            <a:pPr algn="ctr"/>
+            <a:r>
+              <a:rPr lang="en-US" dirty="0" err="1" smtClean="0"/>
+              <a:t>Modules.Imaging</a:t>
+            </a:r>
+            <a:endParaRPr lang="en-US" dirty="0"/>
+          </a:p>
+        </p:txBody>
+      </p:sp>
+      <p:sp>
+        <p:nvSpPr>
+          <p:cNvPr id="10" name="Rectangle 9"/>
+          <p:cNvSpPr/>
+          <p:nvPr/>
+        </p:nvSpPr>
+        <p:spPr>
+          <a:xfrm>
+            <a:off x="2168652" y="3989062"/>
+            <a:ext cx="2111186" cy="914400"/>
+          </a:xfrm>
+          <a:prstGeom prst="rect">
+            <a:avLst/>
+          </a:prstGeom>
+        </p:spPr>
+        <p:style>
+          <a:lnRef idx="2">
+            <a:schemeClr val="accent6">
+              <a:shade val="50000"/>
+            </a:schemeClr>
+          </a:lnRef>
+          <a:fillRef idx="1">
+            <a:schemeClr val="accent6"/>
+          </a:fillRef>
+          <a:effectRef idx="0">
+            <a:schemeClr val="accent6"/>
+          </a:effectRef>
+          <a:fontRef idx="minor">
+            <a:schemeClr val="lt1"/>
+          </a:fontRef>
+        </p:style>
+        <p:txBody>
+          <a:bodyPr rtlCol="0" anchor="ctr"/>
+          <a:lstStyle/>
+          <a:p>
+            <a:pPr algn="ctr"/>
+            <a:r>
+              <a:rPr lang="en-US" dirty="0" err="1" smtClean="0"/>
+              <a:t>Base.uicontrolgroup</a:t>
+            </a:r>
+            <a:endParaRPr lang="en-US" dirty="0"/>
+          </a:p>
+        </p:txBody>
+      </p:sp>
+      <p:sp>
+        <p:nvSpPr>
+          <p:cNvPr id="11" name="TextBox 10"/>
+          <p:cNvSpPr txBox="1"/>
+          <p:nvPr/>
+        </p:nvSpPr>
+        <p:spPr>
+          <a:xfrm>
+            <a:off x="237593" y="789097"/>
+            <a:ext cx="1781706" cy="646331"/>
+          </a:xfrm>
+          <a:prstGeom prst="rect">
+            <a:avLst/>
+          </a:prstGeom>
+          <a:noFill/>
+        </p:spPr>
+        <p:txBody>
+          <a:bodyPr wrap="none" rtlCol="0">
+            <a:spAutoFit/>
           </a:bodyPr>
           <a:lstStyle/>
           <a:p>
-            <a:r>
-              <a:rPr lang="en-US" sz="2000" dirty="0" smtClean="0"/>
-              <a:t>Abstract Methods</a:t>
-            </a:r>
-          </a:p>
-          <a:p>
-            <a:pPr lvl="1"/>
-            <a:r>
-              <a:rPr lang="en-US" sz="1600" dirty="0" smtClean="0"/>
-              <a:t>run(obj,statusH,managers,axesH)</a:t>
-            </a:r>
-          </a:p>
-          <a:p>
-            <a:pPr lvl="2"/>
-            <a:r>
-              <a:rPr lang="en-US" sz="1200" dirty="0" smtClean="0"/>
-              <a:t>statusH is the handle to a text object, so you can update what your experiment is doing. Note, if you make a custom one and use the same title, it will replace this one.  The title is formatted as: sprintf(‘%s running’,class(module)).</a:t>
-            </a:r>
-          </a:p>
-          <a:p>
-            <a:pPr lvl="2"/>
-            <a:r>
-              <a:rPr lang="en-US" sz="1200" dirty="0" smtClean="0"/>
-              <a:t>managers is the ManagerContainer class that wraps all of the manager types.  It is recommended that this is used to control stage and camera.</a:t>
-            </a:r>
-          </a:p>
-          <a:p>
-            <a:pPr lvl="2"/>
-            <a:r>
-              <a:rPr lang="en-US" sz="1200" dirty="0" smtClean="0"/>
-              <a:t>axesH is the handle to the data axes of CommandCenter.</a:t>
-            </a:r>
-          </a:p>
-          <a:p>
-            <a:pPr lvl="1"/>
-            <a:r>
-              <a:rPr lang="en-US" sz="1600" dirty="0"/>
-              <a:t>a</a:t>
-            </a:r>
-            <a:r>
-              <a:rPr lang="en-US" sz="1600" dirty="0" smtClean="0"/>
-              <a:t>bort(obj)</a:t>
-            </a:r>
-          </a:p>
-          <a:p>
-            <a:pPr lvl="2"/>
-            <a:r>
-              <a:rPr lang="en-US" sz="1200" dirty="0" smtClean="0"/>
-              <a:t>This should abort the currently executing experiment</a:t>
-            </a:r>
-            <a:endParaRPr lang="en-US" sz="1100" dirty="0" smtClean="0"/>
-          </a:p>
-          <a:p>
-            <a:pPr lvl="1"/>
-            <a:r>
-              <a:rPr lang="en-US" sz="1600" dirty="0" smtClean="0"/>
-              <a:t>data = GetData(obj,stage,imager)</a:t>
-            </a:r>
-          </a:p>
-          <a:p>
-            <a:pPr lvl="2"/>
-            <a:r>
-              <a:rPr lang="en-US" sz="1200" dirty="0" smtClean="0"/>
-              <a:t>This should return some data object/structure/whatever to be saved by the database module(s).</a:t>
-            </a:r>
-          </a:p>
-          <a:p>
-            <a:pPr lvl="2"/>
-            <a:r>
-              <a:rPr lang="en-US" sz="1200" dirty="0" smtClean="0"/>
-              <a:t>Stage and Imager correspond to the managers.  Nothing should be set with these managers, only read if desired.</a:t>
-            </a:r>
-          </a:p>
-          <a:p>
-            <a:pPr lvl="2"/>
-            <a:r>
-              <a:rPr lang="en-US" sz="1200" dirty="0" smtClean="0"/>
-              <a:t>Note some Database modules might look for specific fields here to save correctly!</a:t>
-            </a:r>
-          </a:p>
-          <a:p>
-            <a:r>
-              <a:rPr lang="en-US" sz="2000" dirty="0" smtClean="0"/>
-              <a:t>“save_request” event.  Fire this when you want to force a save during an experiment run.</a:t>
-            </a:r>
-          </a:p>
-          <a:p>
-            <a:pPr lvl="2"/>
-            <a:r>
-              <a:rPr lang="en-US" sz="1200" dirty="0" smtClean="0"/>
-              <a:t>CommandCenter will first go through all autosave modules, then all manual save modules.</a:t>
-            </a:r>
-          </a:p>
-          <a:p>
-            <a:r>
-              <a:rPr lang="en-US" sz="2000" dirty="0" smtClean="0"/>
-              <a:t>Analysis</a:t>
-            </a:r>
-          </a:p>
-          <a:p>
-            <a:pPr lvl="2"/>
-            <a:r>
-              <a:rPr lang="en-US" sz="1200" dirty="0" smtClean="0"/>
-              <a:t>This can be done in a few ways.  You could implement your own analysis button in the custom area, or you could have your run method do it at the end.</a:t>
-            </a:r>
-          </a:p>
-          <a:p>
-            <a:pPr lvl="2"/>
-            <a:r>
-              <a:rPr lang="en-US" sz="1200" dirty="0" smtClean="0"/>
-              <a:t>In terms of saving, nothing changes.  Your analysis should directly modify your data object, so that when you save, it includes the analysis.  Your database modules could look for certain things to see if there is an analysis.</a:t>
-            </a:r>
+            <a:pPr algn="ctr"/>
+            <a:r>
+              <a:rPr lang="en-US" dirty="0" err="1" smtClean="0"/>
+              <a:t>CommandCenter</a:t>
+            </a:r>
+            <a:endParaRPr lang="en-US" dirty="0" smtClean="0"/>
+          </a:p>
+          <a:p>
+            <a:pPr algn="ctr"/>
+            <a:r>
+              <a:rPr lang="en-US" dirty="0" smtClean="0"/>
+              <a:t>Core</a:t>
+            </a:r>
+            <a:endParaRPr lang="en-US" dirty="0"/>
+          </a:p>
+        </p:txBody>
+      </p:sp>
+      <p:cxnSp>
+        <p:nvCxnSpPr>
+          <p:cNvPr id="12" name="Curved Connector 11"/>
+          <p:cNvCxnSpPr/>
+          <p:nvPr/>
+        </p:nvCxnSpPr>
+        <p:spPr>
+          <a:xfrm rot="16200000" flipV="1">
+            <a:off x="6126819" y="1741809"/>
+            <a:ext cx="291500" cy="153901"/>
+          </a:xfrm>
+          <a:prstGeom prst="curvedConnector3">
+            <a:avLst>
+              <a:gd name="adj1" fmla="val 50000"/>
+            </a:avLst>
+          </a:prstGeom>
+          <a:ln>
+            <a:tailEnd type="triangle"/>
+          </a:ln>
+        </p:spPr>
+        <p:style>
+          <a:lnRef idx="1">
+            <a:schemeClr val="accent1"/>
+          </a:lnRef>
+          <a:fillRef idx="0">
+            <a:schemeClr val="accent1"/>
+          </a:fillRef>
+          <a:effectRef idx="0">
+            <a:schemeClr val="accent1"/>
+          </a:effectRef>
+          <a:fontRef idx="minor">
+            <a:schemeClr val="tx1"/>
+          </a:fontRef>
+        </p:style>
+      </p:cxnSp>
+      <p:sp>
+        <p:nvSpPr>
+          <p:cNvPr id="13" name="Rectangle 12"/>
+          <p:cNvSpPr/>
+          <p:nvPr/>
+        </p:nvSpPr>
+        <p:spPr>
+          <a:xfrm>
+            <a:off x="126626" y="3989062"/>
+            <a:ext cx="1892673" cy="914400"/>
+          </a:xfrm>
+          <a:prstGeom prst="rect">
+            <a:avLst/>
+          </a:prstGeom>
+        </p:spPr>
+        <p:style>
+          <a:lnRef idx="2">
+            <a:schemeClr val="accent1">
+              <a:shade val="50000"/>
+            </a:schemeClr>
+          </a:lnRef>
+          <a:fillRef idx="1">
+            <a:schemeClr val="accent1"/>
+          </a:fillRef>
+          <a:effectRef idx="0">
+            <a:schemeClr val="accent1"/>
+          </a:effectRef>
+          <a:fontRef idx="minor">
+            <a:schemeClr val="lt1"/>
+          </a:fontRef>
+        </p:style>
+        <p:txBody>
+          <a:bodyPr rtlCol="0" anchor="ctr"/>
+          <a:lstStyle/>
+          <a:p>
+            <a:pPr algn="ctr"/>
+            <a:r>
+              <a:rPr lang="en-US" dirty="0" smtClean="0"/>
+              <a:t>GUI</a:t>
+            </a:r>
+            <a:endParaRPr lang="en-US" dirty="0"/>
+          </a:p>
+        </p:txBody>
+      </p:sp>
+      <p:cxnSp>
+        <p:nvCxnSpPr>
+          <p:cNvPr id="14" name="Curved Connector 13"/>
+          <p:cNvCxnSpPr>
+            <a:stCxn id="9" idx="1"/>
+            <a:endCxn id="7" idx="3"/>
+          </p:cNvCxnSpPr>
+          <p:nvPr/>
+        </p:nvCxnSpPr>
+        <p:spPr>
+          <a:xfrm rot="10800000">
+            <a:off x="4257111" y="1135128"/>
+            <a:ext cx="512110" cy="80682"/>
+          </a:xfrm>
+          <a:prstGeom prst="curvedConnector3">
+            <a:avLst/>
+          </a:prstGeom>
+          <a:ln>
+            <a:solidFill>
+              <a:schemeClr val="bg2">
+                <a:lumMod val="75000"/>
+              </a:schemeClr>
+            </a:solidFill>
+            <a:prstDash val="dash"/>
+            <a:tailEnd type="triangle"/>
+          </a:ln>
+        </p:spPr>
+        <p:style>
+          <a:lnRef idx="1">
+            <a:schemeClr val="accent1"/>
+          </a:lnRef>
+          <a:fillRef idx="0">
+            <a:schemeClr val="accent1"/>
+          </a:fillRef>
+          <a:effectRef idx="0">
+            <a:schemeClr val="accent1"/>
+          </a:effectRef>
+          <a:fontRef idx="minor">
+            <a:schemeClr val="tx1"/>
+          </a:fontRef>
+        </p:style>
+      </p:cxnSp>
+      <p:cxnSp>
+        <p:nvCxnSpPr>
+          <p:cNvPr id="15" name="Curved Connector 14"/>
+          <p:cNvCxnSpPr>
+            <a:stCxn id="6" idx="1"/>
+            <a:endCxn id="10" idx="3"/>
+          </p:cNvCxnSpPr>
+          <p:nvPr/>
+        </p:nvCxnSpPr>
+        <p:spPr>
+          <a:xfrm rot="10800000">
+            <a:off x="4257111" y="2049529"/>
+            <a:ext cx="1535398" cy="376517"/>
+          </a:xfrm>
+          <a:prstGeom prst="curvedConnector3">
+            <a:avLst>
+              <a:gd name="adj1" fmla="val 50000"/>
+            </a:avLst>
+          </a:prstGeom>
+          <a:ln>
+            <a:solidFill>
+              <a:schemeClr val="bg2">
+                <a:lumMod val="75000"/>
+              </a:schemeClr>
+            </a:solidFill>
+            <a:prstDash val="dash"/>
+            <a:tailEnd type="triangle"/>
+          </a:ln>
+        </p:spPr>
+        <p:style>
+          <a:lnRef idx="1">
+            <a:schemeClr val="accent1"/>
+          </a:lnRef>
+          <a:fillRef idx="0">
+            <a:schemeClr val="accent1"/>
+          </a:fillRef>
+          <a:effectRef idx="0">
+            <a:schemeClr val="accent1"/>
+          </a:effectRef>
+          <a:fontRef idx="minor">
+            <a:schemeClr val="tx1"/>
+          </a:fontRef>
+        </p:style>
+      </p:cxnSp>
+      <p:cxnSp>
+        <p:nvCxnSpPr>
+          <p:cNvPr id="16" name="Curved Connector 15"/>
+          <p:cNvCxnSpPr>
+            <a:stCxn id="7" idx="1"/>
+            <a:endCxn id="8" idx="3"/>
+          </p:cNvCxnSpPr>
+          <p:nvPr/>
+        </p:nvCxnSpPr>
+        <p:spPr>
+          <a:xfrm rot="10800000" flipV="1">
+            <a:off x="2046194" y="1135128"/>
+            <a:ext cx="318245" cy="995082"/>
+          </a:xfrm>
+          <a:prstGeom prst="curvedConnector3">
+            <a:avLst>
+              <a:gd name="adj1" fmla="val 50000"/>
+            </a:avLst>
+          </a:prstGeom>
+          <a:ln>
+            <a:solidFill>
+              <a:schemeClr val="bg2">
+                <a:lumMod val="75000"/>
+              </a:schemeClr>
+            </a:solidFill>
+            <a:prstDash val="dash"/>
+            <a:tailEnd type="triangle"/>
+          </a:ln>
+        </p:spPr>
+        <p:style>
+          <a:lnRef idx="1">
+            <a:schemeClr val="accent1"/>
+          </a:lnRef>
+          <a:fillRef idx="0">
+            <a:schemeClr val="accent1"/>
+          </a:fillRef>
+          <a:effectRef idx="0">
+            <a:schemeClr val="accent1"/>
+          </a:effectRef>
+          <a:fontRef idx="minor">
+            <a:schemeClr val="tx1"/>
+          </a:fontRef>
+        </p:style>
+      </p:cxnSp>
+      <p:cxnSp>
+        <p:nvCxnSpPr>
+          <p:cNvPr id="17" name="Curved Connector 16"/>
+          <p:cNvCxnSpPr>
+            <a:stCxn id="10" idx="1"/>
+            <a:endCxn id="8" idx="3"/>
+          </p:cNvCxnSpPr>
+          <p:nvPr/>
+        </p:nvCxnSpPr>
+        <p:spPr>
+          <a:xfrm rot="10800000" flipV="1">
+            <a:off x="2046194" y="2049528"/>
+            <a:ext cx="318245" cy="80682"/>
+          </a:xfrm>
+          <a:prstGeom prst="curvedConnector3">
+            <a:avLst>
+              <a:gd name="adj1" fmla="val 50000"/>
+            </a:avLst>
+          </a:prstGeom>
+          <a:ln>
+            <a:solidFill>
+              <a:schemeClr val="bg2">
+                <a:lumMod val="75000"/>
+              </a:schemeClr>
+            </a:solidFill>
+            <a:prstDash val="dash"/>
+            <a:tailEnd type="triangle"/>
+          </a:ln>
+        </p:spPr>
+        <p:style>
+          <a:lnRef idx="1">
+            <a:schemeClr val="accent1"/>
+          </a:lnRef>
+          <a:fillRef idx="0">
+            <a:schemeClr val="accent1"/>
+          </a:fillRef>
+          <a:effectRef idx="0">
+            <a:schemeClr val="accent1"/>
+          </a:effectRef>
+          <a:fontRef idx="minor">
+            <a:schemeClr val="tx1"/>
+          </a:fontRef>
+        </p:style>
+      </p:cxnSp>
+      <p:cxnSp>
+        <p:nvCxnSpPr>
+          <p:cNvPr id="18" name="Straight Arrow Connector 17"/>
+          <p:cNvCxnSpPr/>
+          <p:nvPr/>
+        </p:nvCxnSpPr>
+        <p:spPr>
+          <a:xfrm flipH="1">
+            <a:off x="5482672" y="4019686"/>
+            <a:ext cx="509041" cy="0"/>
+          </a:xfrm>
+          <a:prstGeom prst="straightConnector1">
+            <a:avLst/>
+          </a:prstGeom>
+          <a:ln>
+            <a:tailEnd type="triangle"/>
+          </a:ln>
+        </p:spPr>
+        <p:style>
+          <a:lnRef idx="1">
+            <a:schemeClr val="accent1"/>
+          </a:lnRef>
+          <a:fillRef idx="0">
+            <a:schemeClr val="accent1"/>
+          </a:fillRef>
+          <a:effectRef idx="0">
+            <a:schemeClr val="accent1"/>
+          </a:effectRef>
+          <a:fontRef idx="minor">
+            <a:schemeClr val="tx1"/>
+          </a:fontRef>
+        </p:style>
+      </p:cxnSp>
+      <p:cxnSp>
+        <p:nvCxnSpPr>
+          <p:cNvPr id="19" name="Straight Arrow Connector 18"/>
+          <p:cNvCxnSpPr/>
+          <p:nvPr/>
+        </p:nvCxnSpPr>
+        <p:spPr>
+          <a:xfrm flipH="1">
+            <a:off x="5482671" y="4337057"/>
+            <a:ext cx="509041" cy="0"/>
+          </a:xfrm>
+          <a:prstGeom prst="straightConnector1">
+            <a:avLst/>
+          </a:prstGeom>
+          <a:ln>
+            <a:solidFill>
+              <a:schemeClr val="bg1">
+                <a:lumMod val="75000"/>
+              </a:schemeClr>
+            </a:solidFill>
+            <a:prstDash val="dash"/>
+            <a:tailEnd type="triangle"/>
+          </a:ln>
+        </p:spPr>
+        <p:style>
+          <a:lnRef idx="1">
+            <a:schemeClr val="accent1"/>
+          </a:lnRef>
+          <a:fillRef idx="0">
+            <a:schemeClr val="accent1"/>
+          </a:fillRef>
+          <a:effectRef idx="0">
+            <a:schemeClr val="accent1"/>
+          </a:effectRef>
+          <a:fontRef idx="minor">
+            <a:schemeClr val="tx1"/>
+          </a:fontRef>
+        </p:style>
+      </p:cxnSp>
+      <p:sp>
+        <p:nvSpPr>
+          <p:cNvPr id="20" name="TextBox 19"/>
+          <p:cNvSpPr txBox="1"/>
+          <p:nvPr/>
+        </p:nvSpPr>
+        <p:spPr>
+          <a:xfrm>
+            <a:off x="6052936" y="3844938"/>
+            <a:ext cx="885114" cy="369332"/>
+          </a:xfrm>
+          <a:prstGeom prst="rect">
+            <a:avLst/>
+          </a:prstGeom>
+          <a:noFill/>
+        </p:spPr>
+        <p:txBody>
+          <a:bodyPr wrap="none" rtlCol="0">
+            <a:spAutoFit/>
+          </a:bodyPr>
+          <a:lstStyle/>
+          <a:p>
+            <a:r>
+              <a:rPr lang="en-US" dirty="0" smtClean="0"/>
+              <a:t>listener</a:t>
+            </a:r>
+            <a:endParaRPr lang="en-US" dirty="0"/>
+          </a:p>
+        </p:txBody>
+      </p:sp>
+      <p:sp>
+        <p:nvSpPr>
+          <p:cNvPr id="21" name="TextBox 20"/>
+          <p:cNvSpPr txBox="1"/>
+          <p:nvPr/>
+        </p:nvSpPr>
+        <p:spPr>
+          <a:xfrm>
+            <a:off x="6052936" y="4179819"/>
+            <a:ext cx="1302408" cy="369332"/>
+          </a:xfrm>
+          <a:prstGeom prst="rect">
+            <a:avLst/>
+          </a:prstGeom>
+          <a:noFill/>
+        </p:spPr>
+        <p:txBody>
+          <a:bodyPr wrap="none" rtlCol="0">
+            <a:spAutoFit/>
+          </a:bodyPr>
+          <a:lstStyle/>
+          <a:p>
+            <a:r>
+              <a:rPr lang="en-US" dirty="0" smtClean="0"/>
+              <a:t>Inheritance</a:t>
+            </a:r>
+            <a:endParaRPr lang="en-US" dirty="0"/>
+          </a:p>
+        </p:txBody>
+      </p:sp>
+      <p:cxnSp>
+        <p:nvCxnSpPr>
+          <p:cNvPr id="25" name="Curved Connector 24"/>
+          <p:cNvCxnSpPr>
+            <a:stCxn id="8" idx="2"/>
+            <a:endCxn id="6" idx="1"/>
+          </p:cNvCxnSpPr>
+          <p:nvPr/>
+        </p:nvCxnSpPr>
+        <p:spPr>
+          <a:xfrm rot="5400000" flipH="1" flipV="1">
+            <a:off x="3365500" y="160402"/>
+            <a:ext cx="161365" cy="4692652"/>
+          </a:xfrm>
+          <a:prstGeom prst="curvedConnector4">
+            <a:avLst>
+              <a:gd name="adj1" fmla="val -170000"/>
+              <a:gd name="adj2" fmla="val 78107"/>
+            </a:avLst>
+          </a:prstGeom>
+          <a:ln>
+            <a:prstDash val="sysDot"/>
+            <a:tailEnd type="triangle"/>
+          </a:ln>
+        </p:spPr>
+        <p:style>
+          <a:lnRef idx="1">
+            <a:schemeClr val="accent1"/>
+          </a:lnRef>
+          <a:fillRef idx="0">
+            <a:schemeClr val="accent1"/>
+          </a:fillRef>
+          <a:effectRef idx="0">
+            <a:schemeClr val="accent1"/>
+          </a:effectRef>
+          <a:fontRef idx="minor">
+            <a:schemeClr val="tx1"/>
+          </a:fontRef>
+        </p:style>
+      </p:cxnSp>
+      <p:sp>
+        <p:nvSpPr>
+          <p:cNvPr id="26" name="Rectangle 25"/>
+          <p:cNvSpPr/>
+          <p:nvPr/>
+        </p:nvSpPr>
+        <p:spPr>
+          <a:xfrm>
+            <a:off x="7481673" y="844966"/>
+            <a:ext cx="1892673" cy="914400"/>
+          </a:xfrm>
+          <a:prstGeom prst="rect">
+            <a:avLst/>
+          </a:prstGeom>
+        </p:spPr>
+        <p:style>
+          <a:lnRef idx="2">
+            <a:schemeClr val="accent6">
+              <a:shade val="50000"/>
+            </a:schemeClr>
+          </a:lnRef>
+          <a:fillRef idx="1">
+            <a:schemeClr val="accent6"/>
+          </a:fillRef>
+          <a:effectRef idx="0">
+            <a:schemeClr val="accent6"/>
+          </a:effectRef>
+          <a:fontRef idx="minor">
+            <a:schemeClr val="lt1"/>
+          </a:fontRef>
+        </p:style>
+        <p:txBody>
+          <a:bodyPr rtlCol="0" anchor="ctr"/>
+          <a:lstStyle/>
+          <a:p>
+            <a:pPr algn="ctr"/>
+            <a:r>
+              <a:rPr lang="en-US" dirty="0" err="1" smtClean="0"/>
+              <a:t>updateprop</a:t>
+            </a:r>
+            <a:endParaRPr lang="en-US" dirty="0"/>
+          </a:p>
+        </p:txBody>
+      </p:sp>
+      <p:cxnSp>
+        <p:nvCxnSpPr>
+          <p:cNvPr id="27" name="Straight Arrow Connector 26"/>
+          <p:cNvCxnSpPr/>
+          <p:nvPr/>
+        </p:nvCxnSpPr>
+        <p:spPr>
+          <a:xfrm flipH="1">
+            <a:off x="5470758" y="5081883"/>
+            <a:ext cx="509041" cy="0"/>
+          </a:xfrm>
+          <a:prstGeom prst="straightConnector1">
+            <a:avLst/>
+          </a:prstGeom>
+          <a:ln>
+            <a:solidFill>
+              <a:srgbClr val="FF0000"/>
+            </a:solidFill>
+            <a:tailEnd type="triangle"/>
+          </a:ln>
+        </p:spPr>
+        <p:style>
+          <a:lnRef idx="1">
+            <a:schemeClr val="accent1"/>
+          </a:lnRef>
+          <a:fillRef idx="0">
+            <a:schemeClr val="accent1"/>
+          </a:fillRef>
+          <a:effectRef idx="0">
+            <a:schemeClr val="accent1"/>
+          </a:effectRef>
+          <a:fontRef idx="minor">
+            <a:schemeClr val="tx1"/>
+          </a:fontRef>
+        </p:style>
+      </p:cxnSp>
+      <p:sp>
+        <p:nvSpPr>
+          <p:cNvPr id="28" name="TextBox 27"/>
+          <p:cNvSpPr txBox="1"/>
+          <p:nvPr/>
+        </p:nvSpPr>
+        <p:spPr>
+          <a:xfrm>
+            <a:off x="6041022" y="4907135"/>
+            <a:ext cx="1729641" cy="369332"/>
+          </a:xfrm>
+          <a:prstGeom prst="rect">
+            <a:avLst/>
+          </a:prstGeom>
+          <a:noFill/>
+        </p:spPr>
+        <p:txBody>
+          <a:bodyPr wrap="none" rtlCol="0">
+            <a:spAutoFit/>
+          </a:bodyPr>
+          <a:lstStyle/>
+          <a:p>
+            <a:r>
+              <a:rPr lang="en-US" dirty="0" smtClean="0"/>
+              <a:t>Listener callback</a:t>
+            </a:r>
+          </a:p>
+        </p:txBody>
+      </p:sp>
+      <p:cxnSp>
+        <p:nvCxnSpPr>
+          <p:cNvPr id="29" name="Curved Connector 28"/>
+          <p:cNvCxnSpPr/>
+          <p:nvPr/>
+        </p:nvCxnSpPr>
+        <p:spPr>
+          <a:xfrm flipV="1">
+            <a:off x="6349520" y="1302166"/>
+            <a:ext cx="1132153" cy="567323"/>
+          </a:xfrm>
+          <a:prstGeom prst="curvedConnector3">
+            <a:avLst/>
+          </a:prstGeom>
+          <a:ln>
+            <a:solidFill>
+              <a:srgbClr val="FF0000"/>
+            </a:solidFill>
+            <a:tailEnd type="triangle"/>
+          </a:ln>
+        </p:spPr>
+        <p:style>
+          <a:lnRef idx="1">
+            <a:schemeClr val="accent1"/>
+          </a:lnRef>
+          <a:fillRef idx="0">
+            <a:schemeClr val="accent1"/>
+          </a:fillRef>
+          <a:effectRef idx="0">
+            <a:schemeClr val="accent1"/>
+          </a:effectRef>
+          <a:fontRef idx="minor">
+            <a:schemeClr val="tx1"/>
+          </a:fontRef>
+        </p:style>
+      </p:cxnSp>
+      <p:cxnSp>
+        <p:nvCxnSpPr>
+          <p:cNvPr id="30" name="Curved Connector 29"/>
+          <p:cNvCxnSpPr/>
+          <p:nvPr/>
+        </p:nvCxnSpPr>
+        <p:spPr>
+          <a:xfrm rot="10800000">
+            <a:off x="2046196" y="2506730"/>
+            <a:ext cx="850031" cy="350888"/>
+          </a:xfrm>
+          <a:prstGeom prst="curvedConnector3">
+            <a:avLst>
+              <a:gd name="adj1" fmla="val 50000"/>
+            </a:avLst>
+          </a:prstGeom>
+          <a:ln>
+            <a:solidFill>
+              <a:srgbClr val="FF0000"/>
+            </a:solidFill>
+            <a:prstDash val="sysDot"/>
+            <a:tailEnd type="triangle"/>
+          </a:ln>
+        </p:spPr>
+        <p:style>
+          <a:lnRef idx="1">
+            <a:schemeClr val="accent1"/>
+          </a:lnRef>
+          <a:fillRef idx="0">
+            <a:schemeClr val="accent1"/>
+          </a:fillRef>
+          <a:effectRef idx="0">
+            <a:schemeClr val="accent1"/>
+          </a:effectRef>
+          <a:fontRef idx="minor">
+            <a:schemeClr val="tx1"/>
+          </a:fontRef>
+        </p:style>
+      </p:cxnSp>
+      <p:cxnSp>
+        <p:nvCxnSpPr>
+          <p:cNvPr id="31" name="Curved Connector 30"/>
+          <p:cNvCxnSpPr>
+            <a:stCxn id="8" idx="2"/>
+            <a:endCxn id="29" idx="0"/>
+          </p:cNvCxnSpPr>
+          <p:nvPr/>
+        </p:nvCxnSpPr>
+        <p:spPr>
+          <a:xfrm rot="5400000">
+            <a:off x="385584" y="3274789"/>
+            <a:ext cx="1401652" cy="26894"/>
+          </a:xfrm>
+          <a:prstGeom prst="curvedConnector3">
+            <a:avLst>
+              <a:gd name="adj1" fmla="val 50000"/>
+            </a:avLst>
+          </a:prstGeom>
+          <a:ln>
+            <a:prstDash val="sysDot"/>
+            <a:tailEnd type="triangle"/>
+          </a:ln>
+        </p:spPr>
+        <p:style>
+          <a:lnRef idx="1">
+            <a:schemeClr val="accent1"/>
+          </a:lnRef>
+          <a:fillRef idx="0">
+            <a:schemeClr val="accent1"/>
+          </a:fillRef>
+          <a:effectRef idx="0">
+            <a:schemeClr val="accent1"/>
+          </a:effectRef>
+          <a:fontRef idx="minor">
+            <a:schemeClr val="tx1"/>
+          </a:fontRef>
+        </p:style>
+      </p:cxnSp>
+      <p:cxnSp>
+        <p:nvCxnSpPr>
+          <p:cNvPr id="32" name="Curved Connector 31"/>
+          <p:cNvCxnSpPr/>
+          <p:nvPr/>
+        </p:nvCxnSpPr>
+        <p:spPr>
+          <a:xfrm rot="16200000" flipV="1">
+            <a:off x="544047" y="2798082"/>
+            <a:ext cx="753035" cy="331692"/>
+          </a:xfrm>
+          <a:prstGeom prst="curvedConnector3">
+            <a:avLst>
+              <a:gd name="adj1" fmla="val 50000"/>
+            </a:avLst>
+          </a:prstGeom>
+          <a:ln>
+            <a:solidFill>
+              <a:srgbClr val="FF0000"/>
+            </a:solidFill>
+            <a:prstDash val="sysDot"/>
+            <a:tailEnd type="triangle"/>
+          </a:ln>
+        </p:spPr>
+        <p:style>
+          <a:lnRef idx="1">
+            <a:schemeClr val="accent1"/>
+          </a:lnRef>
+          <a:fillRef idx="0">
+            <a:schemeClr val="accent1"/>
+          </a:fillRef>
+          <a:effectRef idx="0">
+            <a:schemeClr val="accent1"/>
+          </a:effectRef>
+          <a:fontRef idx="minor">
+            <a:schemeClr val="tx1"/>
+          </a:fontRef>
+        </p:style>
+      </p:cxnSp>
+      <p:cxnSp>
+        <p:nvCxnSpPr>
+          <p:cNvPr id="35" name="Straight Arrow Connector 34"/>
+          <p:cNvCxnSpPr/>
+          <p:nvPr/>
+        </p:nvCxnSpPr>
+        <p:spPr>
+          <a:xfrm flipH="1">
+            <a:off x="1559695" y="2506730"/>
+            <a:ext cx="459604" cy="1482332"/>
+          </a:xfrm>
+          <a:prstGeom prst="straightConnector1">
+            <a:avLst/>
+          </a:prstGeom>
+          <a:ln>
+            <a:solidFill>
+              <a:schemeClr val="accent6"/>
+            </a:solidFill>
+            <a:tailEnd type="triangle"/>
+          </a:ln>
+        </p:spPr>
+        <p:style>
+          <a:lnRef idx="1">
+            <a:schemeClr val="accent1"/>
+          </a:lnRef>
+          <a:fillRef idx="0">
+            <a:schemeClr val="accent1"/>
+          </a:fillRef>
+          <a:effectRef idx="0">
+            <a:schemeClr val="accent1"/>
+          </a:effectRef>
+          <a:fontRef idx="minor">
+            <a:schemeClr val="tx1"/>
+          </a:fontRef>
+        </p:style>
+      </p:cxnSp>
+      <p:cxnSp>
+        <p:nvCxnSpPr>
+          <p:cNvPr id="37" name="Straight Arrow Connector 36"/>
+          <p:cNvCxnSpPr/>
+          <p:nvPr/>
+        </p:nvCxnSpPr>
+        <p:spPr>
+          <a:xfrm flipH="1">
+            <a:off x="9147199" y="4019686"/>
+            <a:ext cx="509041" cy="0"/>
+          </a:xfrm>
+          <a:prstGeom prst="straightConnector1">
+            <a:avLst/>
+          </a:prstGeom>
+          <a:ln>
+            <a:solidFill>
+              <a:schemeClr val="tx1"/>
+            </a:solidFill>
+            <a:prstDash val="sysDot"/>
+            <a:tailEnd type="triangle"/>
+          </a:ln>
+        </p:spPr>
+        <p:style>
+          <a:lnRef idx="1">
+            <a:schemeClr val="accent1"/>
+          </a:lnRef>
+          <a:fillRef idx="0">
+            <a:schemeClr val="accent1"/>
+          </a:fillRef>
+          <a:effectRef idx="0">
+            <a:schemeClr val="accent1"/>
+          </a:effectRef>
+          <a:fontRef idx="minor">
+            <a:schemeClr val="tx1"/>
+          </a:fontRef>
+        </p:style>
+      </p:cxnSp>
+      <p:sp>
+        <p:nvSpPr>
+          <p:cNvPr id="38" name="TextBox 37"/>
+          <p:cNvSpPr txBox="1"/>
+          <p:nvPr/>
+        </p:nvSpPr>
+        <p:spPr>
+          <a:xfrm>
+            <a:off x="9717463" y="3665896"/>
+            <a:ext cx="2474537" cy="646331"/>
+          </a:xfrm>
+          <a:prstGeom prst="rect">
+            <a:avLst/>
+          </a:prstGeom>
+          <a:noFill/>
+        </p:spPr>
+        <p:txBody>
+          <a:bodyPr wrap="square" rtlCol="0">
+            <a:spAutoFit/>
+          </a:bodyPr>
+          <a:lstStyle/>
+          <a:p>
+            <a:r>
+              <a:rPr lang="en-US" dirty="0" smtClean="0"/>
+              <a:t>Destroyed when settings destroyed</a:t>
+            </a:r>
+            <a:endParaRPr lang="en-US" dirty="0"/>
+          </a:p>
+        </p:txBody>
+      </p:sp>
+      <p:cxnSp>
+        <p:nvCxnSpPr>
+          <p:cNvPr id="39" name="Straight Arrow Connector 38"/>
+          <p:cNvCxnSpPr/>
+          <p:nvPr/>
+        </p:nvCxnSpPr>
+        <p:spPr>
+          <a:xfrm flipH="1">
+            <a:off x="5497046" y="4740650"/>
+            <a:ext cx="482753" cy="0"/>
+          </a:xfrm>
+          <a:prstGeom prst="straightConnector1">
+            <a:avLst/>
+          </a:prstGeom>
+          <a:ln>
+            <a:solidFill>
+              <a:schemeClr val="accent6"/>
+            </a:solidFill>
+            <a:tailEnd type="triangle"/>
+          </a:ln>
+        </p:spPr>
+        <p:style>
+          <a:lnRef idx="1">
+            <a:schemeClr val="accent1"/>
+          </a:lnRef>
+          <a:fillRef idx="0">
+            <a:schemeClr val="accent1"/>
+          </a:fillRef>
+          <a:effectRef idx="0">
+            <a:schemeClr val="accent1"/>
+          </a:effectRef>
+          <a:fontRef idx="minor">
+            <a:schemeClr val="tx1"/>
+          </a:fontRef>
+        </p:style>
+      </p:cxnSp>
+      <p:sp>
+        <p:nvSpPr>
+          <p:cNvPr id="40" name="TextBox 39"/>
+          <p:cNvSpPr txBox="1"/>
+          <p:nvPr/>
+        </p:nvSpPr>
+        <p:spPr>
+          <a:xfrm>
+            <a:off x="6052936" y="4569474"/>
+            <a:ext cx="851515" cy="369332"/>
+          </a:xfrm>
+          <a:prstGeom prst="rect">
+            <a:avLst/>
+          </a:prstGeom>
+          <a:noFill/>
+        </p:spPr>
+        <p:txBody>
+          <a:bodyPr wrap="none" rtlCol="0">
+            <a:spAutoFit/>
+          </a:bodyPr>
+          <a:lstStyle/>
+          <a:p>
+            <a:r>
+              <a:rPr lang="en-US" dirty="0" smtClean="0"/>
+              <a:t>Handle</a:t>
+            </a:r>
+            <a:endParaRPr lang="en-US" dirty="0"/>
+          </a:p>
+        </p:txBody>
+      </p:sp>
+      <p:cxnSp>
+        <p:nvCxnSpPr>
+          <p:cNvPr id="41" name="Straight Arrow Connector 40"/>
+          <p:cNvCxnSpPr/>
+          <p:nvPr/>
+        </p:nvCxnSpPr>
+        <p:spPr>
+          <a:xfrm flipH="1" flipV="1">
+            <a:off x="5837410" y="1677345"/>
+            <a:ext cx="142390" cy="287165"/>
+          </a:xfrm>
+          <a:prstGeom prst="straightConnector1">
+            <a:avLst/>
+          </a:prstGeom>
+          <a:ln>
+            <a:solidFill>
+              <a:schemeClr val="accent6"/>
+            </a:solidFill>
+            <a:tailEnd type="triangle"/>
+          </a:ln>
+        </p:spPr>
+        <p:style>
+          <a:lnRef idx="1">
+            <a:schemeClr val="accent1"/>
+          </a:lnRef>
+          <a:fillRef idx="0">
+            <a:schemeClr val="accent1"/>
+          </a:fillRef>
+          <a:effectRef idx="0">
+            <a:schemeClr val="accent1"/>
+          </a:effectRef>
+          <a:fontRef idx="minor">
+            <a:schemeClr val="tx1"/>
+          </a:fontRef>
+        </p:style>
+      </p:cxnSp>
+      <p:sp>
+        <p:nvSpPr>
+          <p:cNvPr id="45" name="TextBox 44"/>
+          <p:cNvSpPr txBox="1"/>
+          <p:nvPr/>
+        </p:nvSpPr>
+        <p:spPr>
+          <a:xfrm>
+            <a:off x="6938050" y="5256419"/>
+            <a:ext cx="5253950" cy="1138773"/>
+          </a:xfrm>
+          <a:prstGeom prst="rect">
+            <a:avLst/>
+          </a:prstGeom>
+          <a:noFill/>
+        </p:spPr>
+        <p:txBody>
+          <a:bodyPr wrap="square" rtlCol="0">
+            <a:spAutoFit/>
+          </a:bodyPr>
+          <a:lstStyle/>
+          <a:p>
+            <a:r>
+              <a:rPr lang="en-US" sz="3200" dirty="0" smtClean="0"/>
+              <a:t>Detailed Diagram</a:t>
+            </a:r>
+          </a:p>
+          <a:p>
+            <a:pPr marL="457200" indent="-457200">
+              <a:buFont typeface="Arial" charset="0"/>
+              <a:buChar char="•"/>
+            </a:pPr>
+            <a:r>
+              <a:rPr lang="en-US" dirty="0" smtClean="0"/>
+              <a:t>Arrows leaving module of interest (</a:t>
+            </a:r>
+            <a:r>
+              <a:rPr lang="en-US" dirty="0" err="1" smtClean="0"/>
+              <a:t>Imaging.test</a:t>
+            </a:r>
+            <a:r>
+              <a:rPr lang="en-US" dirty="0" smtClean="0"/>
+              <a:t>) are the only ones users need to worry about</a:t>
+            </a:r>
+            <a:endParaRPr lang="en-US" dirty="0"/>
           </a:p>
         </p:txBody>
       </p:sp>
     </p:spTree>
     <p:extLst>
       <p:ext uri="{BB962C8B-B14F-4D97-AF65-F5344CB8AC3E}">
-        <p14:creationId xmlns:p14="http://schemas.microsoft.com/office/powerpoint/2010/main" val="3712018138"/>
+        <p14:creationId xmlns:p14="http://schemas.microsoft.com/office/powerpoint/2010/main" val="1532411521"/>
       </p:ext>
     </p:extLst>
   </p:cSld>
@@ -6975,7 +7398,7 @@
           <a:p>
             <a:r>
               <a:rPr lang="en-US" dirty="0" smtClean="0"/>
-              <a:t>Imaging Module</a:t>
+              <a:t>Experiment Module</a:t>
             </a:r>
             <a:endParaRPr lang="en-US" dirty="0"/>
           </a:p>
@@ -6983,7 +7406,7 @@
       </p:sp>
       <p:sp>
         <p:nvSpPr>
-          <p:cNvPr id="5" name="Content Placeholder 4"/>
+          <p:cNvPr id="3" name="Content Placeholder 2"/>
           <p:cNvSpPr>
             <a:spLocks noGrp="1"/>
           </p:cNvSpPr>
@@ -6993,171 +7416,127 @@
         </p:nvSpPr>
         <p:spPr>
           <a:xfrm>
-            <a:off x="838200" y="1574358"/>
-            <a:ext cx="10515600" cy="5283642"/>
+            <a:off x="838200" y="1825624"/>
+            <a:ext cx="10515600" cy="5032376"/>
           </a:xfrm>
         </p:spPr>
         <p:txBody>
           <a:bodyPr>
-            <a:normAutofit lnSpcReduction="10000"/>
+            <a:normAutofit/>
           </a:bodyPr>
           <a:lstStyle/>
           <a:p>
             <a:r>
               <a:rPr lang="en-US" sz="2000" dirty="0" smtClean="0"/>
-              <a:t>Creates/loads/saves calibration property.  This is set by CommandCenter upon calibration.</a:t>
+              <a:t>Abstract Methods</a:t>
+            </a:r>
+          </a:p>
+          <a:p>
+            <a:pPr lvl="1"/>
+            <a:r>
+              <a:rPr lang="en-US" sz="1600" dirty="0" smtClean="0"/>
+              <a:t>run(obj,statusH,managers,axesH)</a:t>
+            </a:r>
+          </a:p>
+          <a:p>
+            <a:pPr lvl="2"/>
+            <a:r>
+              <a:rPr lang="en-US" sz="1200" dirty="0" smtClean="0"/>
+              <a:t>statusH is the handle to a text object, so you can update what your experiment is doing. Note, if you make a custom one and use the same title, it will replace this one.  The title is formatted as: sprintf(‘%s running’,class(module)).</a:t>
+            </a:r>
+          </a:p>
+          <a:p>
+            <a:pPr lvl="2"/>
+            <a:r>
+              <a:rPr lang="en-US" sz="1200" dirty="0" smtClean="0"/>
+              <a:t>managers is the ManagerContainer class that wraps all of the manager types.  It is recommended that this is used to control stage and camera.</a:t>
+            </a:r>
+          </a:p>
+          <a:p>
+            <a:pPr lvl="2"/>
+            <a:r>
+              <a:rPr lang="en-US" sz="1200" dirty="0" smtClean="0"/>
+              <a:t>axesH is the handle to the data axes of CommandCenter.</a:t>
+            </a:r>
+          </a:p>
+          <a:p>
+            <a:pPr lvl="1"/>
+            <a:r>
+              <a:rPr lang="en-US" sz="1600" dirty="0"/>
+              <a:t>a</a:t>
+            </a:r>
+            <a:r>
+              <a:rPr lang="en-US" sz="1600" dirty="0" smtClean="0"/>
+              <a:t>bort(obj)</a:t>
+            </a:r>
+          </a:p>
+          <a:p>
+            <a:pPr lvl="2"/>
+            <a:r>
+              <a:rPr lang="en-US" sz="1200" dirty="0" smtClean="0"/>
+              <a:t>This should abort the currently executing experiment</a:t>
+            </a:r>
+            <a:endParaRPr lang="en-US" sz="1100" dirty="0" smtClean="0"/>
+          </a:p>
+          <a:p>
+            <a:pPr lvl="1"/>
+            <a:r>
+              <a:rPr lang="en-US" sz="1600" dirty="0" smtClean="0"/>
+              <a:t>data = GetData(obj,stage,imager)</a:t>
+            </a:r>
+          </a:p>
+          <a:p>
+            <a:pPr lvl="2"/>
+            <a:r>
+              <a:rPr lang="en-US" sz="1200" dirty="0" smtClean="0"/>
+              <a:t>This should return some data object/structure/whatever to be saved by the database module(s).</a:t>
+            </a:r>
+          </a:p>
+          <a:p>
+            <a:pPr lvl="2"/>
+            <a:r>
+              <a:rPr lang="en-US" sz="1200" dirty="0" smtClean="0"/>
+              <a:t>Stage and Imager correspond to the managers.  Nothing should be set with these managers, only read if desired.</a:t>
+            </a:r>
+          </a:p>
+          <a:p>
+            <a:pPr lvl="2"/>
+            <a:r>
+              <a:rPr lang="en-US" sz="1200" dirty="0" smtClean="0"/>
+              <a:t>Note some Database modules might look for specific fields here to save correctly!</a:t>
             </a:r>
           </a:p>
           <a:p>
             <a:r>
               <a:rPr lang="en-US" sz="2000" dirty="0" smtClean="0"/>
-              <a:t>Abstract properties</a:t>
-            </a:r>
-          </a:p>
-          <a:p>
-            <a:pPr lvl="1"/>
-            <a:r>
-              <a:rPr lang="en-US" sz="1600" dirty="0" smtClean="0"/>
-              <a:t>ROI (SetObservable) – current region of interest in format [xMin xMax; yMin yMax]. CommandCenter adjusts for calibration.</a:t>
-            </a:r>
-          </a:p>
-          <a:p>
-            <a:pPr lvl="1"/>
-            <a:r>
-              <a:rPr lang="en-US" sz="1600" dirty="0" smtClean="0"/>
-              <a:t>resolution (SetObservable) – current resolution (num pixels in x and y) in format [x y]</a:t>
-            </a:r>
-          </a:p>
-          <a:p>
-            <a:pPr lvl="1"/>
-            <a:r>
-              <a:rPr lang="en-US" sz="1600" dirty="0"/>
-              <a:t>c</a:t>
-            </a:r>
-            <a:r>
-              <a:rPr lang="en-US" sz="1600" dirty="0" smtClean="0"/>
-              <a:t>ontinuous (SetObservable) – boolean specifiying if continous acquisition is active. </a:t>
-            </a:r>
-            <a:r>
-              <a:rPr lang="en-US" sz="1600" dirty="0"/>
-              <a:t> </a:t>
-            </a:r>
-            <a:r>
-              <a:rPr lang="en-US" sz="1600" dirty="0" smtClean="0"/>
-              <a:t>Don’t use a get.continuous method here!</a:t>
+              <a:t>“save_request” event.  Fire this when you want to force a save during an experiment run.</a:t>
+            </a:r>
+          </a:p>
+          <a:p>
+            <a:pPr lvl="2"/>
+            <a:r>
+              <a:rPr lang="en-US" sz="1200" dirty="0" smtClean="0"/>
+              <a:t>CommandCenter will first go through all autosave modules, then all manual save modules.</a:t>
             </a:r>
           </a:p>
           <a:p>
             <a:r>
               <a:rPr lang="en-US" sz="2000" dirty="0" smtClean="0"/>
-              <a:t>Abstract methods</a:t>
-            </a:r>
-          </a:p>
-          <a:p>
-            <a:pPr lvl="1"/>
-            <a:r>
-              <a:rPr lang="en-US" sz="1600" dirty="0" smtClean="0"/>
-              <a:t>metric = focus(obj,Managers)</a:t>
-            </a:r>
-            <a:endParaRPr lang="en-US" sz="1200" dirty="0"/>
+              <a:t>Analysis</a:t>
+            </a:r>
           </a:p>
           <a:p>
             <a:pPr lvl="2"/>
             <a:r>
               <a:rPr lang="en-US" sz="1200" dirty="0" smtClean="0"/>
-              <a:t>Managers is the handle to the managerContainer where you can find the stage manager or any other one you may need. </a:t>
-            </a:r>
-            <a:r>
-              <a:rPr lang="en-US" sz="1200" smtClean="0"/>
-              <a:t>Return peak metric value.</a:t>
-            </a:r>
-            <a:endParaRPr lang="en-US" sz="1200" dirty="0" smtClean="0"/>
-          </a:p>
-          <a:p>
-            <a:pPr lvl="1"/>
-            <a:r>
-              <a:rPr lang="en-US" sz="1600" dirty="0" smtClean="0"/>
-              <a:t>Im_info = snap(obj,imHandle)</a:t>
+              <a:t>This can be done in a few ways.  You could implement your own analysis button in the custom area, or you could have your run method do it at the end.</a:t>
             </a:r>
           </a:p>
           <a:p>
             <a:pPr lvl="2"/>
             <a:r>
               <a:rPr lang="en-US" sz="1200" dirty="0" smtClean="0"/>
-              <a:t>Take snapshot, and populate cdata of </a:t>
-            </a:r>
-            <a:r>
-              <a:rPr lang="en-US" sz="1200" dirty="0"/>
-              <a:t>imHandle. Note, if you make a custom </a:t>
-            </a:r>
-            <a:r>
-              <a:rPr lang="en-US" sz="1200" dirty="0" smtClean="0"/>
-              <a:t>modal figure and </a:t>
-            </a:r>
-            <a:r>
-              <a:rPr lang="en-US" sz="1200" dirty="0"/>
-              <a:t>use the same </a:t>
-            </a:r>
-            <a:r>
-              <a:rPr lang="en-US" sz="1200" dirty="0" smtClean="0"/>
-              <a:t>title as the manager, </a:t>
-            </a:r>
-            <a:r>
-              <a:rPr lang="en-US" sz="1200" dirty="0"/>
-              <a:t>it will replace </a:t>
-            </a:r>
-            <a:r>
-              <a:rPr lang="en-US" sz="1200" dirty="0" smtClean="0"/>
-              <a:t>it.  </a:t>
-            </a:r>
-            <a:r>
-              <a:rPr lang="en-US" sz="1200" dirty="0"/>
-              <a:t>The title is formatted as</a:t>
-            </a:r>
-            <a:r>
-              <a:rPr lang="en-US" sz="1200" dirty="0" smtClean="0"/>
-              <a:t>: ‘ImagingManager’.</a:t>
-            </a:r>
-          </a:p>
-          <a:p>
-            <a:pPr lvl="1"/>
-            <a:r>
-              <a:rPr lang="en-US" sz="1600" dirty="0" smtClean="0"/>
-              <a:t>startVideo(obj,imHandle)</a:t>
-            </a:r>
-          </a:p>
-          <a:p>
-            <a:pPr lvl="2"/>
-            <a:r>
-              <a:rPr lang="en-US" sz="1200" dirty="0" smtClean="0"/>
-              <a:t>Begin acquring continous images, and update the cdata of imHandle.</a:t>
-            </a:r>
-          </a:p>
-          <a:p>
-            <a:pPr lvl="2"/>
-            <a:r>
-              <a:rPr lang="en-US" sz="1200" dirty="0" smtClean="0"/>
-              <a:t>This function should return for best performance, but it should also work if it is an infinite loop waiting for the stopVideo</a:t>
-            </a:r>
-          </a:p>
-          <a:p>
-            <a:pPr lvl="1"/>
-            <a:r>
-              <a:rPr lang="en-US" sz="1600" dirty="0" smtClean="0"/>
-              <a:t>stopVideo(obj)</a:t>
-            </a:r>
-          </a:p>
-          <a:p>
-            <a:r>
-              <a:rPr lang="en-US" sz="2000" dirty="0" smtClean="0"/>
-              <a:t>Properties that can be altered (not recreated)</a:t>
-            </a:r>
-          </a:p>
-          <a:p>
-            <a:pPr lvl="1"/>
-            <a:r>
-              <a:rPr lang="en-US" sz="1600" dirty="0" smtClean="0"/>
-              <a:t>uses_stage – (default is ‘’).  This is useful if your stage is used to scan for your imaging module.  In this case, the location before scanning shouldn’t be stored in the image struct because the ROI has that info.  Also will use the same calibration on your imaging device and stage.  Make sure it is the right name of the stage!</a:t>
+              <a:t>In terms of saving, nothing changes.  Your analysis should directly modify your data object, so that when you save, it includes the analysis.  Your database modules could look for certain things to see if there is an analysis.</a:t>
             </a:r>
           </a:p>
         </p:txBody>
@@ -7165,7 +7544,7 @@
     </p:spTree>
     <p:extLst>
       <p:ext uri="{BB962C8B-B14F-4D97-AF65-F5344CB8AC3E}">
-        <p14:creationId xmlns:p14="http://schemas.microsoft.com/office/powerpoint/2010/main" val="569572362"/>
+        <p14:creationId xmlns:p14="http://schemas.microsoft.com/office/powerpoint/2010/main" val="3712018138"/>
       </p:ext>
     </p:extLst>
   </p:cSld>
@@ -7209,7 +7588,7 @@
           <a:p>
             <a:r>
               <a:rPr lang="en-US" dirty="0" smtClean="0"/>
-              <a:t>Database Module</a:t>
+              <a:t>Imaging Module</a:t>
             </a:r>
             <a:endParaRPr lang="en-US" dirty="0"/>
           </a:p>
@@ -7217,7 +7596,7 @@
       </p:sp>
       <p:sp>
         <p:nvSpPr>
-          <p:cNvPr id="3" name="Content Placeholder 2"/>
+          <p:cNvPr id="5" name="Content Placeholder 4"/>
           <p:cNvSpPr>
             <a:spLocks noGrp="1"/>
           </p:cNvSpPr>
@@ -7227,74 +7606,171 @@
         </p:nvSpPr>
         <p:spPr>
           <a:xfrm>
-            <a:off x="838200" y="1825625"/>
-            <a:ext cx="10515600" cy="4705804"/>
+            <a:off x="838200" y="1574358"/>
+            <a:ext cx="10515600" cy="5283642"/>
           </a:xfrm>
         </p:spPr>
         <p:txBody>
           <a:bodyPr>
-            <a:normAutofit/>
+            <a:normAutofit lnSpcReduction="10000"/>
           </a:bodyPr>
           <a:lstStyle/>
           <a:p>
             <a:r>
               <a:rPr lang="en-US" sz="2000" dirty="0" smtClean="0"/>
-              <a:t>Abstract Properties</a:t>
+              <a:t>Creates/loads/saves calibration property.  This is set by CommandCenter upon calibration.</a:t>
+            </a:r>
+          </a:p>
+          <a:p>
+            <a:r>
+              <a:rPr lang="en-US" sz="2000" dirty="0" smtClean="0"/>
+              <a:t>Abstract properties</a:t>
             </a:r>
           </a:p>
           <a:p>
             <a:pPr lvl="1"/>
             <a:r>
               <a:rPr lang="en-US" sz="1600" dirty="0" smtClean="0"/>
-              <a:t>autosave</a:t>
-            </a:r>
+              <a:t>ROI (SetObservable) – current region of interest in format [xMin xMax; yMin yMax]. CommandCenter adjusts for calibration.</a:t>
+            </a:r>
+          </a:p>
+          <a:p>
+            <a:pPr lvl="1"/>
+            <a:r>
+              <a:rPr lang="en-US" sz="1600" dirty="0" smtClean="0"/>
+              <a:t>resolution (SetObservable) – current resolution (num pixels in x and y) in format [x y]</a:t>
+            </a:r>
+          </a:p>
+          <a:p>
+            <a:pPr lvl="1"/>
+            <a:r>
+              <a:rPr lang="en-US" sz="1600" dirty="0"/>
+              <a:t>c</a:t>
+            </a:r>
+            <a:r>
+              <a:rPr lang="en-US" sz="1600" dirty="0" smtClean="0"/>
+              <a:t>ontinuous (SetObservable) – boolean specifiying if continous acquisition is active. </a:t>
+            </a:r>
+            <a:r>
+              <a:rPr lang="en-US" sz="1600" dirty="0"/>
+              <a:t> </a:t>
+            </a:r>
+            <a:r>
+              <a:rPr lang="en-US" sz="1600" dirty="0" smtClean="0"/>
+              <a:t>Don’t use a get.continuous method here!</a:t>
+            </a:r>
+          </a:p>
+          <a:p>
+            <a:r>
+              <a:rPr lang="en-US" sz="2000" dirty="0" smtClean="0"/>
+              <a:t>Abstract methods</a:t>
+            </a:r>
+          </a:p>
+          <a:p>
+            <a:pPr lvl="1"/>
+            <a:r>
+              <a:rPr lang="en-US" sz="1600" dirty="0" smtClean="0"/>
+              <a:t>metric = focus(obj,Managers)</a:t>
+            </a:r>
+            <a:endParaRPr lang="en-US" sz="1200" dirty="0"/>
           </a:p>
           <a:p>
             <a:pPr lvl="2"/>
             <a:r>
               <a:rPr lang="en-US" sz="1200" dirty="0" smtClean="0"/>
-              <a:t>If set to true, CommandCenter will call after every image is acquired and every experiment finishes without an abort.  These will not be called from the save button.</a:t>
+              <a:t>Managers is the handle to the managerContainer where you can find the stage manager or any other one you may need. </a:t>
+            </a:r>
+            <a:r>
+              <a:rPr lang="en-US" sz="1200" smtClean="0"/>
+              <a:t>Return peak metric value.</a:t>
+            </a:r>
+            <a:endParaRPr lang="en-US" sz="1200" dirty="0" smtClean="0"/>
+          </a:p>
+          <a:p>
+            <a:pPr lvl="1"/>
+            <a:r>
+              <a:rPr lang="en-US" sz="1600" dirty="0" smtClean="0"/>
+              <a:t>Im_info = snap(obj,imHandle)</a:t>
             </a:r>
           </a:p>
           <a:p>
             <a:pPr lvl="2"/>
             <a:r>
               <a:rPr lang="en-US" sz="1200" dirty="0" smtClean="0"/>
-              <a:t>If false, CommandCenter will only call from the save button.</a:t>
+              <a:t>Take snapshot, and populate cdata of </a:t>
+            </a:r>
+            <a:r>
+              <a:rPr lang="en-US" sz="1200" dirty="0"/>
+              <a:t>imHandle. Note, if you make a custom </a:t>
+            </a:r>
+            <a:r>
+              <a:rPr lang="en-US" sz="1200" dirty="0" smtClean="0"/>
+              <a:t>modal figure and </a:t>
+            </a:r>
+            <a:r>
+              <a:rPr lang="en-US" sz="1200" dirty="0"/>
+              <a:t>use the same </a:t>
+            </a:r>
+            <a:r>
+              <a:rPr lang="en-US" sz="1200" dirty="0" smtClean="0"/>
+              <a:t>title as the manager, </a:t>
+            </a:r>
+            <a:r>
+              <a:rPr lang="en-US" sz="1200" dirty="0"/>
+              <a:t>it will replace </a:t>
+            </a:r>
+            <a:r>
+              <a:rPr lang="en-US" sz="1200" dirty="0" smtClean="0"/>
+              <a:t>it.  </a:t>
+            </a:r>
+            <a:r>
+              <a:rPr lang="en-US" sz="1200" dirty="0"/>
+              <a:t>The title is formatted as</a:t>
+            </a:r>
+            <a:r>
+              <a:rPr lang="en-US" sz="1200" dirty="0" smtClean="0"/>
+              <a:t>: ‘ImagingManager’.</a:t>
+            </a:r>
+          </a:p>
+          <a:p>
+            <a:pPr lvl="1"/>
+            <a:r>
+              <a:rPr lang="en-US" sz="1600" dirty="0" smtClean="0"/>
+              <a:t>startVideo(obj,imHandle)</a:t>
             </a:r>
           </a:p>
           <a:p>
             <a:pPr lvl="2"/>
             <a:r>
               <a:rPr lang="en-US" sz="1200" dirty="0" smtClean="0"/>
-              <a:t>You are free to make this option configurable in the settings method; CommandCenter will check everytime.</a:t>
+              <a:t>Begin acquring continous images, and update the cdata of imHandle.</a:t>
+            </a:r>
+          </a:p>
+          <a:p>
+            <a:pPr lvl="2"/>
+            <a:r>
+              <a:rPr lang="en-US" sz="1200" dirty="0" smtClean="0"/>
+              <a:t>This function should return for best performance, but it should also work if it is an infinite loop waiting for the stopVideo</a:t>
+            </a:r>
+          </a:p>
+          <a:p>
+            <a:pPr lvl="1"/>
+            <a:r>
+              <a:rPr lang="en-US" sz="1600" dirty="0" smtClean="0"/>
+              <a:t>stopVideo(obj)</a:t>
             </a:r>
           </a:p>
           <a:p>
             <a:r>
               <a:rPr lang="en-US" sz="2000" dirty="0" smtClean="0"/>
-              <a:t>Abstract Methods</a:t>
+              <a:t>Properties that can be altered (not recreated)</a:t>
             </a:r>
           </a:p>
           <a:p>
             <a:pPr lvl="1"/>
             <a:r>
               <a:rPr lang="en-US" sz="1600" dirty="0" smtClean="0"/>
-              <a:t>SaveIm and SaveExp – the first argument is the data.</a:t>
-            </a:r>
-          </a:p>
-          <a:p>
-            <a:pPr lvl="2"/>
-            <a:r>
-              <a:rPr lang="en-US" sz="1200" dirty="0" smtClean="0"/>
-              <a:t>Because CommandCenter does not deal with storing the data, and queries the active_module for it upon save, you should be aware that changing the active module before you save will cause unexpected outcomes!</a:t>
-            </a:r>
-          </a:p>
-          <a:p>
-            <a:pPr lvl="2"/>
-            <a:r>
-              <a:rPr lang="en-US" sz="1200" dirty="0" smtClean="0"/>
-              <a:t>There is one additional argument at the end, and that is the handle to CommandCenter axis.  I can not stop you from changing something there, but I highly discourage it!  Only use it to duplicate your own image if you want.</a:t>
+              <a:t>uses_stage – (default is ‘’).  This is useful if your stage is used to scan for your imaging module.  In this case, the location before scanning shouldn’t be stored in the image struct because the ROI has that info.  Also will use the same calibration on your imaging device and stage.  Make sure it is the right name of the stage!</a:t>
             </a:r>
           </a:p>
         </p:txBody>
@@ -7302,7 +7778,7 @@
     </p:spTree>
     <p:extLst>
       <p:ext uri="{BB962C8B-B14F-4D97-AF65-F5344CB8AC3E}">
-        <p14:creationId xmlns:p14="http://schemas.microsoft.com/office/powerpoint/2010/main" val="213644697"/>
+        <p14:creationId xmlns:p14="http://schemas.microsoft.com/office/powerpoint/2010/main" val="569572362"/>
       </p:ext>
     </p:extLst>
   </p:cSld>
@@ -7345,8 +7821,8 @@
           <a:lstStyle/>
           <a:p>
             <a:r>
-              <a:rPr lang="en-US" smtClean="0"/>
-              <a:t>Sources Module</a:t>
+              <a:rPr lang="en-US" dirty="0" smtClean="0"/>
+              <a:t>Database Module</a:t>
             </a:r>
             <a:endParaRPr lang="en-US" dirty="0"/>
           </a:p>
@@ -7354,7 +7830,7 @@
       </p:sp>
       <p:sp>
         <p:nvSpPr>
-          <p:cNvPr id="4" name="Content Placeholder 3"/>
+          <p:cNvPr id="3" name="Content Placeholder 2"/>
           <p:cNvSpPr>
             <a:spLocks noGrp="1"/>
           </p:cNvSpPr>
@@ -7362,7 +7838,12 @@
             <p:ph idx="1"/>
           </p:nvPr>
         </p:nvSpPr>
-        <p:spPr/>
+        <p:spPr>
+          <a:xfrm>
+            <a:off x="838200" y="1825625"/>
+            <a:ext cx="10515600" cy="4705804"/>
+          </a:xfrm>
+        </p:spPr>
         <p:txBody>
           <a:bodyPr>
             <a:normAutofit/>
@@ -7378,14 +7859,28 @@
             <a:pPr lvl="1"/>
             <a:r>
               <a:rPr lang="en-US" sz="1600" dirty="0" smtClean="0"/>
-              <a:t>source_on (SetAccess=private, SetObservable)</a:t>
+              <a:t>autosave</a:t>
             </a:r>
           </a:p>
           <a:p>
             <a:pPr lvl="2"/>
             <a:r>
               <a:rPr lang="en-US" sz="1200" dirty="0" smtClean="0"/>
-              <a:t>This should reflect the current state of the source.  DO NOT use a get.source_on method for this.  Set in on and off methods.  Some devices will fire an event, in which case you can make a listener in the module that sets this property.  You could also make a timer object that checks periodically with the device.</a:t>
+              <a:t>If set to true, CommandCenter will call after every image is acquired and every experiment finishes without an abort.  These will not be called from the save button.</a:t>
+            </a:r>
+          </a:p>
+          <a:p>
+            <a:pPr lvl="2"/>
+            <a:r>
+              <a:rPr lang="en-US" sz="1200" dirty="0" smtClean="0"/>
+              <a:t>If false, CommandCenter will only call from the save button.</a:t>
+            </a:r>
+          </a:p>
+          <a:p>
+            <a:pPr lvl="2"/>
+            <a:r>
+              <a:rPr lang="en-US" sz="1200" dirty="0" smtClean="0"/>
+              <a:t>You are free to make this option configurable in the settings method; CommandCenter will check everytime.</a:t>
             </a:r>
           </a:p>
           <a:p>
@@ -7398,23 +7893,29 @@
             <a:pPr lvl="1"/>
             <a:r>
               <a:rPr lang="en-US" sz="1600" dirty="0" smtClean="0"/>
-              <a:t>on(obj)</a:t>
-            </a:r>
-          </a:p>
-          <a:p>
-            <a:pPr lvl="1"/>
-            <a:r>
-              <a:rPr lang="en-US" sz="1600" dirty="0" smtClean="0"/>
-              <a:t>off(obj)</a:t>
-            </a:r>
-            <a:endParaRPr lang="en-US" sz="1600" dirty="0"/>
+              <a:t>SaveIm and SaveExp – the first argument is the data.</a:t>
+            </a:r>
+          </a:p>
+          <a:p>
+            <a:pPr lvl="2"/>
+            <a:r>
+              <a:rPr lang="en-US" sz="1200" dirty="0" smtClean="0"/>
+              <a:t>Because CommandCenter does not deal with storing the data, and queries the active_module for it upon save, you should be aware that changing the active module before you save will cause unexpected outcomes!</a:t>
+            </a:r>
+          </a:p>
+          <a:p>
+            <a:pPr lvl="2"/>
+            <a:r>
+              <a:rPr lang="en-US" sz="1200" dirty="0" smtClean="0"/>
+              <a:t>There is one additional argument at the end, and that is the handle to CommandCenter axis.  I can not stop you from changing something there, but I highly discourage it!  Only use it to duplicate your own image if you want.</a:t>
+            </a:r>
           </a:p>
         </p:txBody>
       </p:sp>
     </p:spTree>
     <p:extLst>
       <p:ext uri="{BB962C8B-B14F-4D97-AF65-F5344CB8AC3E}">
-        <p14:creationId xmlns:p14="http://schemas.microsoft.com/office/powerpoint/2010/main" val="1610424140"/>
+        <p14:creationId xmlns:p14="http://schemas.microsoft.com/office/powerpoint/2010/main" val="213644697"/>
       </p:ext>
     </p:extLst>
   </p:cSld>
@@ -7457,6 +7958,118 @@
           <a:lstStyle/>
           <a:p>
             <a:r>
+              <a:rPr lang="en-US" smtClean="0"/>
+              <a:t>Sources Module</a:t>
+            </a:r>
+            <a:endParaRPr lang="en-US" dirty="0"/>
+          </a:p>
+        </p:txBody>
+      </p:sp>
+      <p:sp>
+        <p:nvSpPr>
+          <p:cNvPr id="4" name="Content Placeholder 3"/>
+          <p:cNvSpPr>
+            <a:spLocks noGrp="1"/>
+          </p:cNvSpPr>
+          <p:nvPr>
+            <p:ph idx="1"/>
+          </p:nvPr>
+        </p:nvSpPr>
+        <p:spPr/>
+        <p:txBody>
+          <a:bodyPr>
+            <a:normAutofit/>
+          </a:bodyPr>
+          <a:lstStyle/>
+          <a:p>
+            <a:r>
+              <a:rPr lang="en-US" sz="2000" dirty="0" smtClean="0"/>
+              <a:t>Abstract Properties</a:t>
+            </a:r>
+          </a:p>
+          <a:p>
+            <a:pPr lvl="1"/>
+            <a:r>
+              <a:rPr lang="en-US" sz="1600" dirty="0" smtClean="0"/>
+              <a:t>source_on (SetAccess=private, SetObservable)</a:t>
+            </a:r>
+          </a:p>
+          <a:p>
+            <a:pPr lvl="2"/>
+            <a:r>
+              <a:rPr lang="en-US" sz="1200" dirty="0" smtClean="0"/>
+              <a:t>This should reflect the current state of the source.  DO NOT use a get.source_on method for this.  Set in on and off methods.  Some devices will fire an event, in which case you can make a listener in the module that sets this property.  You could also make a timer object that checks periodically with the device.</a:t>
+            </a:r>
+          </a:p>
+          <a:p>
+            <a:r>
+              <a:rPr lang="en-US" sz="2000" dirty="0" smtClean="0"/>
+              <a:t>Abstract Methods</a:t>
+            </a:r>
+          </a:p>
+          <a:p>
+            <a:pPr lvl="1"/>
+            <a:r>
+              <a:rPr lang="en-US" sz="1600" dirty="0" smtClean="0"/>
+              <a:t>on(obj)</a:t>
+            </a:r>
+          </a:p>
+          <a:p>
+            <a:pPr lvl="1"/>
+            <a:r>
+              <a:rPr lang="en-US" sz="1600" dirty="0" smtClean="0"/>
+              <a:t>off(obj)</a:t>
+            </a:r>
+            <a:endParaRPr lang="en-US" sz="1600" dirty="0"/>
+          </a:p>
+        </p:txBody>
+      </p:sp>
+    </p:spTree>
+    <p:extLst>
+      <p:ext uri="{BB962C8B-B14F-4D97-AF65-F5344CB8AC3E}">
+        <p14:creationId xmlns:p14="http://schemas.microsoft.com/office/powerpoint/2010/main" val="1610424140"/>
+      </p:ext>
+    </p:extLst>
+  </p:cSld>
+  <p:clrMapOvr>
+    <a:masterClrMapping/>
+  </p:clrMapOvr>
+</p:sld>
+</file>
+
+<file path=ppt/slides/slide17.xml><?xml version="1.0" encoding="utf-8"?>
+<p:sld xmlns:a="http://schemas.openxmlformats.org/drawingml/2006/main" xmlns:r="http://schemas.openxmlformats.org/officeDocument/2006/relationships" xmlns:p="http://schemas.openxmlformats.org/presentationml/2006/main">
+  <p:cSld>
+    <p:spTree>
+      <p:nvGrpSpPr>
+        <p:cNvPr id="1" name=""/>
+        <p:cNvGrpSpPr/>
+        <p:nvPr/>
+      </p:nvGrpSpPr>
+      <p:grpSpPr>
+        <a:xfrm>
+          <a:off x="0" y="0"/>
+          <a:ext cx="0" cy="0"/>
+          <a:chOff x="0" y="0"/>
+          <a:chExt cx="0" cy="0"/>
+        </a:xfrm>
+      </p:grpSpPr>
+      <p:sp>
+        <p:nvSpPr>
+          <p:cNvPr id="2" name="Title 1"/>
+          <p:cNvSpPr>
+            <a:spLocks noGrp="1"/>
+          </p:cNvSpPr>
+          <p:nvPr>
+            <p:ph type="title"/>
+          </p:nvPr>
+        </p:nvSpPr>
+        <p:spPr/>
+        <p:txBody>
+          <a:bodyPr/>
+          <a:lstStyle/>
+          <a:p>
+            <a:r>
               <a:rPr lang="en-US" dirty="0" smtClean="0"/>
               <a:t>Stage Module</a:t>
             </a:r>
@@ -7592,7 +8205,7 @@
 </p:sld>
 </file>
 
-<file path=ppt/slides/slide17.xml><?xml version="1.0" encoding="utf-8"?>
+<file path=ppt/slides/slide18.xml><?xml version="1.0" encoding="utf-8"?>
 <p:sld xmlns:a="http://schemas.openxmlformats.org/drawingml/2006/main" xmlns:r="http://schemas.openxmlformats.org/officeDocument/2006/relationships" xmlns:p="http://schemas.openxmlformats.org/presentationml/2006/main">
   <p:cSld>
     <p:spTree>
@@ -8017,7 +8630,7 @@
 </p:sld>
 </file>
 
-<file path=ppt/slides/slide18.xml><?xml version="1.0" encoding="utf-8"?>
+<file path=ppt/slides/slide19.xml><?xml version="1.0" encoding="utf-8"?>
 <p:sld xmlns:a="http://schemas.openxmlformats.org/drawingml/2006/main" xmlns:r="http://schemas.openxmlformats.org/officeDocument/2006/relationships" xmlns:p="http://schemas.openxmlformats.org/presentationml/2006/main">
   <p:cSld>
     <p:spTree>
@@ -8119,160 +8732,1712 @@
       </p:grpSpPr>
       <p:sp>
         <p:nvSpPr>
-          <p:cNvPr id="2" name="Title 1"/>
-          <p:cNvSpPr>
-            <a:spLocks noGrp="1"/>
-          </p:cNvSpPr>
-          <p:nvPr>
-            <p:ph type="title"/>
-          </p:nvPr>
-        </p:nvSpPr>
-        <p:spPr/>
-        <p:txBody>
-          <a:bodyPr/>
-          <a:lstStyle/>
-          <a:p>
+          <p:cNvPr id="55" name="U-Turn Arrow 54"/>
+          <p:cNvSpPr/>
+          <p:nvPr/>
+        </p:nvSpPr>
+        <p:spPr>
+          <a:xfrm rot="10800000" flipH="1">
+            <a:off x="5301466" y="5513664"/>
+            <a:ext cx="6202210" cy="860686"/>
+          </a:xfrm>
+          <a:prstGeom prst="uturnArrow">
+            <a:avLst>
+              <a:gd name="adj1" fmla="val 15303"/>
+              <a:gd name="adj2" fmla="val 16305"/>
+              <a:gd name="adj3" fmla="val 17138"/>
+              <a:gd name="adj4" fmla="val 56410"/>
+              <a:gd name="adj5" fmla="val 100000"/>
+            </a:avLst>
+          </a:prstGeom>
+        </p:spPr>
+        <p:style>
+          <a:lnRef idx="2">
+            <a:schemeClr val="accent3">
+              <a:shade val="50000"/>
+            </a:schemeClr>
+          </a:lnRef>
+          <a:fillRef idx="1">
+            <a:schemeClr val="accent3"/>
+          </a:fillRef>
+          <a:effectRef idx="0">
+            <a:schemeClr val="accent3"/>
+          </a:effectRef>
+          <a:fontRef idx="minor">
+            <a:schemeClr val="lt1"/>
+          </a:fontRef>
+        </p:style>
+        <p:txBody>
+          <a:bodyPr rtlCol="0" anchor="ctr"/>
+          <a:lstStyle/>
+          <a:p>
+            <a:pPr algn="ctr"/>
+            <a:endParaRPr lang="en-US">
+              <a:solidFill>
+                <a:schemeClr val="tx1"/>
+              </a:solidFill>
+            </a:endParaRPr>
+          </a:p>
+        </p:txBody>
+      </p:sp>
+      <p:sp>
+        <p:nvSpPr>
+          <p:cNvPr id="49" name="U-Turn Arrow 48"/>
+          <p:cNvSpPr/>
+          <p:nvPr/>
+        </p:nvSpPr>
+        <p:spPr>
+          <a:xfrm rot="10800000" flipH="1">
+            <a:off x="5554417" y="5509969"/>
+            <a:ext cx="4697894" cy="597947"/>
+          </a:xfrm>
+          <a:prstGeom prst="uturnArrow">
+            <a:avLst>
+              <a:gd name="adj1" fmla="val 21861"/>
+              <a:gd name="adj2" fmla="val 25000"/>
+              <a:gd name="adj3" fmla="val 27691"/>
+              <a:gd name="adj4" fmla="val 72309"/>
+              <a:gd name="adj5" fmla="val 100000"/>
+            </a:avLst>
+          </a:prstGeom>
+        </p:spPr>
+        <p:style>
+          <a:lnRef idx="2">
+            <a:schemeClr val="accent3">
+              <a:shade val="50000"/>
+            </a:schemeClr>
+          </a:lnRef>
+          <a:fillRef idx="1">
+            <a:schemeClr val="accent3"/>
+          </a:fillRef>
+          <a:effectRef idx="0">
+            <a:schemeClr val="accent3"/>
+          </a:effectRef>
+          <a:fontRef idx="minor">
+            <a:schemeClr val="lt1"/>
+          </a:fontRef>
+        </p:style>
+        <p:txBody>
+          <a:bodyPr rtlCol="0" anchor="ctr"/>
+          <a:lstStyle/>
+          <a:p>
+            <a:pPr algn="ctr"/>
+            <a:endParaRPr lang="en-US">
+              <a:solidFill>
+                <a:schemeClr val="tx1"/>
+              </a:solidFill>
+            </a:endParaRPr>
+          </a:p>
+        </p:txBody>
+      </p:sp>
+      <p:sp>
+        <p:nvSpPr>
+          <p:cNvPr id="41" name="Rectangle 40"/>
+          <p:cNvSpPr/>
+          <p:nvPr/>
+        </p:nvSpPr>
+        <p:spPr>
+          <a:xfrm>
+            <a:off x="9653496" y="3794077"/>
+            <a:ext cx="2272337" cy="374525"/>
+          </a:xfrm>
+          <a:prstGeom prst="rect">
+            <a:avLst/>
+          </a:prstGeom>
+        </p:spPr>
+        <p:style>
+          <a:lnRef idx="2">
+            <a:schemeClr val="accent1">
+              <a:shade val="50000"/>
+            </a:schemeClr>
+          </a:lnRef>
+          <a:fillRef idx="1">
+            <a:schemeClr val="accent1"/>
+          </a:fillRef>
+          <a:effectRef idx="0">
+            <a:schemeClr val="accent1"/>
+          </a:effectRef>
+          <a:fontRef idx="minor">
+            <a:schemeClr val="lt1"/>
+          </a:fontRef>
+        </p:style>
+        <p:txBody>
+          <a:bodyPr rtlCol="0" anchor="ctr"/>
+          <a:lstStyle/>
+          <a:p>
+            <a:pPr algn="ctr"/>
             <a:r>
               <a:rPr lang="en-US" dirty="0" smtClean="0"/>
-              <a:t>Saving Images/Experiments</a:t>
-            </a:r>
-            <a:endParaRPr lang="en-US" dirty="0"/>
-          </a:p>
-        </p:txBody>
-      </p:sp>
-      <p:sp>
-        <p:nvSpPr>
-          <p:cNvPr id="3" name="Content Placeholder 2"/>
-          <p:cNvSpPr>
-            <a:spLocks noGrp="1"/>
-          </p:cNvSpPr>
-          <p:nvPr>
-            <p:ph idx="1"/>
-          </p:nvPr>
+              <a:t>Sweeps</a:t>
+            </a:r>
+            <a:endParaRPr lang="en-US" dirty="0" smtClean="0"/>
+          </a:p>
+        </p:txBody>
+      </p:sp>
+      <p:sp>
+        <p:nvSpPr>
+          <p:cNvPr id="4" name="Rectangle 3"/>
+          <p:cNvSpPr/>
+          <p:nvPr/>
         </p:nvSpPr>
         <p:spPr>
           <a:xfrm>
-            <a:off x="838200" y="1825624"/>
-            <a:ext cx="10515600" cy="4933521"/>
-          </a:xfrm>
-        </p:spPr>
-        <p:txBody>
-          <a:bodyPr>
-            <a:normAutofit fontScale="92500" lnSpcReduction="10000"/>
-          </a:bodyPr>
-          <a:lstStyle/>
-          <a:p>
-            <a:r>
-              <a:rPr lang="en-US" sz="2000" dirty="0" smtClean="0"/>
-              <a:t>Loaded autosave modules are saved after every snapshot, but not on save button.</a:t>
-            </a:r>
-          </a:p>
-          <a:p>
-            <a:r>
-              <a:rPr lang="en-US" sz="2000" dirty="0" smtClean="0"/>
-              <a:t>Loaded modules that have autosave set to false are only saved on save button.</a:t>
-            </a:r>
-          </a:p>
-          <a:p>
-            <a:r>
-              <a:rPr lang="en-US" sz="2000" dirty="0" smtClean="0"/>
-              <a:t>Before the data struct is passed to the database module, if git is present, it will add a struct element called “GitData” which specifies branch, commit id, </a:t>
-            </a:r>
-            <a:r>
-              <a:rPr lang="en-US" sz="2000" smtClean="0"/>
-              <a:t>remote repo, and err if uncommitted files.</a:t>
-            </a:r>
-            <a:endParaRPr lang="en-US" sz="2000" dirty="0" smtClean="0"/>
-          </a:p>
-          <a:p>
-            <a:r>
-              <a:rPr lang="en-US" sz="2000" dirty="0" smtClean="0"/>
-              <a:t>Images</a:t>
-            </a:r>
-          </a:p>
-          <a:p>
-            <a:pPr lvl="1"/>
-            <a:r>
-              <a:rPr lang="en-US" sz="1600" dirty="0" smtClean="0"/>
-              <a:t>SmartImage manages active images to integrate with stage and imager ROI.</a:t>
-            </a:r>
-          </a:p>
-          <a:p>
-            <a:pPr lvl="1"/>
-            <a:r>
-              <a:rPr lang="en-US" sz="1600" dirty="0" smtClean="0"/>
-              <a:t>Upon save, the info part of the SmartImage is passed to the Database module.</a:t>
-            </a:r>
-          </a:p>
-          <a:p>
-            <a:pPr lvl="1"/>
-            <a:r>
-              <a:rPr lang="en-US" sz="1600" dirty="0" smtClean="0"/>
-              <a:t>The fields of the struct (this is done in SmartImage):</a:t>
-            </a:r>
-          </a:p>
-          <a:p>
-            <a:pPr lvl="2"/>
-            <a:r>
-              <a:rPr lang="en-US" sz="1200" dirty="0" smtClean="0"/>
-              <a:t>Image (the data array)</a:t>
-            </a:r>
-          </a:p>
-          <a:p>
-            <a:pPr lvl="2"/>
-            <a:r>
-              <a:rPr lang="en-US" sz="1200" dirty="0" smtClean="0"/>
-              <a:t>stagePos (the global location of the stage when taken or NaN if no stage was used).</a:t>
-            </a:r>
-          </a:p>
-          <a:p>
-            <a:pPr lvl="2"/>
-            <a:r>
-              <a:rPr lang="en-US" sz="1200" dirty="0" smtClean="0"/>
-              <a:t>Stage (cell array of stages as strings that were used when taken)</a:t>
-            </a:r>
-          </a:p>
-          <a:p>
-            <a:pPr lvl="2"/>
-            <a:r>
-              <a:rPr lang="en-US" sz="1200" dirty="0" smtClean="0"/>
-              <a:t>realPos (the real position on the sample if QR codes are used)</a:t>
-            </a:r>
-          </a:p>
-          <a:p>
-            <a:pPr lvl="2"/>
-            <a:r>
-              <a:rPr lang="en-US" sz="1200" dirty="0" smtClean="0"/>
-              <a:t>ROI (the x and y information of the image when taken)</a:t>
-            </a:r>
-          </a:p>
-          <a:p>
-            <a:pPr lvl="2"/>
-            <a:r>
-              <a:rPr lang="en-US" sz="1200" dirty="0" smtClean="0"/>
-              <a:t>ModuleInfo – a structure with all the public fields of the module used to acquire the image (ignores objects).</a:t>
-            </a:r>
-          </a:p>
-          <a:p>
-            <a:r>
-              <a:rPr lang="en-US" sz="2000" dirty="0" smtClean="0"/>
-              <a:t>Experiments</a:t>
-            </a:r>
-          </a:p>
-          <a:p>
-            <a:pPr lvl="1"/>
-            <a:r>
-              <a:rPr lang="en-US" sz="1600" dirty="0" smtClean="0"/>
-              <a:t>CommandCenter queries your experiment module for data after an experiment finishes without being aborted.  Whatever is returned from this function call is passed to the database module.  All important parameters should be included in the structure returned by your module.</a:t>
-            </a:r>
-            <a:endParaRPr lang="en-US" sz="1200" dirty="0"/>
+            <a:off x="1699802" y="1180717"/>
+            <a:ext cx="10219653" cy="874643"/>
+          </a:xfrm>
+          <a:prstGeom prst="rect">
+            <a:avLst/>
+          </a:prstGeom>
+          <a:ln w="25400">
+            <a:solidFill>
+              <a:schemeClr val="accent2"/>
+            </a:solidFill>
+          </a:ln>
+        </p:spPr>
+        <p:style>
+          <a:lnRef idx="2">
+            <a:schemeClr val="accent2">
+              <a:shade val="50000"/>
+            </a:schemeClr>
+          </a:lnRef>
+          <a:fillRef idx="1">
+            <a:schemeClr val="accent2"/>
+          </a:fillRef>
+          <a:effectRef idx="0">
+            <a:schemeClr val="accent2"/>
+          </a:effectRef>
+          <a:fontRef idx="minor">
+            <a:schemeClr val="lt1"/>
+          </a:fontRef>
+        </p:style>
+        <p:txBody>
+          <a:bodyPr rtlCol="0" anchor="ctr"/>
+          <a:lstStyle/>
+          <a:p>
+            <a:pPr algn="ctr"/>
+            <a:r>
+              <a:rPr lang="en-US" dirty="0" smtClean="0"/>
+              <a:t>CommandCenter</a:t>
+            </a:r>
+          </a:p>
+        </p:txBody>
+      </p:sp>
+      <p:sp>
+        <p:nvSpPr>
+          <p:cNvPr id="9" name="Rectangle 8"/>
+          <p:cNvSpPr/>
+          <p:nvPr/>
+        </p:nvSpPr>
+        <p:spPr>
+          <a:xfrm>
+            <a:off x="1699804" y="2928859"/>
+            <a:ext cx="1214468" cy="1238267"/>
+          </a:xfrm>
+          <a:prstGeom prst="rect">
+            <a:avLst/>
+          </a:prstGeom>
+        </p:spPr>
+        <p:style>
+          <a:lnRef idx="2">
+            <a:schemeClr val="accent1">
+              <a:shade val="50000"/>
+            </a:schemeClr>
+          </a:lnRef>
+          <a:fillRef idx="1">
+            <a:schemeClr val="accent1"/>
+          </a:fillRef>
+          <a:effectRef idx="0">
+            <a:schemeClr val="accent1"/>
+          </a:effectRef>
+          <a:fontRef idx="minor">
+            <a:schemeClr val="lt1"/>
+          </a:fontRef>
+        </p:style>
+        <p:txBody>
+          <a:bodyPr rtlCol="0" anchor="ctr"/>
+          <a:lstStyle/>
+          <a:p>
+            <a:pPr algn="ctr"/>
+            <a:r>
+              <a:rPr lang="en-US" dirty="0" smtClean="0"/>
+              <a:t>Sources Manager</a:t>
+            </a:r>
+          </a:p>
+        </p:txBody>
+      </p:sp>
+      <p:sp>
+        <p:nvSpPr>
+          <p:cNvPr id="12" name="Rectangle 11"/>
+          <p:cNvSpPr/>
+          <p:nvPr/>
+        </p:nvSpPr>
+        <p:spPr>
+          <a:xfrm>
+            <a:off x="4236668" y="3808787"/>
+            <a:ext cx="1319752" cy="368387"/>
+          </a:xfrm>
+          <a:prstGeom prst="rect">
+            <a:avLst/>
+          </a:prstGeom>
+        </p:spPr>
+        <p:style>
+          <a:lnRef idx="2">
+            <a:schemeClr val="accent1">
+              <a:shade val="50000"/>
+            </a:schemeClr>
+          </a:lnRef>
+          <a:fillRef idx="1">
+            <a:schemeClr val="accent1"/>
+          </a:fillRef>
+          <a:effectRef idx="0">
+            <a:schemeClr val="accent1"/>
+          </a:effectRef>
+          <a:fontRef idx="minor">
+            <a:schemeClr val="lt1"/>
+          </a:fontRef>
+        </p:style>
+        <p:txBody>
+          <a:bodyPr rtlCol="0" anchor="ctr"/>
+          <a:lstStyle/>
+          <a:p>
+            <a:pPr algn="ctr"/>
+            <a:r>
+              <a:rPr lang="en-US" dirty="0" smtClean="0"/>
+              <a:t>SmartImage</a:t>
+            </a:r>
+          </a:p>
+        </p:txBody>
+      </p:sp>
+      <p:sp>
+        <p:nvSpPr>
+          <p:cNvPr id="13" name="Rectangle 12"/>
+          <p:cNvSpPr/>
+          <p:nvPr/>
+        </p:nvSpPr>
+        <p:spPr>
+          <a:xfrm>
+            <a:off x="2915068" y="3801695"/>
+            <a:ext cx="717783" cy="368386"/>
+          </a:xfrm>
+          <a:prstGeom prst="rect">
+            <a:avLst/>
+          </a:prstGeom>
+        </p:spPr>
+        <p:style>
+          <a:lnRef idx="2">
+            <a:schemeClr val="accent1">
+              <a:shade val="50000"/>
+            </a:schemeClr>
+          </a:lnRef>
+          <a:fillRef idx="1">
+            <a:schemeClr val="accent1"/>
+          </a:fillRef>
+          <a:effectRef idx="0">
+            <a:schemeClr val="accent1"/>
+          </a:effectRef>
+          <a:fontRef idx="minor">
+            <a:schemeClr val="lt1"/>
+          </a:fontRef>
+        </p:style>
+        <p:txBody>
+          <a:bodyPr rtlCol="0" anchor="ctr"/>
+          <a:lstStyle/>
+          <a:p>
+            <a:pPr algn="ctr"/>
+            <a:r>
+              <a:rPr lang="en-US" dirty="0" smtClean="0"/>
+              <a:t>Edit</a:t>
+            </a:r>
+          </a:p>
+        </p:txBody>
+      </p:sp>
+      <p:sp>
+        <p:nvSpPr>
+          <p:cNvPr id="14" name="Rectangle 13"/>
+          <p:cNvSpPr/>
+          <p:nvPr/>
+        </p:nvSpPr>
+        <p:spPr>
+          <a:xfrm>
+            <a:off x="5554417" y="3800215"/>
+            <a:ext cx="1162531" cy="368387"/>
+          </a:xfrm>
+          <a:prstGeom prst="rect">
+            <a:avLst/>
+          </a:prstGeom>
+        </p:spPr>
+        <p:style>
+          <a:lnRef idx="2">
+            <a:schemeClr val="accent6">
+              <a:shade val="50000"/>
+            </a:schemeClr>
+          </a:lnRef>
+          <a:fillRef idx="1">
+            <a:schemeClr val="accent6"/>
+          </a:fillRef>
+          <a:effectRef idx="0">
+            <a:schemeClr val="accent6"/>
+          </a:effectRef>
+          <a:fontRef idx="minor">
+            <a:schemeClr val="lt1"/>
+          </a:fontRef>
+        </p:style>
+        <p:txBody>
+          <a:bodyPr rtlCol="0" anchor="ctr"/>
+          <a:lstStyle/>
+          <a:p>
+            <a:pPr algn="ctr"/>
+            <a:r>
+              <a:rPr lang="en-US" dirty="0" smtClean="0"/>
+              <a:t>Autofocus</a:t>
+            </a:r>
+          </a:p>
+        </p:txBody>
+      </p:sp>
+      <p:sp>
+        <p:nvSpPr>
+          <p:cNvPr id="15" name="Rectangle 14"/>
+          <p:cNvSpPr/>
+          <p:nvPr/>
+        </p:nvSpPr>
+        <p:spPr>
+          <a:xfrm>
+            <a:off x="6716949" y="3800215"/>
+            <a:ext cx="1025172" cy="368387"/>
+          </a:xfrm>
+          <a:prstGeom prst="rect">
+            <a:avLst/>
+          </a:prstGeom>
+        </p:spPr>
+        <p:style>
+          <a:lnRef idx="2">
+            <a:schemeClr val="accent6">
+              <a:shade val="50000"/>
+            </a:schemeClr>
+          </a:lnRef>
+          <a:fillRef idx="1">
+            <a:schemeClr val="accent6"/>
+          </a:fillRef>
+          <a:effectRef idx="0">
+            <a:schemeClr val="accent6"/>
+          </a:effectRef>
+          <a:fontRef idx="minor">
+            <a:schemeClr val="lt1"/>
+          </a:fontRef>
+        </p:style>
+        <p:txBody>
+          <a:bodyPr rtlCol="0" anchor="ctr"/>
+          <a:lstStyle/>
+          <a:p>
+            <a:pPr algn="ctr"/>
+            <a:r>
+              <a:rPr lang="en-US" dirty="0" smtClean="0"/>
+              <a:t>QR</a:t>
+            </a:r>
+          </a:p>
+        </p:txBody>
+      </p:sp>
+      <p:sp>
+        <p:nvSpPr>
+          <p:cNvPr id="16" name="Rectangle 15"/>
+          <p:cNvSpPr/>
+          <p:nvPr/>
+        </p:nvSpPr>
+        <p:spPr>
+          <a:xfrm>
+            <a:off x="3630848" y="3808787"/>
+            <a:ext cx="607625" cy="375769"/>
+          </a:xfrm>
+          <a:prstGeom prst="rect">
+            <a:avLst/>
+          </a:prstGeom>
+        </p:spPr>
+        <p:style>
+          <a:lnRef idx="2">
+            <a:schemeClr val="accent1">
+              <a:shade val="50000"/>
+            </a:schemeClr>
+          </a:lnRef>
+          <a:fillRef idx="1">
+            <a:schemeClr val="accent1"/>
+          </a:fillRef>
+          <a:effectRef idx="0">
+            <a:schemeClr val="accent1"/>
+          </a:effectRef>
+          <a:fontRef idx="minor">
+            <a:schemeClr val="lt1"/>
+          </a:fontRef>
+        </p:style>
+        <p:txBody>
+          <a:bodyPr rtlCol="0" anchor="ctr"/>
+          <a:lstStyle/>
+          <a:p>
+            <a:pPr algn="ctr"/>
+            <a:r>
+              <a:rPr lang="en-US" sz="900" dirty="0" smtClean="0"/>
+              <a:t>Visualize</a:t>
+            </a:r>
+          </a:p>
+        </p:txBody>
+      </p:sp>
+      <p:sp>
+        <p:nvSpPr>
+          <p:cNvPr id="19" name="Rectangle 18"/>
+          <p:cNvSpPr/>
+          <p:nvPr/>
+        </p:nvSpPr>
+        <p:spPr>
+          <a:xfrm>
+            <a:off x="8466590" y="2930236"/>
+            <a:ext cx="76200" cy="246888"/>
+          </a:xfrm>
+          <a:prstGeom prst="rect">
+            <a:avLst/>
+          </a:prstGeom>
+          <a:ln>
+            <a:noFill/>
+          </a:ln>
+        </p:spPr>
+        <p:style>
+          <a:lnRef idx="2">
+            <a:schemeClr val="accent1">
+              <a:shade val="50000"/>
+            </a:schemeClr>
+          </a:lnRef>
+          <a:fillRef idx="1">
+            <a:schemeClr val="accent1"/>
+          </a:fillRef>
+          <a:effectRef idx="0">
+            <a:schemeClr val="accent1"/>
+          </a:effectRef>
+          <a:fontRef idx="minor">
+            <a:schemeClr val="lt1"/>
+          </a:fontRef>
+        </p:style>
+        <p:txBody>
+          <a:bodyPr rtlCol="0" anchor="ctr"/>
+          <a:lstStyle/>
+          <a:p>
+            <a:pPr algn="ctr"/>
+            <a:endParaRPr lang="en-US"/>
+          </a:p>
+        </p:txBody>
+      </p:sp>
+      <p:sp>
+        <p:nvSpPr>
+          <p:cNvPr id="20" name="Rectangle 19"/>
+          <p:cNvSpPr/>
+          <p:nvPr/>
+        </p:nvSpPr>
+        <p:spPr>
+          <a:xfrm>
+            <a:off x="1699804" y="4152896"/>
+            <a:ext cx="1214468" cy="724651"/>
+          </a:xfrm>
+          <a:prstGeom prst="rect">
+            <a:avLst/>
+          </a:prstGeom>
+          <a:ln/>
+        </p:spPr>
+        <p:style>
+          <a:lnRef idx="2">
+            <a:schemeClr val="accent3">
+              <a:shade val="50000"/>
+            </a:schemeClr>
+          </a:lnRef>
+          <a:fillRef idx="1">
+            <a:schemeClr val="accent3"/>
+          </a:fillRef>
+          <a:effectRef idx="0">
+            <a:schemeClr val="accent3"/>
+          </a:effectRef>
+          <a:fontRef idx="minor">
+            <a:schemeClr val="lt1"/>
+          </a:fontRef>
+        </p:style>
+        <p:txBody>
+          <a:bodyPr rtlCol="0" anchor="ctr"/>
+          <a:lstStyle/>
+          <a:p>
+            <a:pPr algn="ctr"/>
+            <a:r>
+              <a:rPr lang="en-US" dirty="0" smtClean="0"/>
+              <a:t>Source Modules</a:t>
+            </a:r>
+          </a:p>
+        </p:txBody>
+      </p:sp>
+      <p:sp>
+        <p:nvSpPr>
+          <p:cNvPr id="21" name="Rectangle 20"/>
+          <p:cNvSpPr/>
+          <p:nvPr/>
+        </p:nvSpPr>
+        <p:spPr>
+          <a:xfrm>
+            <a:off x="2910443" y="4152896"/>
+            <a:ext cx="2023410" cy="724651"/>
+          </a:xfrm>
+          <a:prstGeom prst="rect">
+            <a:avLst/>
+          </a:prstGeom>
+          <a:ln/>
+        </p:spPr>
+        <p:style>
+          <a:lnRef idx="2">
+            <a:schemeClr val="accent3">
+              <a:shade val="50000"/>
+            </a:schemeClr>
+          </a:lnRef>
+          <a:fillRef idx="1">
+            <a:schemeClr val="accent3"/>
+          </a:fillRef>
+          <a:effectRef idx="0">
+            <a:schemeClr val="accent3"/>
+          </a:effectRef>
+          <a:fontRef idx="minor">
+            <a:schemeClr val="lt1"/>
+          </a:fontRef>
+        </p:style>
+        <p:txBody>
+          <a:bodyPr rtlCol="0" anchor="ctr"/>
+          <a:lstStyle/>
+          <a:p>
+            <a:pPr algn="ctr"/>
+            <a:r>
+              <a:rPr lang="en-US" dirty="0" smtClean="0"/>
+              <a:t>Stage Modules</a:t>
+            </a:r>
+          </a:p>
+        </p:txBody>
+      </p:sp>
+      <p:sp>
+        <p:nvSpPr>
+          <p:cNvPr id="22" name="Rectangle 21"/>
+          <p:cNvSpPr/>
+          <p:nvPr/>
+        </p:nvSpPr>
+        <p:spPr>
+          <a:xfrm>
+            <a:off x="4933852" y="4151766"/>
+            <a:ext cx="2314263" cy="724651"/>
+          </a:xfrm>
+          <a:prstGeom prst="rect">
+            <a:avLst/>
+          </a:prstGeom>
+          <a:ln/>
+        </p:spPr>
+        <p:style>
+          <a:lnRef idx="2">
+            <a:schemeClr val="accent3">
+              <a:shade val="50000"/>
+            </a:schemeClr>
+          </a:lnRef>
+          <a:fillRef idx="1">
+            <a:schemeClr val="accent3"/>
+          </a:fillRef>
+          <a:effectRef idx="0">
+            <a:schemeClr val="accent3"/>
+          </a:effectRef>
+          <a:fontRef idx="minor">
+            <a:schemeClr val="lt1"/>
+          </a:fontRef>
+        </p:style>
+        <p:txBody>
+          <a:bodyPr rtlCol="0" anchor="ctr"/>
+          <a:lstStyle/>
+          <a:p>
+            <a:pPr algn="ctr"/>
+            <a:r>
+              <a:rPr lang="en-US" dirty="0" smtClean="0"/>
+              <a:t>Imaging Module</a:t>
+            </a:r>
+          </a:p>
+        </p:txBody>
+      </p:sp>
+      <p:sp>
+        <p:nvSpPr>
+          <p:cNvPr id="23" name="Rectangle 22"/>
+          <p:cNvSpPr/>
+          <p:nvPr/>
+        </p:nvSpPr>
+        <p:spPr>
+          <a:xfrm>
+            <a:off x="7248116" y="4167460"/>
+            <a:ext cx="1267818" cy="703039"/>
+          </a:xfrm>
+          <a:prstGeom prst="rect">
+            <a:avLst/>
+          </a:prstGeom>
+          <a:ln/>
+        </p:spPr>
+        <p:style>
+          <a:lnRef idx="2">
+            <a:schemeClr val="accent3">
+              <a:shade val="50000"/>
+            </a:schemeClr>
+          </a:lnRef>
+          <a:fillRef idx="1">
+            <a:schemeClr val="accent3"/>
+          </a:fillRef>
+          <a:effectRef idx="0">
+            <a:schemeClr val="accent3"/>
+          </a:effectRef>
+          <a:fontRef idx="minor">
+            <a:schemeClr val="lt1"/>
+          </a:fontRef>
+        </p:style>
+        <p:txBody>
+          <a:bodyPr rtlCol="0" anchor="ctr"/>
+          <a:lstStyle/>
+          <a:p>
+            <a:pPr algn="ctr"/>
+            <a:r>
+              <a:rPr lang="en-US" dirty="0" smtClean="0"/>
+              <a:t>Experiment Module</a:t>
+            </a:r>
+          </a:p>
+        </p:txBody>
+      </p:sp>
+      <p:sp>
+        <p:nvSpPr>
+          <p:cNvPr id="24" name="Rectangle 23"/>
+          <p:cNvSpPr/>
+          <p:nvPr/>
+        </p:nvSpPr>
+        <p:spPr>
+          <a:xfrm>
+            <a:off x="8515934" y="4170463"/>
+            <a:ext cx="1137562" cy="703039"/>
+          </a:xfrm>
+          <a:prstGeom prst="rect">
+            <a:avLst/>
+          </a:prstGeom>
+          <a:ln/>
+        </p:spPr>
+        <p:style>
+          <a:lnRef idx="2">
+            <a:schemeClr val="accent3">
+              <a:shade val="50000"/>
+            </a:schemeClr>
+          </a:lnRef>
+          <a:fillRef idx="1">
+            <a:schemeClr val="accent3"/>
+          </a:fillRef>
+          <a:effectRef idx="0">
+            <a:schemeClr val="accent3"/>
+          </a:effectRef>
+          <a:fontRef idx="minor">
+            <a:schemeClr val="lt1"/>
+          </a:fontRef>
+        </p:style>
+        <p:txBody>
+          <a:bodyPr rtlCol="0" anchor="ctr"/>
+          <a:lstStyle/>
+          <a:p>
+            <a:pPr algn="ctr"/>
+            <a:r>
+              <a:rPr lang="en-US" dirty="0" smtClean="0"/>
+              <a:t>Database Modules</a:t>
+            </a:r>
+          </a:p>
+        </p:txBody>
+      </p:sp>
+      <p:sp>
+        <p:nvSpPr>
+          <p:cNvPr id="25" name="Rectangle 24"/>
+          <p:cNvSpPr/>
+          <p:nvPr/>
+        </p:nvSpPr>
+        <p:spPr>
+          <a:xfrm>
+            <a:off x="1700610" y="4867023"/>
+            <a:ext cx="7956475" cy="636140"/>
+          </a:xfrm>
+          <a:prstGeom prst="rect">
+            <a:avLst/>
+          </a:prstGeom>
+          <a:ln/>
+        </p:spPr>
+        <p:style>
+          <a:lnRef idx="2">
+            <a:schemeClr val="accent3">
+              <a:shade val="50000"/>
+            </a:schemeClr>
+          </a:lnRef>
+          <a:fillRef idx="1">
+            <a:schemeClr val="accent3"/>
+          </a:fillRef>
+          <a:effectRef idx="0">
+            <a:schemeClr val="accent3"/>
+          </a:effectRef>
+          <a:fontRef idx="minor">
+            <a:schemeClr val="lt1"/>
+          </a:fontRef>
+        </p:style>
+        <p:txBody>
+          <a:bodyPr rtlCol="0" anchor="ctr"/>
+          <a:lstStyle/>
+          <a:p>
+            <a:pPr algn="ctr"/>
+            <a:r>
+              <a:rPr lang="en-US" dirty="0" smtClean="0"/>
+              <a:t>Driver Modules</a:t>
+            </a:r>
+          </a:p>
+        </p:txBody>
+      </p:sp>
+      <p:sp>
+        <p:nvSpPr>
+          <p:cNvPr id="37" name="Rectangle 36"/>
+          <p:cNvSpPr/>
+          <p:nvPr/>
+        </p:nvSpPr>
+        <p:spPr>
+          <a:xfrm>
+            <a:off x="259674" y="1789853"/>
+            <a:ext cx="1162531" cy="368387"/>
+          </a:xfrm>
+          <a:prstGeom prst="rect">
+            <a:avLst/>
+          </a:prstGeom>
+        </p:spPr>
+        <p:style>
+          <a:lnRef idx="2">
+            <a:schemeClr val="accent6">
+              <a:shade val="50000"/>
+            </a:schemeClr>
+          </a:lnRef>
+          <a:fillRef idx="1">
+            <a:schemeClr val="accent6"/>
+          </a:fillRef>
+          <a:effectRef idx="0">
+            <a:schemeClr val="accent6"/>
+          </a:effectRef>
+          <a:fontRef idx="minor">
+            <a:schemeClr val="lt1"/>
+          </a:fontRef>
+        </p:style>
+        <p:txBody>
+          <a:bodyPr rtlCol="0" anchor="ctr"/>
+          <a:lstStyle/>
+          <a:p>
+            <a:pPr algn="ctr"/>
+            <a:r>
+              <a:rPr lang="en-US" dirty="0" smtClean="0"/>
+              <a:t>Optional</a:t>
+            </a:r>
+          </a:p>
+        </p:txBody>
+      </p:sp>
+      <p:sp>
+        <p:nvSpPr>
+          <p:cNvPr id="38" name="Rectangle 37"/>
+          <p:cNvSpPr/>
+          <p:nvPr/>
+        </p:nvSpPr>
+        <p:spPr>
+          <a:xfrm>
+            <a:off x="259674" y="2296109"/>
+            <a:ext cx="1162531" cy="368387"/>
+          </a:xfrm>
+          <a:prstGeom prst="rect">
+            <a:avLst/>
+          </a:prstGeom>
+        </p:spPr>
+        <p:style>
+          <a:lnRef idx="2">
+            <a:schemeClr val="accent3">
+              <a:shade val="50000"/>
+            </a:schemeClr>
+          </a:lnRef>
+          <a:fillRef idx="1">
+            <a:schemeClr val="accent3"/>
+          </a:fillRef>
+          <a:effectRef idx="0">
+            <a:schemeClr val="accent3"/>
+          </a:effectRef>
+          <a:fontRef idx="minor">
+            <a:schemeClr val="lt1"/>
+          </a:fontRef>
+        </p:style>
+        <p:txBody>
+          <a:bodyPr rtlCol="0" anchor="ctr"/>
+          <a:lstStyle/>
+          <a:p>
+            <a:pPr algn="ctr"/>
+            <a:r>
+              <a:rPr lang="en-US" dirty="0" smtClean="0"/>
+              <a:t>Custom</a:t>
+            </a:r>
+          </a:p>
+        </p:txBody>
+      </p:sp>
+      <p:sp>
+        <p:nvSpPr>
+          <p:cNvPr id="39" name="Rectangle 38"/>
+          <p:cNvSpPr/>
+          <p:nvPr/>
+        </p:nvSpPr>
+        <p:spPr>
+          <a:xfrm>
+            <a:off x="259673" y="1313603"/>
+            <a:ext cx="1162531" cy="368387"/>
+          </a:xfrm>
+          <a:prstGeom prst="rect">
+            <a:avLst/>
+          </a:prstGeom>
+        </p:spPr>
+        <p:style>
+          <a:lnRef idx="2">
+            <a:schemeClr val="accent1">
+              <a:shade val="50000"/>
+            </a:schemeClr>
+          </a:lnRef>
+          <a:fillRef idx="1">
+            <a:schemeClr val="accent1"/>
+          </a:fillRef>
+          <a:effectRef idx="0">
+            <a:schemeClr val="accent1"/>
+          </a:effectRef>
+          <a:fontRef idx="minor">
+            <a:schemeClr val="lt1"/>
+          </a:fontRef>
+        </p:style>
+        <p:txBody>
+          <a:bodyPr rtlCol="0" anchor="ctr"/>
+          <a:lstStyle/>
+          <a:p>
+            <a:pPr algn="ctr"/>
+            <a:r>
+              <a:rPr lang="en-US" dirty="0" smtClean="0"/>
+              <a:t>App. Class</a:t>
+            </a:r>
+          </a:p>
+        </p:txBody>
+      </p:sp>
+      <p:sp>
+        <p:nvSpPr>
+          <p:cNvPr id="52" name="Rectangle 51"/>
+          <p:cNvSpPr/>
+          <p:nvPr/>
+        </p:nvSpPr>
+        <p:spPr>
+          <a:xfrm>
+            <a:off x="184216" y="832939"/>
+            <a:ext cx="1313444" cy="368387"/>
+          </a:xfrm>
+          <a:prstGeom prst="rect">
+            <a:avLst/>
+          </a:prstGeom>
+          <a:ln w="25400">
+            <a:solidFill>
+              <a:schemeClr val="accent2"/>
+            </a:solidFill>
+          </a:ln>
+        </p:spPr>
+        <p:style>
+          <a:lnRef idx="2">
+            <a:schemeClr val="accent2">
+              <a:shade val="50000"/>
+            </a:schemeClr>
+          </a:lnRef>
+          <a:fillRef idx="1">
+            <a:schemeClr val="accent2"/>
+          </a:fillRef>
+          <a:effectRef idx="0">
+            <a:schemeClr val="accent2"/>
+          </a:effectRef>
+          <a:fontRef idx="minor">
+            <a:schemeClr val="lt1"/>
+          </a:fontRef>
+        </p:style>
+        <p:txBody>
+          <a:bodyPr rtlCol="0" anchor="ctr"/>
+          <a:lstStyle/>
+          <a:p>
+            <a:pPr algn="ctr"/>
+            <a:r>
+              <a:rPr lang="en-US" dirty="0" smtClean="0"/>
+              <a:t>Application</a:t>
+            </a:r>
+          </a:p>
+        </p:txBody>
+      </p:sp>
+      <p:sp>
+        <p:nvSpPr>
+          <p:cNvPr id="53" name="Rectangle 52"/>
+          <p:cNvSpPr/>
+          <p:nvPr/>
+        </p:nvSpPr>
+        <p:spPr>
+          <a:xfrm>
+            <a:off x="184216" y="1201326"/>
+            <a:ext cx="1313444" cy="1028016"/>
+          </a:xfrm>
+          <a:prstGeom prst="rect">
+            <a:avLst/>
+          </a:prstGeom>
+          <a:noFill/>
+          <a:ln w="25400">
+            <a:solidFill>
+              <a:schemeClr val="accent2"/>
+            </a:solidFill>
+          </a:ln>
+        </p:spPr>
+        <p:style>
+          <a:lnRef idx="2">
+            <a:schemeClr val="accent1">
+              <a:shade val="50000"/>
+            </a:schemeClr>
+          </a:lnRef>
+          <a:fillRef idx="1">
+            <a:schemeClr val="accent1"/>
+          </a:fillRef>
+          <a:effectRef idx="0">
+            <a:schemeClr val="accent1"/>
+          </a:effectRef>
+          <a:fontRef idx="minor">
+            <a:schemeClr val="lt1"/>
+          </a:fontRef>
+        </p:style>
+        <p:txBody>
+          <a:bodyPr rtlCol="0" anchor="ctr"/>
+          <a:lstStyle/>
+          <a:p>
+            <a:pPr algn="ctr"/>
+            <a:endParaRPr lang="en-US"/>
+          </a:p>
+        </p:txBody>
+      </p:sp>
+      <p:sp>
+        <p:nvSpPr>
+          <p:cNvPr id="32" name="Rectangle 31"/>
+          <p:cNvSpPr/>
+          <p:nvPr/>
+        </p:nvSpPr>
+        <p:spPr>
+          <a:xfrm>
+            <a:off x="741797" y="2914509"/>
+            <a:ext cx="817507" cy="2588654"/>
+          </a:xfrm>
+          <a:prstGeom prst="rect">
+            <a:avLst/>
+          </a:prstGeom>
+        </p:spPr>
+        <p:style>
+          <a:lnRef idx="2">
+            <a:schemeClr val="accent1">
+              <a:shade val="50000"/>
+            </a:schemeClr>
+          </a:lnRef>
+          <a:fillRef idx="1">
+            <a:schemeClr val="accent1"/>
+          </a:fillRef>
+          <a:effectRef idx="0">
+            <a:schemeClr val="accent1"/>
+          </a:effectRef>
+          <a:fontRef idx="minor">
+            <a:schemeClr val="lt1"/>
+          </a:fontRef>
+        </p:style>
+        <p:txBody>
+          <a:bodyPr rtlCol="0" anchor="ctr"/>
+          <a:lstStyle/>
+          <a:p>
+            <a:pPr algn="ctr"/>
+            <a:r>
+              <a:rPr lang="en-US" dirty="0" smtClean="0"/>
+              <a:t>Logger</a:t>
+            </a:r>
+          </a:p>
+        </p:txBody>
+      </p:sp>
+      <p:sp>
+        <p:nvSpPr>
+          <p:cNvPr id="36" name="Rectangle 35"/>
+          <p:cNvSpPr/>
+          <p:nvPr/>
+        </p:nvSpPr>
+        <p:spPr>
+          <a:xfrm rot="5400000">
+            <a:off x="9551679" y="4270163"/>
+            <a:ext cx="1334816" cy="1131188"/>
+          </a:xfrm>
+          <a:prstGeom prst="rect">
+            <a:avLst/>
+          </a:prstGeom>
+          <a:ln/>
+        </p:spPr>
+        <p:style>
+          <a:lnRef idx="2">
+            <a:schemeClr val="accent3">
+              <a:shade val="50000"/>
+            </a:schemeClr>
+          </a:lnRef>
+          <a:fillRef idx="1">
+            <a:schemeClr val="accent3"/>
+          </a:fillRef>
+          <a:effectRef idx="0">
+            <a:schemeClr val="accent3"/>
+          </a:effectRef>
+          <a:fontRef idx="minor">
+            <a:schemeClr val="lt1"/>
+          </a:fontRef>
+        </p:style>
+        <p:txBody>
+          <a:bodyPr rtlCol="0" anchor="ctr"/>
+          <a:lstStyle/>
+          <a:p>
+            <a:pPr algn="ctr"/>
+            <a:r>
+              <a:rPr lang="en-US" dirty="0" err="1" smtClean="0"/>
+              <a:t>Prefs</a:t>
+            </a:r>
+            <a:endParaRPr lang="en-US" dirty="0" smtClean="0"/>
+          </a:p>
+        </p:txBody>
+      </p:sp>
+      <p:sp>
+        <p:nvSpPr>
+          <p:cNvPr id="40" name="Rectangle 39"/>
+          <p:cNvSpPr/>
+          <p:nvPr/>
+        </p:nvSpPr>
+        <p:spPr>
+          <a:xfrm rot="5400000">
+            <a:off x="10681257" y="4264967"/>
+            <a:ext cx="1341621" cy="1134775"/>
+          </a:xfrm>
+          <a:prstGeom prst="rect">
+            <a:avLst/>
+          </a:prstGeom>
+          <a:ln/>
+        </p:spPr>
+        <p:style>
+          <a:lnRef idx="2">
+            <a:schemeClr val="accent3">
+              <a:shade val="50000"/>
+            </a:schemeClr>
+          </a:lnRef>
+          <a:fillRef idx="1">
+            <a:schemeClr val="accent3"/>
+          </a:fillRef>
+          <a:effectRef idx="0">
+            <a:schemeClr val="accent3"/>
+          </a:effectRef>
+          <a:fontRef idx="minor">
+            <a:schemeClr val="lt1"/>
+          </a:fontRef>
+        </p:style>
+        <p:txBody>
+          <a:bodyPr rtlCol="0" anchor="ctr"/>
+          <a:lstStyle/>
+          <a:p>
+            <a:pPr algn="ctr"/>
+            <a:r>
+              <a:rPr lang="en-US" sz="1400" dirty="0" smtClean="0"/>
+              <a:t>Measurements</a:t>
+            </a:r>
+            <a:endParaRPr lang="en-US" sz="1400" dirty="0" smtClean="0"/>
+          </a:p>
+        </p:txBody>
+      </p:sp>
+      <p:sp>
+        <p:nvSpPr>
+          <p:cNvPr id="8" name="Rectangle 7"/>
+          <p:cNvSpPr/>
+          <p:nvPr/>
+        </p:nvSpPr>
+        <p:spPr>
+          <a:xfrm>
+            <a:off x="4934650" y="3189693"/>
+            <a:ext cx="2313465" cy="623525"/>
+          </a:xfrm>
+          <a:prstGeom prst="rect">
+            <a:avLst/>
+          </a:prstGeom>
+        </p:spPr>
+        <p:style>
+          <a:lnRef idx="2">
+            <a:schemeClr val="accent1">
+              <a:shade val="50000"/>
+            </a:schemeClr>
+          </a:lnRef>
+          <a:fillRef idx="1">
+            <a:schemeClr val="accent1"/>
+          </a:fillRef>
+          <a:effectRef idx="0">
+            <a:schemeClr val="accent1"/>
+          </a:effectRef>
+          <a:fontRef idx="minor">
+            <a:schemeClr val="lt1"/>
+          </a:fontRef>
+        </p:style>
+        <p:txBody>
+          <a:bodyPr rtlCol="0" anchor="ctr"/>
+          <a:lstStyle/>
+          <a:p>
+            <a:pPr algn="ctr"/>
+            <a:r>
+              <a:rPr lang="en-US" dirty="0" smtClean="0"/>
+              <a:t>Imaging Manager</a:t>
+            </a:r>
+          </a:p>
+        </p:txBody>
+      </p:sp>
+      <p:sp>
+        <p:nvSpPr>
+          <p:cNvPr id="18" name="Rectangle 17"/>
+          <p:cNvSpPr/>
+          <p:nvPr/>
+        </p:nvSpPr>
+        <p:spPr>
+          <a:xfrm>
+            <a:off x="4933852" y="2928526"/>
+            <a:ext cx="6991981" cy="261166"/>
+          </a:xfrm>
+          <a:prstGeom prst="rect">
+            <a:avLst/>
+          </a:prstGeom>
+        </p:spPr>
+        <p:style>
+          <a:lnRef idx="2">
+            <a:schemeClr val="accent1">
+              <a:shade val="50000"/>
+            </a:schemeClr>
+          </a:lnRef>
+          <a:fillRef idx="1">
+            <a:schemeClr val="accent1"/>
+          </a:fillRef>
+          <a:effectRef idx="0">
+            <a:schemeClr val="accent1"/>
+          </a:effectRef>
+          <a:fontRef idx="minor">
+            <a:schemeClr val="lt1"/>
+          </a:fontRef>
+        </p:style>
+        <p:txBody>
+          <a:bodyPr rtlCol="0" anchor="ctr"/>
+          <a:lstStyle/>
+          <a:p>
+            <a:pPr algn="ctr"/>
+            <a:endParaRPr lang="en-US"/>
+          </a:p>
+        </p:txBody>
+      </p:sp>
+      <p:sp>
+        <p:nvSpPr>
+          <p:cNvPr id="11" name="Rectangle 10"/>
+          <p:cNvSpPr/>
+          <p:nvPr/>
+        </p:nvSpPr>
+        <p:spPr>
+          <a:xfrm>
+            <a:off x="8515933" y="2928526"/>
+            <a:ext cx="1137562" cy="1233016"/>
+          </a:xfrm>
+          <a:prstGeom prst="rect">
+            <a:avLst/>
+          </a:prstGeom>
+          <a:ln>
+            <a:noFill/>
+          </a:ln>
+        </p:spPr>
+        <p:style>
+          <a:lnRef idx="2">
+            <a:schemeClr val="accent1">
+              <a:shade val="50000"/>
+            </a:schemeClr>
+          </a:lnRef>
+          <a:fillRef idx="1">
+            <a:schemeClr val="accent1"/>
+          </a:fillRef>
+          <a:effectRef idx="0">
+            <a:schemeClr val="accent1"/>
+          </a:effectRef>
+          <a:fontRef idx="minor">
+            <a:schemeClr val="lt1"/>
+          </a:fontRef>
+        </p:style>
+        <p:txBody>
+          <a:bodyPr rtlCol="0" anchor="ctr"/>
+          <a:lstStyle/>
+          <a:p>
+            <a:pPr algn="ctr"/>
+            <a:r>
+              <a:rPr lang="en-US" dirty="0" smtClean="0"/>
+              <a:t>Database Manager</a:t>
+            </a:r>
+          </a:p>
+        </p:txBody>
+      </p:sp>
+      <p:sp>
+        <p:nvSpPr>
+          <p:cNvPr id="35" name="Rectangle 34"/>
+          <p:cNvSpPr/>
+          <p:nvPr/>
+        </p:nvSpPr>
+        <p:spPr>
+          <a:xfrm>
+            <a:off x="7742122" y="3801692"/>
+            <a:ext cx="767434" cy="368387"/>
+          </a:xfrm>
+          <a:prstGeom prst="rect">
+            <a:avLst/>
+          </a:prstGeom>
+        </p:spPr>
+        <p:style>
+          <a:lnRef idx="2">
+            <a:schemeClr val="accent6">
+              <a:shade val="50000"/>
+            </a:schemeClr>
+          </a:lnRef>
+          <a:fillRef idx="1">
+            <a:schemeClr val="accent6"/>
+          </a:fillRef>
+          <a:effectRef idx="0">
+            <a:schemeClr val="accent6"/>
+          </a:effectRef>
+          <a:fontRef idx="minor">
+            <a:schemeClr val="lt1"/>
+          </a:fontRef>
+        </p:style>
+        <p:txBody>
+          <a:bodyPr rtlCol="0" anchor="ctr"/>
+          <a:lstStyle/>
+          <a:p>
+            <a:pPr algn="ctr"/>
+            <a:r>
+              <a:rPr lang="en-US" sz="800" dirty="0" smtClean="0"/>
+              <a:t>SmartSample</a:t>
+            </a:r>
+          </a:p>
+        </p:txBody>
+      </p:sp>
+      <p:sp>
+        <p:nvSpPr>
+          <p:cNvPr id="6" name="Rectangle 5"/>
+          <p:cNvSpPr/>
+          <p:nvPr/>
+        </p:nvSpPr>
+        <p:spPr>
+          <a:xfrm>
+            <a:off x="1700600" y="2055360"/>
+            <a:ext cx="10225233" cy="874643"/>
+          </a:xfrm>
+          <a:prstGeom prst="rect">
+            <a:avLst/>
+          </a:prstGeom>
+        </p:spPr>
+        <p:style>
+          <a:lnRef idx="2">
+            <a:schemeClr val="accent1">
+              <a:shade val="50000"/>
+            </a:schemeClr>
+          </a:lnRef>
+          <a:fillRef idx="1">
+            <a:schemeClr val="accent1"/>
+          </a:fillRef>
+          <a:effectRef idx="0">
+            <a:schemeClr val="accent1"/>
+          </a:effectRef>
+          <a:fontRef idx="minor">
+            <a:schemeClr val="lt1"/>
+          </a:fontRef>
+        </p:style>
+        <p:txBody>
+          <a:bodyPr rtlCol="0" anchor="ctr"/>
+          <a:lstStyle/>
+          <a:p>
+            <a:pPr algn="ctr"/>
+            <a:r>
+              <a:rPr lang="en-US" dirty="0" smtClean="0"/>
+              <a:t>Managers Container</a:t>
+            </a:r>
+          </a:p>
+        </p:txBody>
+      </p:sp>
+      <p:sp>
+        <p:nvSpPr>
+          <p:cNvPr id="33" name="Rectangle 32"/>
+          <p:cNvSpPr/>
+          <p:nvPr/>
+        </p:nvSpPr>
+        <p:spPr>
+          <a:xfrm>
+            <a:off x="9657085" y="3189692"/>
+            <a:ext cx="2268750" cy="609047"/>
+          </a:xfrm>
+          <a:prstGeom prst="rect">
+            <a:avLst/>
+          </a:prstGeom>
+        </p:spPr>
+        <p:style>
+          <a:lnRef idx="2">
+            <a:schemeClr val="accent1">
+              <a:shade val="50000"/>
+            </a:schemeClr>
+          </a:lnRef>
+          <a:fillRef idx="1">
+            <a:schemeClr val="accent1"/>
+          </a:fillRef>
+          <a:effectRef idx="0">
+            <a:schemeClr val="accent1"/>
+          </a:effectRef>
+          <a:fontRef idx="minor">
+            <a:schemeClr val="lt1"/>
+          </a:fontRef>
+        </p:style>
+        <p:txBody>
+          <a:bodyPr rtlCol="0" anchor="ctr"/>
+          <a:lstStyle/>
+          <a:p>
+            <a:pPr algn="ctr"/>
+            <a:r>
+              <a:rPr lang="en-US" dirty="0" smtClean="0"/>
+              <a:t>Sweeping Manager</a:t>
+            </a:r>
+            <a:endParaRPr lang="en-US" dirty="0" smtClean="0"/>
+          </a:p>
+        </p:txBody>
+      </p:sp>
+      <p:sp>
+        <p:nvSpPr>
+          <p:cNvPr id="10" name="Rectangle 9"/>
+          <p:cNvSpPr/>
+          <p:nvPr/>
+        </p:nvSpPr>
+        <p:spPr>
+          <a:xfrm>
+            <a:off x="7248115" y="3189692"/>
+            <a:ext cx="1261441" cy="619095"/>
+          </a:xfrm>
+          <a:prstGeom prst="rect">
+            <a:avLst/>
+          </a:prstGeom>
+        </p:spPr>
+        <p:style>
+          <a:lnRef idx="2">
+            <a:schemeClr val="accent1">
+              <a:shade val="50000"/>
+            </a:schemeClr>
+          </a:lnRef>
+          <a:fillRef idx="1">
+            <a:schemeClr val="accent1"/>
+          </a:fillRef>
+          <a:effectRef idx="0">
+            <a:schemeClr val="accent1"/>
+          </a:effectRef>
+          <a:fontRef idx="minor">
+            <a:schemeClr val="lt1"/>
+          </a:fontRef>
+        </p:style>
+        <p:txBody>
+          <a:bodyPr rtlCol="0" anchor="ctr"/>
+          <a:lstStyle/>
+          <a:p>
+            <a:pPr algn="ctr"/>
+            <a:r>
+              <a:rPr lang="en-US" dirty="0" smtClean="0"/>
+              <a:t>Experiment Manager</a:t>
+            </a:r>
+          </a:p>
+        </p:txBody>
+      </p:sp>
+      <p:sp>
+        <p:nvSpPr>
+          <p:cNvPr id="17" name="Rectangle 16"/>
+          <p:cNvSpPr/>
+          <p:nvPr/>
+        </p:nvSpPr>
+        <p:spPr>
+          <a:xfrm>
+            <a:off x="1697414" y="2056490"/>
+            <a:ext cx="10228419" cy="2105052"/>
+          </a:xfrm>
+          <a:prstGeom prst="rect">
+            <a:avLst/>
+          </a:prstGeom>
+          <a:noFill/>
+          <a:ln w="25400">
+            <a:solidFill>
+              <a:schemeClr val="accent2"/>
+            </a:solidFill>
+          </a:ln>
+        </p:spPr>
+        <p:style>
+          <a:lnRef idx="2">
+            <a:schemeClr val="accent1">
+              <a:shade val="50000"/>
+            </a:schemeClr>
+          </a:lnRef>
+          <a:fillRef idx="1">
+            <a:schemeClr val="accent1"/>
+          </a:fillRef>
+          <a:effectRef idx="0">
+            <a:schemeClr val="accent1"/>
+          </a:effectRef>
+          <a:fontRef idx="minor">
+            <a:schemeClr val="lt1"/>
+          </a:fontRef>
+        </p:style>
+        <p:txBody>
+          <a:bodyPr rtlCol="0" anchor="ctr"/>
+          <a:lstStyle/>
+          <a:p>
+            <a:pPr algn="ctr"/>
+            <a:endParaRPr lang="en-US"/>
+          </a:p>
+        </p:txBody>
+      </p:sp>
+      <p:sp>
+        <p:nvSpPr>
+          <p:cNvPr id="5" name="Rectangle 4"/>
+          <p:cNvSpPr/>
+          <p:nvPr/>
+        </p:nvSpPr>
+        <p:spPr>
+          <a:xfrm>
+            <a:off x="2916660" y="2930003"/>
+            <a:ext cx="2017193" cy="878782"/>
+          </a:xfrm>
+          <a:prstGeom prst="rect">
+            <a:avLst/>
+          </a:prstGeom>
+        </p:spPr>
+        <p:style>
+          <a:lnRef idx="2">
+            <a:schemeClr val="accent1">
+              <a:shade val="50000"/>
+            </a:schemeClr>
+          </a:lnRef>
+          <a:fillRef idx="1">
+            <a:schemeClr val="accent1"/>
+          </a:fillRef>
+          <a:effectRef idx="0">
+            <a:schemeClr val="accent1"/>
+          </a:effectRef>
+          <a:fontRef idx="minor">
+            <a:schemeClr val="lt1"/>
+          </a:fontRef>
+        </p:style>
+        <p:txBody>
+          <a:bodyPr rtlCol="0" anchor="ctr"/>
+          <a:lstStyle/>
+          <a:p>
+            <a:pPr algn="ctr"/>
+            <a:r>
+              <a:rPr lang="en-US" dirty="0" smtClean="0"/>
+              <a:t>Stage Manager</a:t>
+            </a:r>
+          </a:p>
+        </p:txBody>
+      </p:sp>
+      <p:sp>
+        <p:nvSpPr>
+          <p:cNvPr id="46" name="U-Turn Arrow 45"/>
+          <p:cNvSpPr/>
+          <p:nvPr/>
+        </p:nvSpPr>
+        <p:spPr>
+          <a:xfrm rot="10800000" flipH="1">
+            <a:off x="2232105" y="4866638"/>
+            <a:ext cx="8022118" cy="1242759"/>
+          </a:xfrm>
+          <a:prstGeom prst="uturnArrow">
+            <a:avLst>
+              <a:gd name="adj1" fmla="val 11552"/>
+              <a:gd name="adj2" fmla="val 13376"/>
+              <a:gd name="adj3" fmla="val 12227"/>
+              <a:gd name="adj4" fmla="val 35616"/>
+              <a:gd name="adj5" fmla="val 47843"/>
+            </a:avLst>
+          </a:prstGeom>
+        </p:spPr>
+        <p:style>
+          <a:lnRef idx="2">
+            <a:schemeClr val="accent3">
+              <a:shade val="50000"/>
+            </a:schemeClr>
+          </a:lnRef>
+          <a:fillRef idx="1">
+            <a:schemeClr val="accent3"/>
+          </a:fillRef>
+          <a:effectRef idx="0">
+            <a:schemeClr val="accent3"/>
+          </a:effectRef>
+          <a:fontRef idx="minor">
+            <a:schemeClr val="lt1"/>
+          </a:fontRef>
+        </p:style>
+        <p:txBody>
+          <a:bodyPr rtlCol="0" anchor="ctr"/>
+          <a:lstStyle/>
+          <a:p>
+            <a:pPr algn="ctr"/>
+            <a:endParaRPr lang="en-US">
+              <a:solidFill>
+                <a:schemeClr val="tx1"/>
+              </a:solidFill>
+            </a:endParaRPr>
+          </a:p>
+        </p:txBody>
+      </p:sp>
+      <p:sp>
+        <p:nvSpPr>
+          <p:cNvPr id="29" name="U-Turn Arrow 28"/>
+          <p:cNvSpPr/>
+          <p:nvPr/>
+        </p:nvSpPr>
+        <p:spPr>
+          <a:xfrm rot="10800000" flipH="1">
+            <a:off x="7626699" y="4866639"/>
+            <a:ext cx="3868615" cy="1504016"/>
+          </a:xfrm>
+          <a:prstGeom prst="uturnArrow">
+            <a:avLst>
+              <a:gd name="adj1" fmla="val 8298"/>
+              <a:gd name="adj2" fmla="val 9300"/>
+              <a:gd name="adj3" fmla="val 8966"/>
+              <a:gd name="adj4" fmla="val 33060"/>
+              <a:gd name="adj5" fmla="val 56961"/>
+            </a:avLst>
+          </a:prstGeom>
+        </p:spPr>
+        <p:style>
+          <a:lnRef idx="2">
+            <a:schemeClr val="accent3">
+              <a:shade val="50000"/>
+            </a:schemeClr>
+          </a:lnRef>
+          <a:fillRef idx="1">
+            <a:schemeClr val="accent3"/>
+          </a:fillRef>
+          <a:effectRef idx="0">
+            <a:schemeClr val="accent3"/>
+          </a:effectRef>
+          <a:fontRef idx="minor">
+            <a:schemeClr val="lt1"/>
+          </a:fontRef>
+        </p:style>
+        <p:txBody>
+          <a:bodyPr rtlCol="0" anchor="ctr"/>
+          <a:lstStyle/>
+          <a:p>
+            <a:pPr algn="ctr"/>
+            <a:endParaRPr lang="en-US">
+              <a:solidFill>
+                <a:schemeClr val="tx1"/>
+              </a:solidFill>
+            </a:endParaRPr>
+          </a:p>
+        </p:txBody>
+      </p:sp>
+      <p:sp>
+        <p:nvSpPr>
+          <p:cNvPr id="47" name="U-Turn Arrow 46"/>
+          <p:cNvSpPr/>
+          <p:nvPr/>
+        </p:nvSpPr>
+        <p:spPr>
+          <a:xfrm rot="10800000" flipH="1">
+            <a:off x="7920916" y="4872360"/>
+            <a:ext cx="2331396" cy="1237036"/>
+          </a:xfrm>
+          <a:prstGeom prst="uturnArrow">
+            <a:avLst>
+              <a:gd name="adj1" fmla="val 11268"/>
+              <a:gd name="adj2" fmla="val 13077"/>
+              <a:gd name="adj3" fmla="val 13103"/>
+              <a:gd name="adj4" fmla="val 56410"/>
+              <a:gd name="adj5" fmla="val 49153"/>
+            </a:avLst>
+          </a:prstGeom>
+        </p:spPr>
+        <p:style>
+          <a:lnRef idx="2">
+            <a:schemeClr val="accent3">
+              <a:shade val="50000"/>
+            </a:schemeClr>
+          </a:lnRef>
+          <a:fillRef idx="1">
+            <a:schemeClr val="accent3"/>
+          </a:fillRef>
+          <a:effectRef idx="0">
+            <a:schemeClr val="accent3"/>
+          </a:effectRef>
+          <a:fontRef idx="minor">
+            <a:schemeClr val="lt1"/>
+          </a:fontRef>
+        </p:style>
+        <p:txBody>
+          <a:bodyPr rtlCol="0" anchor="ctr"/>
+          <a:lstStyle/>
+          <a:p>
+            <a:pPr algn="ctr"/>
+            <a:endParaRPr lang="en-US">
+              <a:solidFill>
+                <a:schemeClr val="tx1"/>
+              </a:solidFill>
+            </a:endParaRPr>
+          </a:p>
+        </p:txBody>
+      </p:sp>
+      <p:sp>
+        <p:nvSpPr>
+          <p:cNvPr id="45" name="U-Turn Arrow 44"/>
+          <p:cNvSpPr/>
+          <p:nvPr/>
+        </p:nvSpPr>
+        <p:spPr>
+          <a:xfrm rot="10800000" flipH="1">
+            <a:off x="10329886" y="5506182"/>
+            <a:ext cx="1165427" cy="860686"/>
+          </a:xfrm>
+          <a:prstGeom prst="uturnArrow">
+            <a:avLst>
+              <a:gd name="adj1" fmla="val 15303"/>
+              <a:gd name="adj2" fmla="val 16305"/>
+              <a:gd name="adj3" fmla="val 17138"/>
+              <a:gd name="adj4" fmla="val 56410"/>
+              <a:gd name="adj5" fmla="val 100000"/>
+            </a:avLst>
+          </a:prstGeom>
+        </p:spPr>
+        <p:style>
+          <a:lnRef idx="2">
+            <a:schemeClr val="accent3">
+              <a:shade val="50000"/>
+            </a:schemeClr>
+          </a:lnRef>
+          <a:fillRef idx="1">
+            <a:schemeClr val="accent3"/>
+          </a:fillRef>
+          <a:effectRef idx="0">
+            <a:schemeClr val="accent3"/>
+          </a:effectRef>
+          <a:fontRef idx="minor">
+            <a:schemeClr val="lt1"/>
+          </a:fontRef>
+        </p:style>
+        <p:txBody>
+          <a:bodyPr rtlCol="0" anchor="ctr"/>
+          <a:lstStyle/>
+          <a:p>
+            <a:pPr algn="ctr"/>
+            <a:endParaRPr lang="en-US">
+              <a:solidFill>
+                <a:schemeClr val="tx1"/>
+              </a:solidFill>
+            </a:endParaRPr>
           </a:p>
         </p:txBody>
       </p:sp>
     </p:spTree>
     <p:extLst>
       <p:ext uri="{BB962C8B-B14F-4D97-AF65-F5344CB8AC3E}">
-        <p14:creationId xmlns:p14="http://schemas.microsoft.com/office/powerpoint/2010/main" val="3611956088"/>
+        <p14:creationId xmlns:p14="http://schemas.microsoft.com/office/powerpoint/2010/main" val="1829279924"/>
       </p:ext>
     </p:extLst>
   </p:cSld>
@@ -8323,7 +10488,7 @@
           <a:p>
             <a:r>
               <a:rPr lang="en-US" dirty="0" smtClean="0"/>
-              <a:t>A few features</a:t>
+              <a:t>Saving Images/Experiments</a:t>
             </a:r>
             <a:endParaRPr lang="en-US" dirty="0"/>
           </a:p>
@@ -8339,105 +10504,142 @@
             <p:ph idx="1"/>
           </p:nvPr>
         </p:nvSpPr>
-        <p:spPr/>
+        <p:spPr>
+          <a:xfrm>
+            <a:off x="838200" y="1825624"/>
+            <a:ext cx="10515600" cy="4933521"/>
+          </a:xfrm>
+        </p:spPr>
         <p:txBody>
           <a:bodyPr>
-            <a:normAutofit/>
+            <a:normAutofit fontScale="92500" lnSpcReduction="10000"/>
           </a:bodyPr>
           <a:lstStyle/>
           <a:p>
             <a:r>
               <a:rPr lang="en-US" sz="2000" dirty="0" smtClean="0"/>
-              <a:t>Stage visualization</a:t>
+              <a:t>Loaded autosave modules are saved after every snapshot, but not on save button.</a:t>
+            </a:r>
+          </a:p>
+          <a:p>
+            <a:r>
+              <a:rPr lang="en-US" sz="2000" dirty="0" smtClean="0"/>
+              <a:t>Loaded modules that have autosave set to false are only saved on save button.</a:t>
+            </a:r>
+          </a:p>
+          <a:p>
+            <a:r>
+              <a:rPr lang="en-US" sz="2000" dirty="0" smtClean="0"/>
+              <a:t>Before the data struct is passed to the database module, if git is present, it will add a struct element called “GitData” which specifies branch, commit id, </a:t>
+            </a:r>
+            <a:r>
+              <a:rPr lang="en-US" sz="2000" smtClean="0"/>
+              <a:t>remote repo, and err if uncommitted files.</a:t>
+            </a:r>
+            <a:endParaRPr lang="en-US" sz="2000" dirty="0" smtClean="0"/>
+          </a:p>
+          <a:p>
+            <a:r>
+              <a:rPr lang="en-US" sz="2000" dirty="0" smtClean="0"/>
+              <a:t>Images</a:t>
             </a:r>
           </a:p>
           <a:p>
             <a:pPr lvl="1"/>
             <a:r>
-              <a:rPr lang="en-US" sz="1800" dirty="0" smtClean="0"/>
-              <a:t>The stage visualizer opens a new figure with a 3D model showing each of your stage bounds, and the current position.  The semi-transparent plane shows current z plane.</a:t>
+              <a:rPr lang="en-US" sz="1600" dirty="0" smtClean="0"/>
+              <a:t>SmartImage manages active images to integrate with stage and imager ROI.</a:t>
             </a:r>
           </a:p>
           <a:p>
             <a:pPr lvl="1"/>
             <a:r>
-              <a:rPr lang="en-US" sz="1800" dirty="0" smtClean="0"/>
-              <a:t>The camera will always be trained on the current position.  You can rotate the field of view by dragging. </a:t>
+              <a:rPr lang="en-US" sz="1600" dirty="0" smtClean="0"/>
+              <a:t>Upon save, the info part of the SmartImage is passed to the Database module.</a:t>
             </a:r>
           </a:p>
           <a:p>
             <a:pPr lvl="1"/>
             <a:r>
-              <a:rPr lang="en-US" sz="1800" dirty="0" smtClean="0"/>
-              <a:t>You can zoom by selcting the zoom button and dragging up or down.</a:t>
+              <a:rPr lang="en-US" sz="1600" dirty="0" smtClean="0"/>
+              <a:t>The fields of the struct (this is done in SmartImage):</a:t>
+            </a:r>
+          </a:p>
+          <a:p>
+            <a:pPr lvl="2"/>
+            <a:r>
+              <a:rPr lang="en-US" sz="1200" dirty="0" smtClean="0"/>
+              <a:t>Image (the data array)</a:t>
+            </a:r>
+          </a:p>
+          <a:p>
+            <a:pPr lvl="2"/>
+            <a:r>
+              <a:rPr lang="en-US" sz="1200" dirty="0" smtClean="0"/>
+              <a:t>stagePos (the global location of the stage when taken or NaN if no stage was used).</a:t>
+            </a:r>
+          </a:p>
+          <a:p>
+            <a:pPr lvl="2"/>
+            <a:r>
+              <a:rPr lang="en-US" sz="1200" dirty="0" smtClean="0"/>
+              <a:t>Stage (cell array of stages as strings that were used when taken)</a:t>
+            </a:r>
+          </a:p>
+          <a:p>
+            <a:pPr lvl="2"/>
+            <a:r>
+              <a:rPr lang="en-US" sz="1200" dirty="0" smtClean="0"/>
+              <a:t>realPos (the real position on the sample if QR codes are used)</a:t>
+            </a:r>
+          </a:p>
+          <a:p>
+            <a:pPr lvl="2"/>
+            <a:r>
+              <a:rPr lang="en-US" sz="1200" dirty="0" smtClean="0"/>
+              <a:t>ROI (the x and y information of the image when taken)</a:t>
+            </a:r>
+          </a:p>
+          <a:p>
+            <a:pPr lvl="2"/>
+            <a:r>
+              <a:rPr lang="en-US" sz="1200" dirty="0" smtClean="0"/>
+              <a:t>ModuleInfo – a structure with all the public fields of the module used to acquire the image (ignores objects).</a:t>
+            </a:r>
+          </a:p>
+          <a:p>
+            <a:r>
+              <a:rPr lang="en-US" sz="2000" dirty="0" smtClean="0"/>
+              <a:t>Experiments</a:t>
             </a:r>
           </a:p>
           <a:p>
             <a:pPr lvl="1"/>
             <a:r>
-              <a:rPr lang="en-US" sz="1800" dirty="0" smtClean="0"/>
-              <a:t>Provides real-position updates at </a:t>
-            </a:r>
-            <a:r>
-              <a:rPr lang="en-US" sz="1800" smtClean="0"/>
-              <a:t>10 fps.</a:t>
-            </a:r>
-            <a:endParaRPr lang="en-US" sz="1800" dirty="0" smtClean="0"/>
-          </a:p>
-          <a:p>
-            <a:r>
-              <a:rPr lang="en-US" sz="2000" dirty="0" smtClean="0"/>
-              <a:t>SmartImage</a:t>
-            </a:r>
-          </a:p>
-          <a:p>
-            <a:pPr lvl="1"/>
-            <a:r>
-              <a:rPr lang="en-US" sz="1800" dirty="0" smtClean="0"/>
-              <a:t>If the image was taken with the current stack of stages:</a:t>
-            </a:r>
-          </a:p>
-          <a:p>
-            <a:pPr lvl="2"/>
-            <a:r>
               <a:rPr lang="en-US" sz="1600" dirty="0" smtClean="0"/>
-              <a:t>Double click to jog the active stage to clicked position.</a:t>
-            </a:r>
-          </a:p>
-          <a:p>
-            <a:pPr lvl="1"/>
-            <a:r>
-              <a:rPr lang="en-US" sz="1800" dirty="0" smtClean="0"/>
-              <a:t>Right click to pop image out or adjust brightness/contrast.</a:t>
-            </a:r>
-          </a:p>
-          <a:p>
-            <a:pPr lvl="1"/>
-            <a:r>
-              <a:rPr lang="en-US" sz="1800" dirty="0" smtClean="0"/>
-              <a:t>Click on part of the ROI to get a context menu that allows you to change some properties of it.</a:t>
-            </a:r>
-          </a:p>
-          <a:p>
-            <a:pPr lvl="2"/>
-            <a:r>
-              <a:rPr lang="en-US" sz="1400" dirty="0" smtClean="0"/>
-              <a:t>This also allows you to have the ROI be relative to the coordiantes of the current image, or reflect the actual position it is currently set to.</a:t>
-            </a:r>
-            <a:endParaRPr lang="en-US" sz="1400" dirty="0"/>
+              <a:t>CommandCenter queries your experiment module for data after an experiment finishes without being aborted.  Whatever is returned from this function call is passed to the database module.  All important parameters should be included in the structure returned by your module.</a:t>
+            </a:r>
+            <a:endParaRPr lang="en-US" sz="1200" dirty="0"/>
           </a:p>
         </p:txBody>
       </p:sp>
     </p:spTree>
     <p:extLst>
       <p:ext uri="{BB962C8B-B14F-4D97-AF65-F5344CB8AC3E}">
-        <p14:creationId xmlns:p14="http://schemas.microsoft.com/office/powerpoint/2010/main" val="2196777359"/>
+        <p14:creationId xmlns:p14="http://schemas.microsoft.com/office/powerpoint/2010/main" val="3611956088"/>
       </p:ext>
     </p:extLst>
   </p:cSld>
   <p:clrMapOvr>
     <a:masterClrMapping/>
   </p:clrMapOvr>
+  <p:timing>
+    <p:tnLst>
+      <p:par>
+        <p:cTn id="1" dur="indefinite" restart="never" nodeType="tmRoot"/>
+      </p:par>
+    </p:tnLst>
+  </p:timing>
 </p:sld>
 </file>
 
@@ -8475,6 +10677,158 @@
           <a:p>
             <a:r>
               <a:rPr lang="en-US" dirty="0" smtClean="0"/>
+              <a:t>A few features</a:t>
+            </a:r>
+            <a:endParaRPr lang="en-US" dirty="0"/>
+          </a:p>
+        </p:txBody>
+      </p:sp>
+      <p:sp>
+        <p:nvSpPr>
+          <p:cNvPr id="3" name="Content Placeholder 2"/>
+          <p:cNvSpPr>
+            <a:spLocks noGrp="1"/>
+          </p:cNvSpPr>
+          <p:nvPr>
+            <p:ph idx="1"/>
+          </p:nvPr>
+        </p:nvSpPr>
+        <p:spPr/>
+        <p:txBody>
+          <a:bodyPr>
+            <a:normAutofit/>
+          </a:bodyPr>
+          <a:lstStyle/>
+          <a:p>
+            <a:r>
+              <a:rPr lang="en-US" sz="2000" dirty="0" smtClean="0"/>
+              <a:t>Stage visualization</a:t>
+            </a:r>
+          </a:p>
+          <a:p>
+            <a:pPr lvl="1"/>
+            <a:r>
+              <a:rPr lang="en-US" sz="1800" dirty="0" smtClean="0"/>
+              <a:t>The stage visualizer opens a new figure with a 3D model showing each of your stage bounds, and the current position.  The semi-transparent plane shows current z plane.</a:t>
+            </a:r>
+          </a:p>
+          <a:p>
+            <a:pPr lvl="1"/>
+            <a:r>
+              <a:rPr lang="en-US" sz="1800" dirty="0" smtClean="0"/>
+              <a:t>The camera will always be trained on the current position.  You can rotate the field of view by dragging. </a:t>
+            </a:r>
+          </a:p>
+          <a:p>
+            <a:pPr lvl="1"/>
+            <a:r>
+              <a:rPr lang="en-US" sz="1800" dirty="0" smtClean="0"/>
+              <a:t>You can zoom by selcting the zoom button and dragging up or down.</a:t>
+            </a:r>
+          </a:p>
+          <a:p>
+            <a:pPr lvl="1"/>
+            <a:r>
+              <a:rPr lang="en-US" sz="1800" dirty="0" smtClean="0"/>
+              <a:t>Provides real-position updates at </a:t>
+            </a:r>
+            <a:r>
+              <a:rPr lang="en-US" sz="1800" smtClean="0"/>
+              <a:t>10 fps.</a:t>
+            </a:r>
+            <a:endParaRPr lang="en-US" sz="1800" dirty="0" smtClean="0"/>
+          </a:p>
+          <a:p>
+            <a:r>
+              <a:rPr lang="en-US" sz="2000" dirty="0" smtClean="0"/>
+              <a:t>SmartImage</a:t>
+            </a:r>
+          </a:p>
+          <a:p>
+            <a:pPr lvl="1"/>
+            <a:r>
+              <a:rPr lang="en-US" sz="1800" dirty="0" smtClean="0"/>
+              <a:t>If the image was taken with the current stack of stages:</a:t>
+            </a:r>
+          </a:p>
+          <a:p>
+            <a:pPr lvl="2"/>
+            <a:r>
+              <a:rPr lang="en-US" sz="1600" dirty="0" smtClean="0"/>
+              <a:t>Double click to jog the active stage to clicked position.</a:t>
+            </a:r>
+          </a:p>
+          <a:p>
+            <a:pPr lvl="1"/>
+            <a:r>
+              <a:rPr lang="en-US" sz="1800" dirty="0" smtClean="0"/>
+              <a:t>Right click to pop image out or adjust brightness/contrast.</a:t>
+            </a:r>
+          </a:p>
+          <a:p>
+            <a:pPr lvl="1"/>
+            <a:r>
+              <a:rPr lang="en-US" sz="1800" dirty="0" smtClean="0"/>
+              <a:t>Click on part of the ROI to get a context menu that allows you to change some properties of it.</a:t>
+            </a:r>
+          </a:p>
+          <a:p>
+            <a:pPr lvl="2"/>
+            <a:r>
+              <a:rPr lang="en-US" sz="1400" dirty="0" smtClean="0"/>
+              <a:t>This also allows you to have the ROI be relative to the coordiantes of the current image, or reflect the actual position it is currently set to.</a:t>
+            </a:r>
+            <a:endParaRPr lang="en-US" sz="1400" dirty="0"/>
+          </a:p>
+        </p:txBody>
+      </p:sp>
+    </p:spTree>
+    <p:extLst>
+      <p:ext uri="{BB962C8B-B14F-4D97-AF65-F5344CB8AC3E}">
+        <p14:creationId xmlns:p14="http://schemas.microsoft.com/office/powerpoint/2010/main" val="2196777359"/>
+      </p:ext>
+    </p:extLst>
+  </p:cSld>
+  <p:clrMapOvr>
+    <a:masterClrMapping/>
+  </p:clrMapOvr>
+</p:sld>
+</file>
+
+<file path=ppt/slides/slide5.xml><?xml version="1.0" encoding="utf-8"?>
+<p:sld xmlns:a="http://schemas.openxmlformats.org/drawingml/2006/main" xmlns:r="http://schemas.openxmlformats.org/officeDocument/2006/relationships" xmlns:p="http://schemas.openxmlformats.org/presentationml/2006/main">
+  <p:cSld>
+    <p:spTree>
+      <p:nvGrpSpPr>
+        <p:cNvPr id="1" name=""/>
+        <p:cNvGrpSpPr/>
+        <p:nvPr/>
+      </p:nvGrpSpPr>
+      <p:grpSpPr>
+        <a:xfrm>
+          <a:off x="0" y="0"/>
+          <a:ext cx="0" cy="0"/>
+          <a:chOff x="0" y="0"/>
+          <a:chExt cx="0" cy="0"/>
+        </a:xfrm>
+      </p:grpSpPr>
+      <p:sp>
+        <p:nvSpPr>
+          <p:cNvPr id="2" name="Title 1"/>
+          <p:cNvSpPr>
+            <a:spLocks noGrp="1"/>
+          </p:cNvSpPr>
+          <p:nvPr>
+            <p:ph type="title"/>
+          </p:nvPr>
+        </p:nvSpPr>
+        <p:spPr/>
+        <p:txBody>
+          <a:bodyPr/>
+          <a:lstStyle/>
+          <a:p>
+            <a:r>
+              <a:rPr lang="en-US" dirty="0" smtClean="0"/>
               <a:t>Manager Technical Info (home of modules)</a:t>
             </a:r>
             <a:endParaRPr lang="en-US" dirty="0"/>
@@ -8681,7 +11035,7 @@
 </p:sld>
 </file>
 
-<file path=ppt/slides/slide5.xml><?xml version="1.0" encoding="utf-8"?>
+<file path=ppt/slides/slide6.xml><?xml version="1.0" encoding="utf-8"?>
 <p:sld xmlns:a="http://schemas.openxmlformats.org/drawingml/2006/main" xmlns:r="http://schemas.openxmlformats.org/officeDocument/2006/relationships" xmlns:p="http://schemas.openxmlformats.org/presentationml/2006/main">
   <p:cSld>
     <p:spTree>
@@ -8813,7 +11167,7 @@
 </p:sld>
 </file>
 
-<file path=ppt/slides/slide6.xml><?xml version="1.0" encoding="utf-8"?>
+<file path=ppt/slides/slide7.xml><?xml version="1.0" encoding="utf-8"?>
 <p:sld xmlns:a="http://schemas.openxmlformats.org/drawingml/2006/main" xmlns:r="http://schemas.openxmlformats.org/officeDocument/2006/relationships" xmlns:p="http://schemas.openxmlformats.org/presentationml/2006/main">
   <p:cSld>
     <p:spTree>
@@ -10531,7 +12885,7 @@
 </p:sld>
 </file>
 
-<file path=ppt/slides/slide7.xml><?xml version="1.0" encoding="utf-8"?>
+<file path=ppt/slides/slide8.xml><?xml version="1.0" encoding="utf-8"?>
 <p:sld xmlns:a="http://schemas.openxmlformats.org/drawingml/2006/main" xmlns:r="http://schemas.openxmlformats.org/officeDocument/2006/relationships" xmlns:p="http://schemas.openxmlformats.org/presentationml/2006/main">
   <p:cSld>
     <p:spTree>
@@ -10698,143 +13052,6 @@
 </p:sld>
 </file>
 
-<file path=ppt/slides/slide8.xml><?xml version="1.0" encoding="utf-8"?>
-<p:sld xmlns:a="http://schemas.openxmlformats.org/drawingml/2006/main" xmlns:r="http://schemas.openxmlformats.org/officeDocument/2006/relationships" xmlns:p="http://schemas.openxmlformats.org/presentationml/2006/main">
-  <p:cSld>
-    <p:spTree>
-      <p:nvGrpSpPr>
-        <p:cNvPr id="1" name=""/>
-        <p:cNvGrpSpPr/>
-        <p:nvPr/>
-      </p:nvGrpSpPr>
-      <p:grpSpPr>
-        <a:xfrm>
-          <a:off x="0" y="0"/>
-          <a:ext cx="0" cy="0"/>
-          <a:chOff x="0" y="0"/>
-          <a:chExt cx="0" cy="0"/>
-        </a:xfrm>
-      </p:grpSpPr>
-      <p:sp>
-        <p:nvSpPr>
-          <p:cNvPr id="2" name="Title 1"/>
-          <p:cNvSpPr>
-            <a:spLocks noGrp="1"/>
-          </p:cNvSpPr>
-          <p:nvPr>
-            <p:ph type="title"/>
-          </p:nvPr>
-        </p:nvSpPr>
-        <p:spPr/>
-        <p:txBody>
-          <a:bodyPr/>
-          <a:lstStyle/>
-          <a:p>
-            <a:r>
-              <a:rPr lang="en-US" dirty="0" smtClean="0"/>
-              <a:t>Module Custom GUI Settings and long-term memory</a:t>
-            </a:r>
-            <a:endParaRPr lang="en-US" dirty="0"/>
-          </a:p>
-        </p:txBody>
-      </p:sp>
-      <p:sp>
-        <p:nvSpPr>
-          <p:cNvPr id="3" name="Content Placeholder 2"/>
-          <p:cNvSpPr>
-            <a:spLocks noGrp="1"/>
-          </p:cNvSpPr>
-          <p:nvPr>
-            <p:ph idx="1"/>
-          </p:nvPr>
-        </p:nvSpPr>
-        <p:spPr>
-          <a:xfrm>
-            <a:off x="838200" y="1825622"/>
-            <a:ext cx="10515600" cy="4280979"/>
-          </a:xfrm>
-        </p:spPr>
-        <p:txBody>
-          <a:bodyPr>
-            <a:normAutofit/>
-          </a:bodyPr>
-          <a:lstStyle/>
-          <a:p>
-            <a:r>
-              <a:rPr lang="en-US" sz="2000" dirty="0" smtClean="0"/>
-              <a:t>Every module has one additional method:</a:t>
-            </a:r>
-          </a:p>
-          <a:p>
-            <a:pPr lvl="1"/>
-            <a:r>
-              <a:rPr lang="en-US" sz="1800" dirty="0" smtClean="0"/>
-              <a:t>settings(obj,panelH)</a:t>
-            </a:r>
-          </a:p>
-          <a:p>
-            <a:pPr lvl="2"/>
-            <a:r>
-              <a:rPr lang="en-US" sz="1600" dirty="0" smtClean="0"/>
-              <a:t>panelH is the handle to a panel object that is checked and rendered by CommandCenter.</a:t>
-            </a:r>
-          </a:p>
-          <a:p>
-            <a:pPr lvl="2"/>
-            <a:r>
-              <a:rPr lang="en-US" sz="1600" dirty="0" smtClean="0"/>
-              <a:t>You should add any GUI elements that you want to it.  Their callbacks should live in the module, and be callable by an outside source (e.g. don’t make Access=private).</a:t>
-            </a:r>
-          </a:p>
-          <a:p>
-            <a:pPr lvl="3"/>
-            <a:r>
-              <a:rPr lang="en-US" sz="1400" dirty="0" smtClean="0"/>
-              <a:t>If the callback goes to a property object method, it will not work.  Just wrap that method in the module with the settings.</a:t>
-            </a:r>
-          </a:p>
-          <a:p>
-            <a:r>
-              <a:rPr lang="en-US" sz="2000" dirty="0" smtClean="0"/>
-              <a:t>Every module has an optional property “prefs”.  If defined, upon destruction, it will save all the class properties that are listed in “prefs”.  Note, the properties listed must be public (they can be hidden though).</a:t>
-            </a:r>
-          </a:p>
-          <a:p>
-            <a:pPr lvl="1"/>
-            <a:r>
-              <a:rPr lang="en-US" sz="1600" dirty="0" smtClean="0"/>
-              <a:t>prefs can be loaded anytime by calling obj.loadPrefs.  This should probably be done in the constructor.</a:t>
-            </a:r>
-          </a:p>
-          <a:p>
-            <a:pPr lvl="1"/>
-            <a:r>
-              <a:rPr lang="en-US" sz="1600" dirty="0" smtClean="0"/>
-              <a:t>Errors will be supressed to warnings.</a:t>
-            </a:r>
-            <a:endParaRPr lang="en-US" sz="1200" dirty="0"/>
-          </a:p>
-          <a:p>
-            <a:r>
-              <a:rPr lang="en-US" sz="2000" dirty="0" smtClean="0"/>
-              <a:t>All modules have a protected logger property.  This allows users to log custom events if desired.  Note, managers do some logging as well, so it might be redundant – one exception is the stage manager, which does not do any logging of movements.</a:t>
-            </a:r>
-          </a:p>
-        </p:txBody>
-      </p:sp>
-    </p:spTree>
-    <p:extLst>
-      <p:ext uri="{BB962C8B-B14F-4D97-AF65-F5344CB8AC3E}">
-        <p14:creationId xmlns:p14="http://schemas.microsoft.com/office/powerpoint/2010/main" val="1731313817"/>
-      </p:ext>
-    </p:extLst>
-  </p:cSld>
-  <p:clrMapOvr>
-    <a:masterClrMapping/>
-  </p:clrMapOvr>
-</p:sld>
-</file>
-
 <file path=ppt/slides/slide9.xml><?xml version="1.0" encoding="utf-8"?>
 <p:sld xmlns:a="http://schemas.openxmlformats.org/drawingml/2006/main" xmlns:r="http://schemas.openxmlformats.org/officeDocument/2006/relationships" xmlns:p="http://schemas.openxmlformats.org/presentationml/2006/main">
   <p:cSld>
@@ -10869,7 +13086,7 @@
           <a:p>
             <a:r>
               <a:rPr lang="en-US" dirty="0" smtClean="0"/>
-              <a:t>Modules Settings (Cont.)</a:t>
+              <a:t>Module Custom GUI Settings and long-term memory</a:t>
             </a:r>
             <a:endParaRPr lang="en-US" dirty="0"/>
           </a:p>
@@ -10887,225 +13104,82 @@
         </p:nvSpPr>
         <p:spPr>
           <a:xfrm>
-            <a:off x="671947" y="1555668"/>
-            <a:ext cx="11353800" cy="5302332"/>
+            <a:off x="838200" y="1825622"/>
+            <a:ext cx="10515600" cy="4280979"/>
           </a:xfrm>
         </p:spPr>
         <p:txBody>
           <a:bodyPr>
-            <a:normAutofit fontScale="92500"/>
+            <a:normAutofit/>
           </a:bodyPr>
           <a:lstStyle/>
           <a:p>
             <a:r>
               <a:rPr lang="en-US" sz="2000" dirty="0" smtClean="0"/>
-              <a:t>This method is defined in the Base.Module class which is inherited.  The user can certainly overwrite it to provide more custom functionality.  It can also be called and will return handles.</a:t>
+              <a:t>Every module has one additional method:</a:t>
+            </a:r>
+          </a:p>
+          <a:p>
+            <a:pPr lvl="1"/>
+            <a:r>
+              <a:rPr lang="en-US" sz="1800" dirty="0" smtClean="0"/>
+              <a:t>settings(obj,panelH)</a:t>
+            </a:r>
+          </a:p>
+          <a:p>
+            <a:pPr lvl="2"/>
+            <a:r>
+              <a:rPr lang="en-US" sz="1600" dirty="0" smtClean="0"/>
+              <a:t>panelH is the handle to a panel object that is checked and rendered by CommandCenter.</a:t>
+            </a:r>
+          </a:p>
+          <a:p>
+            <a:pPr lvl="2"/>
+            <a:r>
+              <a:rPr lang="en-US" sz="1600" dirty="0" smtClean="0"/>
+              <a:t>You should add any GUI elements that you want to it.  Their callbacks should live in the module, and be callable by an outside source (e.g. don’t make Access=private).</a:t>
+            </a:r>
+          </a:p>
+          <a:p>
+            <a:pPr lvl="3"/>
+            <a:r>
+              <a:rPr lang="en-US" sz="1400" dirty="0" smtClean="0"/>
+              <a:t>If the callback goes to a property object method, it will not work.  Just wrap that method in the module with the settings.</a:t>
             </a:r>
           </a:p>
           <a:p>
             <a:r>
               <a:rPr lang="en-US" sz="2000" dirty="0" smtClean="0"/>
-              <a:t>The other option is to use the default </a:t>
-            </a:r>
+              <a:t>Every module has an optional property “prefs”.  If defined, upon destruction, it will save all the class properties that are listed in “prefs”.  Note, the properties listed must be public (they can be hidden though).</a:t>
+            </a:r>
+          </a:p>
+          <a:p>
+            <a:pPr lvl="1"/>
+            <a:r>
+              <a:rPr lang="en-US" sz="1600" dirty="0" smtClean="0"/>
+              <a:t>prefs can be loaded anytime by calling obj.loadPrefs.  This should probably be done in the constructor.</a:t>
+            </a:r>
+          </a:p>
+          <a:p>
+            <a:pPr lvl="1"/>
+            <a:r>
+              <a:rPr lang="en-US" sz="1600" dirty="0" smtClean="0"/>
+              <a:t>Errors will be supressed to warnings.</a:t>
+            </a:r>
+            <a:endParaRPr lang="en-US" sz="1200" dirty="0"/>
+          </a:p>
+          <a:p>
             <a:r>
               <a:rPr lang="en-US" sz="2000" dirty="0" smtClean="0"/>
-              <a:t>functionality </a:t>
-            </a:r>
-            <a:r>
-              <a:rPr lang="en-US" sz="2000" dirty="0" smtClean="0"/>
-              <a:t>(note any </a:t>
-            </a:r>
-            <a:r>
-              <a:rPr lang="en-US" sz="2000" dirty="0" err="1" smtClean="0"/>
-              <a:t>prefs</a:t>
-            </a:r>
-            <a:r>
-              <a:rPr lang="en-US" sz="2000" dirty="0" smtClean="0"/>
-              <a:t> used have to be </a:t>
-            </a:r>
-            <a:r>
-              <a:rPr lang="en-US" sz="2000" dirty="0" smtClean="0"/>
-              <a:t>accessible outside the class):</a:t>
-            </a:r>
-            <a:endParaRPr lang="en-US" sz="1600" dirty="0" smtClean="0"/>
-          </a:p>
-          <a:p>
-            <a:pPr lvl="1"/>
-            <a:r>
-              <a:rPr lang="en-US" sz="1600" dirty="0" smtClean="0"/>
-              <a:t>This will look for </a:t>
-            </a:r>
-            <a:r>
-              <a:rPr lang="en-US" sz="1600" dirty="0" err="1" smtClean="0"/>
-              <a:t>prefs</a:t>
-            </a:r>
-            <a:r>
-              <a:rPr lang="en-US" sz="1600" dirty="0" smtClean="0"/>
-              <a:t>, but can be overridden by </a:t>
-            </a:r>
-            <a:r>
-              <a:rPr lang="en-US" sz="1600" dirty="0" err="1" smtClean="0"/>
-              <a:t>show_prefs</a:t>
-            </a:r>
-            <a:r>
-              <a:rPr lang="en-US" sz="1600" dirty="0" smtClean="0"/>
-              <a:t>.  This is the order they will be displayed as well.</a:t>
-            </a:r>
-          </a:p>
-          <a:p>
-            <a:pPr lvl="1"/>
-            <a:r>
-              <a:rPr lang="en-US" sz="1600" dirty="0" smtClean="0"/>
-              <a:t>The name in the GUI will be the name of property with underscores replaced as spaces.</a:t>
-            </a:r>
-          </a:p>
-          <a:p>
-            <a:pPr lvl="1"/>
-            <a:r>
-              <a:rPr lang="en-US" sz="1600" dirty="0" smtClean="0"/>
-              <a:t>If a default value is specified, it will try and choose the best UI input type</a:t>
-            </a:r>
-          </a:p>
-          <a:p>
-            <a:pPr lvl="1"/>
-            <a:r>
-              <a:rPr lang="en-US" sz="1600" dirty="0" smtClean="0"/>
-              <a:t>If no default value is specified, it will use a string.  Knowing this, you can use the set.property method to cast to appropriate type.</a:t>
-            </a:r>
-          </a:p>
-          <a:p>
-            <a:pPr lvl="1"/>
-            <a:r>
-              <a:rPr lang="en-US" sz="1600" dirty="0" smtClean="0"/>
-              <a:t>If the default value is a cell array </a:t>
-            </a:r>
-            <a:r>
-              <a:rPr lang="mr-IN" sz="1600" dirty="0" smtClean="0"/>
-              <a:t>–</a:t>
-            </a:r>
-            <a:r>
-              <a:rPr lang="en-US" sz="1600" dirty="0" smtClean="0"/>
-              <a:t> it will assume this means multiple choice.  If no choice has been selected when settings are initialized, it will default to first value</a:t>
-            </a:r>
-            <a:r>
-              <a:rPr lang="en-US" sz="1600" dirty="0" smtClean="0"/>
-              <a:t>.</a:t>
-            </a:r>
-          </a:p>
-          <a:p>
-            <a:pPr lvl="1"/>
-            <a:r>
-              <a:rPr lang="en-US" sz="1600" dirty="0" smtClean="0"/>
-              <a:t>If the default value is a function handle </a:t>
-            </a:r>
-            <a:r>
-              <a:rPr lang="mr-IN" sz="1600" dirty="0" smtClean="0"/>
-              <a:t>–</a:t>
-            </a:r>
-            <a:r>
-              <a:rPr lang="en-US" sz="1600" dirty="0" smtClean="0"/>
-              <a:t> it will assume this means multiple choice. The function will be called to get the options.  This function should take no inputs, and return a cell array with char/numeric.</a:t>
-            </a:r>
-            <a:endParaRPr lang="en-US" sz="1600" dirty="0"/>
-          </a:p>
-          <a:p>
-            <a:pPr lvl="1"/>
-            <a:r>
-              <a:rPr lang="en-US" sz="1600" dirty="0" smtClean="0"/>
-              <a:t>It will use a generic callback that tries to set the property with the value in the input field.</a:t>
-            </a:r>
-          </a:p>
-          <a:p>
-            <a:pPr lvl="1"/>
-            <a:r>
-              <a:rPr lang="en-US" sz="1600" dirty="0" smtClean="0"/>
-              <a:t>Listeners will then update the GUI to the value actually set.  </a:t>
-            </a:r>
-            <a:r>
-              <a:rPr lang="en-US" sz="1600" dirty="0" err="1"/>
-              <a:t>s</a:t>
-            </a:r>
-            <a:r>
-              <a:rPr lang="en-US" sz="1600" dirty="0" err="1" smtClean="0"/>
-              <a:t>et.property</a:t>
-            </a:r>
-            <a:r>
-              <a:rPr lang="en-US" sz="1600" dirty="0" smtClean="0"/>
-              <a:t> methods can be used to validate input or set property of other objects</a:t>
-            </a:r>
-            <a:r>
-              <a:rPr lang="en-US" sz="1600" dirty="0" smtClean="0"/>
-              <a:t>.  NOTE: this also updates the GUI with ANY modification of these parameters.</a:t>
-            </a:r>
-          </a:p>
-          <a:p>
-            <a:pPr lvl="2"/>
-            <a:r>
-              <a:rPr lang="en-US" sz="1200" dirty="0" smtClean="0"/>
-              <a:t>If a property has a </a:t>
-            </a:r>
-            <a:r>
-              <a:rPr lang="en-US" sz="1200" dirty="0" err="1" smtClean="0"/>
-              <a:t>set.method</a:t>
-            </a:r>
-            <a:r>
-              <a:rPr lang="en-US" sz="1200" dirty="0" smtClean="0"/>
-              <a:t> to update a different object’s property, the USER should setup a listener to this property as well to keep up to date. See </a:t>
-            </a:r>
-            <a:r>
-              <a:rPr lang="en-US" sz="1200" dirty="0" err="1" smtClean="0"/>
-              <a:t>updateprop.m</a:t>
-            </a:r>
-            <a:r>
-              <a:rPr lang="en-US" sz="1200" dirty="0" smtClean="0"/>
-              <a:t> to make this easier even (callback to streamline).</a:t>
-            </a:r>
-            <a:endParaRPr lang="en-US" sz="1200" dirty="0" smtClean="0"/>
-          </a:p>
-          <a:p>
-            <a:pPr lvl="1"/>
-            <a:r>
-              <a:rPr lang="en-US" sz="1600" dirty="0" smtClean="0"/>
-              <a:t>If output is requested, it will return the handle to the panel returned by </a:t>
-            </a:r>
-            <a:r>
-              <a:rPr lang="en-US" sz="1600" dirty="0" err="1" smtClean="0"/>
-              <a:t>Base.uicontrolgroup</a:t>
-            </a:r>
-            <a:r>
-              <a:rPr lang="en-US" sz="1600" dirty="0" smtClean="0"/>
-              <a:t>.</a:t>
-            </a:r>
-          </a:p>
-          <a:p>
-            <a:pPr lvl="1"/>
-            <a:r>
-              <a:rPr lang="en-US" sz="1600" dirty="0" smtClean="0"/>
-              <a:t>TIP: make sure you use the set.property methods that MATLAB provides to clean input and assert correct formatting!</a:t>
-            </a:r>
-          </a:p>
-          <a:p>
-            <a:pPr lvl="1"/>
-            <a:r>
-              <a:rPr lang="en-US" sz="1600" dirty="0" smtClean="0"/>
-              <a:t>TIP: if you want your own callbacks, you can overwrite the settings method, call the super method then change the callbacks.  Look at </a:t>
-            </a:r>
-            <a:r>
-              <a:rPr lang="en-US" sz="1600" dirty="0" err="1" smtClean="0"/>
-              <a:t>Base.uicontrolgroup</a:t>
-            </a:r>
-            <a:r>
-              <a:rPr lang="en-US" sz="1600" dirty="0" smtClean="0"/>
-              <a:t> for details.</a:t>
-            </a:r>
-            <a:endParaRPr lang="en-US" sz="1600" dirty="0"/>
+              <a:t>All modules have a protected logger property.  This allows users to log custom events if desired.  Note, managers do some logging as well, so it might be redundant – one exception is the stage manager, which does not do any logging of movements.</a:t>
+            </a:r>
           </a:p>
         </p:txBody>
       </p:sp>
     </p:spTree>
     <p:extLst>
       <p:ext uri="{BB962C8B-B14F-4D97-AF65-F5344CB8AC3E}">
-        <p14:creationId xmlns:p14="http://schemas.microsoft.com/office/powerpoint/2010/main" val="2327677207"/>
+        <p14:creationId xmlns:p14="http://schemas.microsoft.com/office/powerpoint/2010/main" val="1731313817"/>
       </p:ext>
     </p:extLst>
   </p:cSld>
@@ -11374,4 +13448,265 @@
     </a:ext>
   </a:extLst>
 </a:theme>
+</file>
+
+<file path=ppt/theme/theme2.xml><?xml version="1.0" encoding="utf-8"?>
+<a:theme xmlns:a="http://schemas.openxmlformats.org/drawingml/2006/main" name="Office Theme">
+  <a:themeElements>
+    <a:clrScheme name="Office">
+      <a:dk1>
+        <a:sysClr val="windowText" lastClr="000000"/>
+      </a:dk1>
+      <a:lt1>
+        <a:sysClr val="window" lastClr="FFFFFF"/>
+      </a:lt1>
+      <a:dk2>
+        <a:srgbClr val="44546A"/>
+      </a:dk2>
+      <a:lt2>
+        <a:srgbClr val="E7E6E6"/>
+      </a:lt2>
+      <a:accent1>
+        <a:srgbClr val="4472C4"/>
+      </a:accent1>
+      <a:accent2>
+        <a:srgbClr val="ED7D31"/>
+      </a:accent2>
+      <a:accent3>
+        <a:srgbClr val="A5A5A5"/>
+      </a:accent3>
+      <a:accent4>
+        <a:srgbClr val="FFC000"/>
+      </a:accent4>
+      <a:accent5>
+        <a:srgbClr val="5B9BD5"/>
+      </a:accent5>
+      <a:accent6>
+        <a:srgbClr val="70AD47"/>
+      </a:accent6>
+      <a:hlink>
+        <a:srgbClr val="0563C1"/>
+      </a:hlink>
+      <a:folHlink>
+        <a:srgbClr val="954F72"/>
+      </a:folHlink>
+    </a:clrScheme>
+    <a:fontScheme name="Office">
+      <a:majorFont>
+        <a:latin typeface="Calibri Light" panose="020F0302020204030204"/>
+        <a:ea typeface=""/>
+        <a:cs typeface=""/>
+        <a:font script="Jpan" typeface="Yu Gothic Light"/>
+        <a:font script="Hang" typeface="맑은 고딕"/>
+        <a:font script="Hans" typeface="DengXian Light"/>
+        <a:font script="Hant" typeface="新細明體"/>
+        <a:font script="Arab" typeface="Times New Roman"/>
+        <a:font script="Hebr" typeface="Times New Roman"/>
+        <a:font script="Thai" typeface="Angsana New"/>
+        <a:font script="Ethi" typeface="Nyala"/>
+        <a:font script="Beng" typeface="Vrinda"/>
+        <a:font script="Gujr" typeface="Shruti"/>
+        <a:font script="Khmr" typeface="MoolBoran"/>
+        <a:font script="Knda" typeface="Tunga"/>
+        <a:font script="Guru" typeface="Raavi"/>
+        <a:font script="Cans" typeface="Euphemia"/>
+        <a:font script="Cher" typeface="Plantagenet Cherokee"/>
+        <a:font script="Yiii" typeface="Microsoft Yi Baiti"/>
+        <a:font script="Tibt" typeface="Microsoft Himalaya"/>
+        <a:font script="Thaa" typeface="MV Boli"/>
+        <a:font script="Deva" typeface="Mangal"/>
+        <a:font script="Telu" typeface="Gautami"/>
+        <a:font script="Taml" typeface="Latha"/>
+        <a:font script="Syrc" typeface="Estrangelo Edessa"/>
+        <a:font script="Orya" typeface="Kalinga"/>
+        <a:font script="Mlym" typeface="Kartika"/>
+        <a:font script="Laoo" typeface="DokChampa"/>
+        <a:font script="Sinh" typeface="Iskoola Pota"/>
+        <a:font script="Mong" typeface="Mongolian Baiti"/>
+        <a:font script="Viet" typeface="Times New Roman"/>
+        <a:font script="Uigh" typeface="Microsoft Uighur"/>
+        <a:font script="Geor" typeface="Sylfaen"/>
+      </a:majorFont>
+      <a:minorFont>
+        <a:latin typeface="Calibri" panose="020F0502020204030204"/>
+        <a:ea typeface=""/>
+        <a:cs typeface=""/>
+        <a:font script="Jpan" typeface="Yu Gothic"/>
+        <a:font script="Hang" typeface="맑은 고딕"/>
+        <a:font script="Hans" typeface="DengXian"/>
+        <a:font script="Hant" typeface="新細明體"/>
+        <a:font script="Arab" typeface="Arial"/>
+        <a:font script="Hebr" typeface="Arial"/>
+        <a:font script="Thai" typeface="Cordia New"/>
+        <a:font script="Ethi" typeface="Nyala"/>
+        <a:font script="Beng" typeface="Vrinda"/>
+        <a:font script="Gujr" typeface="Shruti"/>
+        <a:font script="Khmr" typeface="DaunPenh"/>
+        <a:font script="Knda" typeface="Tunga"/>
+        <a:font script="Guru" typeface="Raavi"/>
+        <a:font script="Cans" typeface="Euphemia"/>
+        <a:font script="Cher" typeface="Plantagenet Cherokee"/>
+        <a:font script="Yiii" typeface="Microsoft Yi Baiti"/>
+        <a:font script="Tibt" typeface="Microsoft Himalaya"/>
+        <a:font script="Thaa" typeface="MV Boli"/>
+        <a:font script="Deva" typeface="Mangal"/>
+        <a:font script="Telu" typeface="Gautami"/>
+        <a:font script="Taml" typeface="Latha"/>
+        <a:font script="Syrc" typeface="Estrangelo Edessa"/>
+        <a:font script="Orya" typeface="Kalinga"/>
+        <a:font script="Mlym" typeface="Kartika"/>
+        <a:font script="Laoo" typeface="DokChampa"/>
+        <a:font script="Sinh" typeface="Iskoola Pota"/>
+        <a:font script="Mong" typeface="Mongolian Baiti"/>
+        <a:font script="Viet" typeface="Arial"/>
+        <a:font script="Uigh" typeface="Microsoft Uighur"/>
+        <a:font script="Geor" typeface="Sylfaen"/>
+      </a:minorFont>
+    </a:fontScheme>
+    <a:fmtScheme name="Office">
+      <a:fillStyleLst>
+        <a:solidFill>
+          <a:schemeClr val="phClr"/>
+        </a:solidFill>
+        <a:gradFill rotWithShape="1">
+          <a:gsLst>
+            <a:gs pos="0">
+              <a:schemeClr val="phClr">
+                <a:lumMod val="110000"/>
+                <a:satMod val="105000"/>
+                <a:tint val="67000"/>
+              </a:schemeClr>
+            </a:gs>
+            <a:gs pos="50000">
+              <a:schemeClr val="phClr">
+                <a:lumMod val="105000"/>
+                <a:satMod val="103000"/>
+                <a:tint val="73000"/>
+              </a:schemeClr>
+            </a:gs>
+            <a:gs pos="100000">
+              <a:schemeClr val="phClr">
+                <a:lumMod val="105000"/>
+                <a:satMod val="109000"/>
+                <a:tint val="81000"/>
+              </a:schemeClr>
+            </a:gs>
+          </a:gsLst>
+          <a:lin ang="5400000" scaled="0"/>
+        </a:gradFill>
+        <a:gradFill rotWithShape="1">
+          <a:gsLst>
+            <a:gs pos="0">
+              <a:schemeClr val="phClr">
+                <a:satMod val="103000"/>
+                <a:lumMod val="102000"/>
+                <a:tint val="94000"/>
+              </a:schemeClr>
+            </a:gs>
+            <a:gs pos="50000">
+              <a:schemeClr val="phClr">
+                <a:satMod val="110000"/>
+                <a:lumMod val="100000"/>
+                <a:shade val="100000"/>
+              </a:schemeClr>
+            </a:gs>
+            <a:gs pos="100000">
+              <a:schemeClr val="phClr">
+                <a:lumMod val="99000"/>
+                <a:satMod val="120000"/>
+                <a:shade val="78000"/>
+              </a:schemeClr>
+            </a:gs>
+          </a:gsLst>
+          <a:lin ang="5400000" scaled="0"/>
+        </a:gradFill>
+      </a:fillStyleLst>
+      <a:lnStyleLst>
+        <a:ln w="6350" cap="flat" cmpd="sng" algn="ctr">
+          <a:solidFill>
+            <a:schemeClr val="phClr"/>
+          </a:solidFill>
+          <a:prstDash val="solid"/>
+          <a:miter lim="800000"/>
+        </a:ln>
+        <a:ln w="12700" cap="flat" cmpd="sng" algn="ctr">
+          <a:solidFill>
+            <a:schemeClr val="phClr"/>
+          </a:solidFill>
+          <a:prstDash val="solid"/>
+          <a:miter lim="800000"/>
+        </a:ln>
+        <a:ln w="19050" cap="flat" cmpd="sng" algn="ctr">
+          <a:solidFill>
+            <a:schemeClr val="phClr"/>
+          </a:solidFill>
+          <a:prstDash val="solid"/>
+          <a:miter lim="800000"/>
+        </a:ln>
+      </a:lnStyleLst>
+      <a:effectStyleLst>
+        <a:effectStyle>
+          <a:effectLst/>
+        </a:effectStyle>
+        <a:effectStyle>
+          <a:effectLst/>
+        </a:effectStyle>
+        <a:effectStyle>
+          <a:effectLst>
+            <a:outerShdw blurRad="57150" dist="19050" dir="5400000" algn="ctr" rotWithShape="0">
+              <a:srgbClr val="000000">
+                <a:alpha val="63000"/>
+              </a:srgbClr>
+            </a:outerShdw>
+          </a:effectLst>
+        </a:effectStyle>
+      </a:effectStyleLst>
+      <a:bgFillStyleLst>
+        <a:solidFill>
+          <a:schemeClr val="phClr"/>
+        </a:solidFill>
+        <a:solidFill>
+          <a:schemeClr val="phClr">
+            <a:tint val="95000"/>
+            <a:satMod val="170000"/>
+          </a:schemeClr>
+        </a:solidFill>
+        <a:gradFill rotWithShape="1">
+          <a:gsLst>
+            <a:gs pos="0">
+              <a:schemeClr val="phClr">
+                <a:tint val="93000"/>
+                <a:satMod val="150000"/>
+                <a:shade val="98000"/>
+                <a:lumMod val="102000"/>
+              </a:schemeClr>
+            </a:gs>
+            <a:gs pos="50000">
+              <a:schemeClr val="phClr">
+                <a:tint val="98000"/>
+                <a:satMod val="130000"/>
+                <a:shade val="90000"/>
+                <a:lumMod val="103000"/>
+              </a:schemeClr>
+            </a:gs>
+            <a:gs pos="100000">
+              <a:schemeClr val="phClr">
+                <a:shade val="63000"/>
+                <a:satMod val="120000"/>
+              </a:schemeClr>
+            </a:gs>
+          </a:gsLst>
+          <a:lin ang="5400000" scaled="0"/>
+        </a:gradFill>
+      </a:bgFillStyleLst>
+    </a:fmtScheme>
+  </a:themeElements>
+  <a:objectDefaults/>
+  <a:extraClrSchemeLst/>
+  <a:extLst>
+    <a:ext uri="{05A4C25C-085E-4340-85A3-A5531E510DB2}">
+      <thm15:themeFamily xmlns:thm15="http://schemas.microsoft.com/office/thememl/2012/main" name="Office Theme" id="{62F939B6-93AF-4DB8-9C6B-D6C7DFDC589F}" vid="{4A3C46E8-61CC-4603-A589-7422A47A8E4A}"/>
+    </a:ext>
+  </a:extLst>
+</a:theme>
 </file>